--- a/06-최종산출물/AWS 구성도 ver 0.5.pptx
+++ b/06-최종산출물/AWS 구성도 ver 0.5.pptx
@@ -1,12 +1,18 @@
 
 <file path=ppt/presentation.xml><?xml version="1.0" encoding="utf-8"?>
-<p:presentation xmlns:a="http://schemas.openxmlformats.org/drawingml/2006/main" xmlns:r="http://schemas.openxmlformats.org/officeDocument/2006/relationships" xmlns:p="http://schemas.openxmlformats.org/presentationml/2006/main" xmlns:p14="http://schemas.microsoft.com/office/powerpoint/2010/main" saveSubsetFonts="1">
+<p:presentation xmlns:r="http://schemas.openxmlformats.org/officeDocument/2006/relationships" xmlns:c="http://schemas.openxmlformats.org/drawingml/2006/chart" xmlns:a="http://schemas.openxmlformats.org/drawingml/2006/main" xmlns:dgm="http://schemas.openxmlformats.org/drawingml/2006/diagram" xmlns:dsp="http://schemas.microsoft.com/office/drawing/2008/diagram" xmlns:p="http://schemas.openxmlformats.org/presentationml/2006/main">
   <p:sldMasterIdLst>
-    <p:sldMasterId id="2147483661" r:id="rId13"/>
+    <p:sldMasterId id="2147483660" r:id="rId1"/>
   </p:sldMasterIdLst>
+  <p:notesMasterIdLst>
+    <p:notesMasterId r:id="rId2"/>
+  </p:notesMasterIdLst>
   <p:sldIdLst>
-    <p:sldId id="256" r:id="rId15"/>
-    <p:sldId id="257" r:id="rId16"/>
+    <p:sldId id="258" r:id="rId3"/>
+    <p:sldId id="259" r:id="rId4"/>
+    <p:sldId id="260" r:id="rId5"/>
+    <p:sldId id="261" r:id="rId6"/>
+    <p:sldId id="257" r:id="rId7"/>
   </p:sldIdLst>
   <p:sldSz cx="12192000" cy="6858000"/>
   <p:notesSz cx="6858000" cy="9144000"/>
@@ -105,23 +111,500 @@
       </a:defRPr>
     </a:lvl9pPr>
   </p:defaultTextStyle>
-  <p:extLst>
-    <p:ext uri="{EFAFB233-063F-42B5-8137-9DF3F51BA10A}">
-      <p15:sldGuideLst xmlns:p15="http://schemas.microsoft.com/office/powerpoint/2012/main">
-        <p15:guide id="1" orient="horz" pos="2159" userDrawn="1">
-          <p15:clr>
-            <a:srgbClr val="A4A3A4"/>
-          </p15:clr>
-        </p15:guide>
-        <p15:guide id="2" pos="3839" userDrawn="1">
-          <p15:clr>
-            <a:srgbClr val="A4A3A4"/>
-          </p15:clr>
-        </p15:guide>
-      </p15:sldGuideLst>
-    </p:ext>
-  </p:extLst>
 </p:presentation>
+</file>
+
+<file path=ppt/notesMasters/notesMaster1.xml><?xml version="1.0" encoding="utf-8"?>
+<p:notesMaster xmlns:r="http://schemas.openxmlformats.org/officeDocument/2006/relationships" xmlns:c="http://schemas.openxmlformats.org/drawingml/2006/chart" xmlns:a="http://schemas.openxmlformats.org/drawingml/2006/main" xmlns:dgm="http://schemas.openxmlformats.org/drawingml/2006/diagram" xmlns:dsp="http://schemas.microsoft.com/office/drawing/2008/diagram" xmlns:p="http://schemas.openxmlformats.org/presentationml/2006/main">
+  <p:cSld>
+    <p:bg>
+      <p:bgRef idx="1001">
+        <a:schemeClr val="bg1"/>
+      </p:bgRef>
+    </p:bg>
+    <p:spTree>
+      <p:nvGrpSpPr>
+        <p:cNvPr id="1" name=""/>
+        <p:cNvGrpSpPr/>
+        <p:nvPr/>
+      </p:nvGrpSpPr>
+      <p:grpSpPr>
+        <a:xfrm>
+          <a:off x="0" y="0"/>
+          <a:ext cx="0" cy="0"/>
+          <a:chOff x="0" y="0"/>
+          <a:chExt cx="0" cy="0"/>
+        </a:xfrm>
+      </p:grpSpPr>
+      <p:sp>
+        <p:nvSpPr>
+          <p:cNvPr id="2" name="머리글 개체 틀 1"/>
+          <p:cNvSpPr>
+            <a:spLocks noGrp="1"/>
+          </p:cNvSpPr>
+          <p:nvPr>
+            <p:ph type="hdr" sz="quarter" idx="0"/>
+          </p:nvPr>
+        </p:nvSpPr>
+        <p:spPr>
+          <a:xfrm>
+            <a:off x="0" y="0"/>
+            <a:ext cx="2971800" cy="457200"/>
+          </a:xfrm>
+          <a:prstGeom prst="rect">
+            <a:avLst/>
+          </a:prstGeom>
+        </p:spPr>
+        <p:txBody>
+          <a:bodyPr vert="horz" lIns="91440" tIns="45720" rIns="91440" bIns="45720"/>
+          <a:lstStyle>
+            <a:lvl1pPr algn="l">
+              <a:defRPr sz="1200"/>
+            </a:lvl1pPr>
+          </a:lstStyle>
+          <a:p>
+            <a:pPr lvl="0">
+              <a:defRPr/>
+            </a:pPr>
+            <a:r>
+              <a:rPr lang="ko-KR" altLang="en-US"/>
+              <a:t/>
+            </a:r>
+            <a:endParaRPr lang="ko-KR" altLang="en-US"/>
+          </a:p>
+        </p:txBody>
+      </p:sp>
+      <p:sp>
+        <p:nvSpPr>
+          <p:cNvPr id="3" name="날짜 개체 틀 2"/>
+          <p:cNvSpPr>
+            <a:spLocks noGrp="1"/>
+          </p:cNvSpPr>
+          <p:nvPr>
+            <p:ph type="dt" idx="1"/>
+          </p:nvPr>
+        </p:nvSpPr>
+        <p:spPr>
+          <a:xfrm>
+            <a:off x="3884613" y="0"/>
+            <a:ext cx="2971800" cy="457200"/>
+          </a:xfrm>
+          <a:prstGeom prst="rect">
+            <a:avLst/>
+          </a:prstGeom>
+        </p:spPr>
+        <p:txBody>
+          <a:bodyPr vert="horz" lIns="91440" tIns="45720" rIns="91440" bIns="45720"/>
+          <a:lstStyle>
+            <a:lvl1pPr algn="r">
+              <a:defRPr sz="1200"/>
+            </a:lvl1pPr>
+          </a:lstStyle>
+          <a:p>
+            <a:pPr lvl="0">
+              <a:defRPr/>
+            </a:pPr>
+            <a:fld id="{E2B2BC9D-A816-4D0A-858B-1D023B3A8ACA}" type="datetime1">
+              <a:rPr lang="ko-KR" altLang="en-US"/>
+              <a:pPr lvl="0">
+                <a:defRPr/>
+              </a:pPr>
+              <a:t>2022-03-25</a:t>
+            </a:fld>
+            <a:endParaRPr lang="ko-KR" altLang="en-US"/>
+          </a:p>
+        </p:txBody>
+      </p:sp>
+      <p:sp>
+        <p:nvSpPr>
+          <p:cNvPr id="4" name="슬라이드 이미지 개체 틀 3"/>
+          <p:cNvSpPr>
+            <a:spLocks noGrp="1" noRot="1" noChangeAspect="1" noTextEdit="1"/>
+          </p:cNvSpPr>
+          <p:nvPr>
+            <p:ph type="sldImg" idx="2"/>
+          </p:nvPr>
+        </p:nvSpPr>
+        <p:spPr>
+          <a:xfrm>
+            <a:off x="381000" y="685800"/>
+            <a:ext cx="6096000" cy="3429000"/>
+          </a:xfrm>
+          <a:prstGeom prst="rect">
+            <a:avLst/>
+          </a:prstGeom>
+          <a:noFill/>
+          <a:ln w="12700">
+            <a:solidFill>
+              <a:prstClr val="black"/>
+            </a:solidFill>
+          </a:ln>
+        </p:spPr>
+        <p:txBody>
+          <a:bodyPr vert="horz" lIns="91440" tIns="45720" rIns="91440" bIns="45720" anchor="ctr"/>
+          <a:lstStyle/>
+          <a:p>
+            <a:pPr lvl="0">
+              <a:defRPr/>
+            </a:pPr>
+            <a:endParaRPr lang="ko-KR" altLang="en-US"/>
+          </a:p>
+        </p:txBody>
+      </p:sp>
+      <p:sp>
+        <p:nvSpPr>
+          <p:cNvPr id="5" name="슬라이드 노트 개체 틀 4"/>
+          <p:cNvSpPr>
+            <a:spLocks noGrp="1"/>
+          </p:cNvSpPr>
+          <p:nvPr>
+            <p:ph type="body" sz="quarter" idx="3"/>
+          </p:nvPr>
+        </p:nvSpPr>
+        <p:spPr>
+          <a:xfrm>
+            <a:off x="685800" y="4343400"/>
+            <a:ext cx="5486400" cy="4114800"/>
+          </a:xfrm>
+          <a:prstGeom prst="rect">
+            <a:avLst/>
+          </a:prstGeom>
+        </p:spPr>
+        <p:txBody>
+          <a:bodyPr vert="horz" lIns="91440" tIns="45720" rIns="91440" bIns="45720">
+            <a:noAutofit/>
+          </a:bodyPr>
+          <a:lstStyle/>
+          <a:p>
+            <a:pPr lvl="0">
+              <a:defRPr/>
+            </a:pPr>
+            <a:r>
+              <a:rPr lang="ko-KR" altLang="en-US"/>
+              <a:t>마스터 텍스트 스타일을 편집합니다</a:t>
+            </a:r>
+            <a:endParaRPr lang="ko-KR" altLang="en-US"/>
+          </a:p>
+          <a:p>
+            <a:pPr lvl="1">
+              <a:defRPr/>
+            </a:pPr>
+            <a:r>
+              <a:rPr lang="ko-KR" altLang="en-US"/>
+              <a:t>둘째 수준</a:t>
+            </a:r>
+            <a:endParaRPr lang="ko-KR" altLang="en-US"/>
+          </a:p>
+          <a:p>
+            <a:pPr lvl="2">
+              <a:defRPr/>
+            </a:pPr>
+            <a:r>
+              <a:rPr lang="ko-KR" altLang="en-US"/>
+              <a:t>셋째 수준</a:t>
+            </a:r>
+            <a:endParaRPr lang="ko-KR" altLang="en-US"/>
+          </a:p>
+          <a:p>
+            <a:pPr lvl="3">
+              <a:defRPr/>
+            </a:pPr>
+            <a:r>
+              <a:rPr lang="ko-KR" altLang="en-US"/>
+              <a:t>넷째 수준</a:t>
+            </a:r>
+            <a:endParaRPr lang="ko-KR" altLang="en-US"/>
+          </a:p>
+          <a:p>
+            <a:pPr lvl="4">
+              <a:defRPr/>
+            </a:pPr>
+            <a:r>
+              <a:rPr lang="ko-KR" altLang="en-US"/>
+              <a:t>다섯째 수준</a:t>
+            </a:r>
+            <a:endParaRPr lang="ko-KR" altLang="en-US"/>
+          </a:p>
+        </p:txBody>
+      </p:sp>
+      <p:sp>
+        <p:nvSpPr>
+          <p:cNvPr id="6" name="바닥글 개체 틀 5"/>
+          <p:cNvSpPr>
+            <a:spLocks noGrp="1"/>
+          </p:cNvSpPr>
+          <p:nvPr>
+            <p:ph type="ftr" sz="quarter" idx="4"/>
+          </p:nvPr>
+        </p:nvSpPr>
+        <p:spPr>
+          <a:xfrm>
+            <a:off x="0" y="8685213"/>
+            <a:ext cx="2971800" cy="457200"/>
+          </a:xfrm>
+          <a:prstGeom prst="rect">
+            <a:avLst/>
+          </a:prstGeom>
+        </p:spPr>
+        <p:txBody>
+          <a:bodyPr vert="horz" lIns="91440" tIns="45720" rIns="91440" bIns="45720" anchor="b"/>
+          <a:lstStyle>
+            <a:lvl1pPr algn="l">
+              <a:defRPr sz="1200"/>
+            </a:lvl1pPr>
+          </a:lstStyle>
+          <a:p>
+            <a:pPr lvl="0">
+              <a:defRPr/>
+            </a:pPr>
+            <a:r>
+              <a:rPr lang="ko-KR" altLang="en-US"/>
+              <a:t/>
+            </a:r>
+            <a:endParaRPr lang="ko-KR" altLang="en-US"/>
+          </a:p>
+        </p:txBody>
+      </p:sp>
+      <p:sp>
+        <p:nvSpPr>
+          <p:cNvPr id="7" name="슬라이드 번호 개체 틀 6"/>
+          <p:cNvSpPr>
+            <a:spLocks noGrp="1"/>
+          </p:cNvSpPr>
+          <p:nvPr>
+            <p:ph type="sldNum" sz="quarter" idx="5"/>
+          </p:nvPr>
+        </p:nvSpPr>
+        <p:spPr>
+          <a:xfrm>
+            <a:off x="3884613" y="8685213"/>
+            <a:ext cx="2971800" cy="457200"/>
+          </a:xfrm>
+          <a:prstGeom prst="rect">
+            <a:avLst/>
+          </a:prstGeom>
+        </p:spPr>
+        <p:txBody>
+          <a:bodyPr vert="horz" lIns="91440" tIns="45720" rIns="91440" bIns="45720" anchor="b"/>
+          <a:lstStyle>
+            <a:lvl1pPr algn="r">
+              <a:defRPr sz="1200"/>
+            </a:lvl1pPr>
+          </a:lstStyle>
+          <a:p>
+            <a:pPr lvl="0">
+              <a:defRPr/>
+            </a:pPr>
+            <a:fld id="{09F4262C-968C-4EE9-8164-CE16364706B3}" type="slidenum">
+              <a:rPr lang="ko-KR" altLang="en-US"/>
+              <a:pPr lvl="0">
+                <a:defRPr/>
+              </a:pPr>
+              <a:t>‹#›</a:t>
+            </a:fld>
+            <a:endParaRPr lang="ko-KR" altLang="en-US"/>
+          </a:p>
+        </p:txBody>
+      </p:sp>
+    </p:spTree>
+  </p:cSld>
+  <p:clrMap bg1="lt1" tx1="dk1" bg2="lt2" tx2="dk2" accent1="accent1" accent2="accent2" accent3="accent3" accent4="accent4" accent5="accent5" accent6="accent6" hlink="hlink" folHlink="folHlink"/>
+  <p:hf hdr="0" ftr="0" dt="0"/>
+  <p:notesStyle>
+    <a:lvl1pPr marL="0" algn="l" defTabSz="914400" rtl="0" eaLnBrk="1" latinLnBrk="1" hangingPunct="1">
+      <a:defRPr sz="1200" kern="1200">
+        <a:solidFill>
+          <a:schemeClr val="tx1"/>
+        </a:solidFill>
+        <a:latin typeface="+mj-lt"/>
+        <a:ea typeface="+mj-ea"/>
+        <a:cs typeface="+mj-cs"/>
+      </a:defRPr>
+    </a:lvl1pPr>
+    <a:lvl2pPr marL="457200" algn="l" defTabSz="914400" rtl="0" eaLnBrk="1" latinLnBrk="1" hangingPunct="1">
+      <a:defRPr sz="1200" kern="1200">
+        <a:solidFill>
+          <a:schemeClr val="tx1"/>
+        </a:solidFill>
+        <a:latin typeface="+mj-lt"/>
+        <a:ea typeface="+mj-ea"/>
+        <a:cs typeface="+mj-cs"/>
+      </a:defRPr>
+    </a:lvl2pPr>
+    <a:lvl3pPr marL="914400" algn="l" defTabSz="914400" rtl="0" eaLnBrk="1" latinLnBrk="1" hangingPunct="1">
+      <a:defRPr sz="1200" kern="1200">
+        <a:solidFill>
+          <a:schemeClr val="tx1"/>
+        </a:solidFill>
+        <a:latin typeface="+mj-lt"/>
+        <a:ea typeface="+mj-ea"/>
+        <a:cs typeface="+mj-cs"/>
+      </a:defRPr>
+    </a:lvl3pPr>
+    <a:lvl4pPr marL="1371600" algn="l" defTabSz="914400" rtl="0" eaLnBrk="1" latinLnBrk="1" hangingPunct="1">
+      <a:defRPr sz="1200" kern="1200">
+        <a:solidFill>
+          <a:schemeClr val="tx1"/>
+        </a:solidFill>
+        <a:latin typeface="+mj-lt"/>
+        <a:ea typeface="+mj-ea"/>
+        <a:cs typeface="+mj-cs"/>
+      </a:defRPr>
+    </a:lvl4pPr>
+    <a:lvl5pPr marL="1828800" algn="l" defTabSz="914400" rtl="0" eaLnBrk="1" latinLnBrk="1" hangingPunct="1">
+      <a:defRPr sz="1200" kern="1200">
+        <a:solidFill>
+          <a:schemeClr val="tx1"/>
+        </a:solidFill>
+        <a:latin typeface="+mj-lt"/>
+        <a:ea typeface="+mj-ea"/>
+        <a:cs typeface="+mj-cs"/>
+      </a:defRPr>
+    </a:lvl5pPr>
+    <a:lvl6pPr marL="2286000" algn="l" defTabSz="914400" rtl="0" eaLnBrk="1" latinLnBrk="1" hangingPunct="1">
+      <a:defRPr sz="1200" kern="1200">
+        <a:solidFill>
+          <a:schemeClr val="tx1"/>
+        </a:solidFill>
+        <a:latin typeface="+mj-lt"/>
+        <a:ea typeface="+mj-ea"/>
+        <a:cs typeface="+mj-cs"/>
+      </a:defRPr>
+    </a:lvl6pPr>
+    <a:lvl7pPr marL="2743200" algn="l" defTabSz="914400" rtl="0" eaLnBrk="1" latinLnBrk="1" hangingPunct="1">
+      <a:defRPr sz="1200" kern="1200">
+        <a:solidFill>
+          <a:schemeClr val="tx1"/>
+        </a:solidFill>
+        <a:latin typeface="+mj-lt"/>
+        <a:ea typeface="+mj-ea"/>
+        <a:cs typeface="+mj-cs"/>
+      </a:defRPr>
+    </a:lvl7pPr>
+    <a:lvl8pPr marL="3200400" algn="l" defTabSz="914400" rtl="0" eaLnBrk="1" latinLnBrk="1" hangingPunct="1">
+      <a:defRPr sz="1200" kern="1200">
+        <a:solidFill>
+          <a:schemeClr val="tx1"/>
+        </a:solidFill>
+        <a:latin typeface="+mj-lt"/>
+        <a:ea typeface="+mj-ea"/>
+        <a:cs typeface="+mj-cs"/>
+      </a:defRPr>
+    </a:lvl8pPr>
+    <a:lvl9pPr marL="3657600" algn="l" defTabSz="914400" rtl="0" eaLnBrk="1" latinLnBrk="1" hangingPunct="1">
+      <a:defRPr sz="1200" kern="1200">
+        <a:solidFill>
+          <a:schemeClr val="tx1"/>
+        </a:solidFill>
+        <a:latin typeface="+mj-lt"/>
+        <a:ea typeface="+mj-ea"/>
+        <a:cs typeface="+mj-cs"/>
+      </a:defRPr>
+    </a:lvl9pPr>
+  </p:notesStyle>
+</p:notesMaster>
+</file>
+
+<file path=ppt/notesSlides/notesSlide1.xml><?xml version="1.0" encoding="utf-8"?>
+<p:notes xmlns:r="http://schemas.openxmlformats.org/officeDocument/2006/relationships" xmlns:c="http://schemas.openxmlformats.org/drawingml/2006/chart" xmlns:a="http://schemas.openxmlformats.org/drawingml/2006/main" xmlns:dgm="http://schemas.openxmlformats.org/drawingml/2006/diagram" xmlns:dsp="http://schemas.microsoft.com/office/drawing/2008/diagram" xmlns:p="http://schemas.openxmlformats.org/presentationml/2006/main">
+  <p:cSld>
+    <p:spTree>
+      <p:nvGrpSpPr>
+        <p:cNvPr id="1" name=""/>
+        <p:cNvGrpSpPr/>
+        <p:nvPr/>
+      </p:nvGrpSpPr>
+      <p:grpSpPr>
+        <a:xfrm>
+          <a:off x="0" y="0"/>
+          <a:ext cx="0" cy="0"/>
+          <a:chOff x="0" y="0"/>
+          <a:chExt cx="0" cy="0"/>
+        </a:xfrm>
+      </p:grpSpPr>
+      <p:sp>
+        <p:nvSpPr>
+          <p:cNvPr id="2" name="슬라이드 이미지 개체 틀 3"/>
+          <p:cNvSpPr>
+            <a:spLocks noGrp="1" noRot="1" noChangeAspect="1" noTextEdit="1"/>
+          </p:cNvSpPr>
+          <p:nvPr>
+            <p:ph type="sldImg" idx="2"/>
+          </p:nvPr>
+        </p:nvSpPr>
+        <p:spPr/>
+        <p:txBody>
+          <a:bodyPr/>
+          <a:lstStyle/>
+          <a:p>
+            <a:pPr>
+              <a:defRPr/>
+            </a:pPr>
+            <a:endParaRPr lang="en-US" altLang="ko-KR"/>
+          </a:p>
+        </p:txBody>
+      </p:sp>
+      <p:sp>
+        <p:nvSpPr>
+          <p:cNvPr id="3" name="슬라이드 노트 개체 틀 4"/>
+          <p:cNvSpPr>
+            <a:spLocks noGrp="1"/>
+          </p:cNvSpPr>
+          <p:nvPr>
+            <p:ph type="body" sz="quarter" idx="3"/>
+          </p:nvPr>
+        </p:nvSpPr>
+        <p:spPr/>
+        <p:txBody>
+          <a:bodyPr/>
+          <a:lstStyle/>
+          <a:p>
+            <a:pPr>
+              <a:defRPr/>
+            </a:pPr>
+            <a:r>
+              <a:rPr lang="ko-KR" altLang="en-US"/>
+              <a:t/>
+            </a:r>
+            <a:endParaRPr lang="ko-KR" altLang="en-US"/>
+          </a:p>
+        </p:txBody>
+      </p:sp>
+      <p:sp>
+        <p:nvSpPr>
+          <p:cNvPr id="4" name="슬라이드 번호 개체 틀 6"/>
+          <p:cNvSpPr>
+            <a:spLocks noGrp="1"/>
+          </p:cNvSpPr>
+          <p:nvPr>
+            <p:ph type="sldNum" sz="quarter" idx="5"/>
+          </p:nvPr>
+        </p:nvSpPr>
+        <p:spPr/>
+        <p:txBody>
+          <a:bodyPr/>
+          <a:lstStyle/>
+          <a:p>
+            <a:pPr lvl="0">
+              <a:defRPr/>
+            </a:pPr>
+            <a:fld id="{09F4262C-968C-4EE9-8164-CE16364706B3}" type="slidenum">
+              <a:rPr lang="en-US" altLang="en-US"/>
+              <a:pPr lvl="0">
+                <a:defRPr/>
+              </a:pPr>
+              <a:t>3</a:t>
+            </a:fld>
+            <a:endParaRPr lang="en-US" altLang="en-US"/>
+          </a:p>
+        </p:txBody>
+      </p:sp>
+    </p:spTree>
+  </p:cSld>
+  <p:clrMapOvr>
+    <a:masterClrMapping/>
+  </p:clrMapOvr>
+</p:notes>
 </file>
 
 <file path=ppt/slideLayouts/slideLayout1.xml><?xml version="1.0" encoding="utf-8"?>
@@ -3322,7 +3805,7 @@
 </file>
 
 <file path=ppt/slides/slide1.xml><?xml version="1.0" encoding="utf-8"?>
-<p:sld xmlns:a="http://schemas.openxmlformats.org/drawingml/2006/main" xmlns:r="http://schemas.openxmlformats.org/officeDocument/2006/relationships" xmlns:p="http://schemas.openxmlformats.org/presentationml/2006/main" xmlns:p14="http://schemas.microsoft.com/office/powerpoint/2010/main">
+<p:sld xmlns:r="http://schemas.openxmlformats.org/officeDocument/2006/relationships" xmlns:c="http://schemas.openxmlformats.org/drawingml/2006/chart" xmlns:a="http://schemas.openxmlformats.org/drawingml/2006/main" xmlns:dgm="http://schemas.openxmlformats.org/drawingml/2006/diagram" xmlns:dsp="http://schemas.microsoft.com/office/drawing/2008/diagram" xmlns:p="http://schemas.openxmlformats.org/presentationml/2006/main">
   <p:cSld>
     <p:spTree>
       <p:nvGrpSpPr>
@@ -3340,5575 +3823,1392 @@
       </p:grpSpPr>
       <p:sp>
         <p:nvSpPr>
-          <p:cNvPr id="53" name="Rectangle 7">
-            <a:extLst>
-              <a:ext uri="{FF2B5EF4-FFF2-40B4-BE49-F238E27FC236}">
-                <a16:creationId xmlns:a16="http://schemas.microsoft.com/office/drawing/2014/main" id="{B830CD98-49A0-4880-8860-02F61B0872B1}"/>
-              </a:ext>
-            </a:extLst>
-          </p:cNvPr>
-          <p:cNvSpPr/>
+          <p:cNvPr id="2" name="제목 1"/>
+          <p:cNvSpPr>
+            <a:spLocks noGrp="1"/>
+          </p:cNvSpPr>
+          <p:nvPr>
+            <p:ph type="ctrTitle" idx="0"/>
+          </p:nvPr>
+        </p:nvSpPr>
+        <p:spPr/>
+        <p:txBody>
+          <a:bodyPr/>
+          <a:lstStyle/>
+          <a:p>
+            <a:pPr>
+              <a:defRPr/>
+            </a:pPr>
+            <a:r>
+              <a:rPr lang="en-US" altLang="ko-KR"/>
+              <a:t>KSA　Project</a:t>
+            </a:r>
+            <a:endParaRPr lang="en-US" altLang="ko-KR"/>
+          </a:p>
+        </p:txBody>
+      </p:sp>
+    </p:spTree>
+  </p:cSld>
+  <p:clrMapOvr>
+    <a:masterClrMapping/>
+  </p:clrMapOvr>
+  <mc:AlternateContent xmlns:mc="http://schemas.openxmlformats.org/markup-compatibility/2006">
+    <mc:Choice xmlns:p14="http://schemas.microsoft.com/office/powerpoint/2010/main" Requires="p14">
+      <p:transition xmlns:mc="http://schemas.openxmlformats.org/markup-compatibility/2006" xmlns:p14="http://schemas.microsoft.com/office/powerpoint/2010/main" mc:Ignorable="p14" p14:dur="500"/>
+    </mc:Choice>
+    <mc:Fallback>
+      <p:transition/>
+    </mc:Fallback>
+  </mc:AlternateContent>
+</p:sld>
+</file>
+
+<file path=ppt/slides/slide2.xml><?xml version="1.0" encoding="utf-8"?>
+<p:sld xmlns:r="http://schemas.openxmlformats.org/officeDocument/2006/relationships" xmlns:c="http://schemas.openxmlformats.org/drawingml/2006/chart" xmlns:a="http://schemas.openxmlformats.org/drawingml/2006/main" xmlns:dgm="http://schemas.openxmlformats.org/drawingml/2006/diagram" xmlns:dsp="http://schemas.microsoft.com/office/drawing/2008/diagram" xmlns:p="http://schemas.openxmlformats.org/presentationml/2006/main">
+  <p:cSld>
+    <p:spTree>
+      <p:nvGrpSpPr>
+        <p:cNvPr id="1" name=""/>
+        <p:cNvGrpSpPr/>
+        <p:nvPr/>
+      </p:nvGrpSpPr>
+      <p:grpSpPr>
+        <a:xfrm>
+          <a:off x="0" y="0"/>
+          <a:ext cx="0" cy="0"/>
+          <a:chOff x="0" y="0"/>
+          <a:chExt cx="0" cy="0"/>
+        </a:xfrm>
+      </p:grpSpPr>
+      <p:sp>
+        <p:nvSpPr>
+          <p:cNvPr id="4" name="TextBox 3"/>
+          <p:cNvSpPr txBox="1"/>
           <p:nvPr/>
         </p:nvSpPr>
         <p:spPr>
           <a:xfrm>
-            <a:off x="9140825" y="3507740"/>
-            <a:ext cx="2069465" cy="796925"/>
+            <a:off x="9053351" y="273843"/>
+            <a:ext cx="2867422" cy="362427"/>
           </a:xfrm>
           <a:prstGeom prst="rect">
             <a:avLst/>
           </a:prstGeom>
-          <a:solidFill>
-            <a:srgbClr val="007CBC">
-              <a:alpha val="9804"/>
-            </a:srgbClr>
-          </a:solidFill>
-          <a:ln w="12700">
-            <a:noFill/>
-            <a:prstDash val="dash"/>
-          </a:ln>
-        </p:spPr>
-        <p:style>
-          <a:lnRef idx="2">
-            <a:schemeClr val="accent1">
-              <a:shade val="50000"/>
-            </a:schemeClr>
-          </a:lnRef>
-          <a:fillRef idx="1">
-            <a:schemeClr val="accent1"/>
-          </a:fillRef>
-          <a:effectRef idx="0">
-            <a:schemeClr val="accent1"/>
-          </a:effectRef>
-          <a:fontRef idx="minor">
-            <a:schemeClr val="lt1"/>
-          </a:fontRef>
-        </p:style>
+        </p:spPr>
         <p:txBody>
-          <a:bodyPr lIns="502920"/>
-          <a:lstStyle>
-            <a:defPPr>
-              <a:defRPr lang="en-US"/>
-            </a:defPPr>
-            <a:lvl1pPr algn="l" rtl="0" eaLnBrk="0" fontAlgn="base" hangingPunct="0">
-              <a:spcBef>
-                <a:spcPct val="0"/>
-              </a:spcBef>
-              <a:spcAft>
-                <a:spcPct val="0"/>
-              </a:spcAft>
-              <a:defRPr kern="1200">
-                <a:solidFill>
-                  <a:schemeClr val="lt1"/>
-                </a:solidFill>
-                <a:latin typeface="+mn-lt"/>
-                <a:ea typeface="+mn-ea"/>
-                <a:cs typeface="+mn-cs"/>
-              </a:defRPr>
-            </a:lvl1pPr>
-            <a:lvl2pPr marL="457200" algn="l" rtl="0" eaLnBrk="0" fontAlgn="base" hangingPunct="0">
-              <a:spcBef>
-                <a:spcPct val="0"/>
-              </a:spcBef>
-              <a:spcAft>
-                <a:spcPct val="0"/>
-              </a:spcAft>
-              <a:defRPr kern="1200">
-                <a:solidFill>
-                  <a:schemeClr val="lt1"/>
-                </a:solidFill>
-                <a:latin typeface="+mn-lt"/>
-                <a:ea typeface="+mn-ea"/>
-                <a:cs typeface="+mn-cs"/>
-              </a:defRPr>
-            </a:lvl2pPr>
-            <a:lvl3pPr marL="914400" algn="l" rtl="0" eaLnBrk="0" fontAlgn="base" hangingPunct="0">
-              <a:spcBef>
-                <a:spcPct val="0"/>
-              </a:spcBef>
-              <a:spcAft>
-                <a:spcPct val="0"/>
-              </a:spcAft>
-              <a:defRPr kern="1200">
-                <a:solidFill>
-                  <a:schemeClr val="lt1"/>
-                </a:solidFill>
-                <a:latin typeface="+mn-lt"/>
-                <a:ea typeface="+mn-ea"/>
-                <a:cs typeface="+mn-cs"/>
-              </a:defRPr>
-            </a:lvl3pPr>
-            <a:lvl4pPr marL="1371600" algn="l" rtl="0" eaLnBrk="0" fontAlgn="base" hangingPunct="0">
-              <a:spcBef>
-                <a:spcPct val="0"/>
-              </a:spcBef>
-              <a:spcAft>
-                <a:spcPct val="0"/>
-              </a:spcAft>
-              <a:defRPr kern="1200">
-                <a:solidFill>
-                  <a:schemeClr val="lt1"/>
-                </a:solidFill>
-                <a:latin typeface="+mn-lt"/>
-                <a:ea typeface="+mn-ea"/>
-                <a:cs typeface="+mn-cs"/>
-              </a:defRPr>
-            </a:lvl4pPr>
-            <a:lvl5pPr marL="1828800" algn="l" rtl="0" eaLnBrk="0" fontAlgn="base" hangingPunct="0">
-              <a:spcBef>
-                <a:spcPct val="0"/>
-              </a:spcBef>
-              <a:spcAft>
-                <a:spcPct val="0"/>
-              </a:spcAft>
-              <a:defRPr kern="1200">
-                <a:solidFill>
-                  <a:schemeClr val="lt1"/>
-                </a:solidFill>
-                <a:latin typeface="+mn-lt"/>
-                <a:ea typeface="+mn-ea"/>
-                <a:cs typeface="+mn-cs"/>
-              </a:defRPr>
-            </a:lvl5pPr>
-            <a:lvl6pPr marL="2286000" algn="l" defTabSz="914400" rtl="0" eaLnBrk="1" latinLnBrk="0" hangingPunct="1">
-              <a:defRPr kern="1200">
-                <a:solidFill>
-                  <a:schemeClr val="lt1"/>
-                </a:solidFill>
-                <a:latin typeface="+mn-lt"/>
-                <a:ea typeface="+mn-ea"/>
-                <a:cs typeface="+mn-cs"/>
-              </a:defRPr>
-            </a:lvl6pPr>
-            <a:lvl7pPr marL="2743200" algn="l" defTabSz="914400" rtl="0" eaLnBrk="1" latinLnBrk="0" hangingPunct="1">
-              <a:defRPr kern="1200">
-                <a:solidFill>
-                  <a:schemeClr val="lt1"/>
-                </a:solidFill>
-                <a:latin typeface="+mn-lt"/>
-                <a:ea typeface="+mn-ea"/>
-                <a:cs typeface="+mn-cs"/>
-              </a:defRPr>
-            </a:lvl7pPr>
-            <a:lvl8pPr marL="3200400" algn="l" defTabSz="914400" rtl="0" eaLnBrk="1" latinLnBrk="0" hangingPunct="1">
-              <a:defRPr kern="1200">
-                <a:solidFill>
-                  <a:schemeClr val="lt1"/>
-                </a:solidFill>
-                <a:latin typeface="+mn-lt"/>
-                <a:ea typeface="+mn-ea"/>
-                <a:cs typeface="+mn-cs"/>
-              </a:defRPr>
-            </a:lvl8pPr>
-            <a:lvl9pPr marL="3657600" algn="l" defTabSz="914400" rtl="0" eaLnBrk="1" latinLnBrk="0" hangingPunct="1">
-              <a:defRPr kern="1200">
-                <a:solidFill>
-                  <a:schemeClr val="lt1"/>
-                </a:solidFill>
-                <a:latin typeface="+mn-lt"/>
-                <a:ea typeface="+mn-ea"/>
-                <a:cs typeface="+mn-cs"/>
-              </a:defRPr>
-            </a:lvl9pPr>
-          </a:lstStyle>
-          <a:p>
-            <a:pPr eaLnBrk="1" fontAlgn="auto" hangingPunct="1">
-              <a:spcBef>
-                <a:spcPts val="0"/>
-              </a:spcBef>
-              <a:spcAft>
-                <a:spcPts val="0"/>
-              </a:spcAft>
+          <a:bodyPr wrap="square">
+            <a:spAutoFit/>
+          </a:bodyPr>
+          <a:lstStyle/>
+          <a:p>
+            <a:pPr>
               <a:defRPr/>
             </a:pPr>
             <a:r>
-              <a:rPr lang="en-US" sz="1200" dirty="0">
-                <a:solidFill>
-                  <a:srgbClr val="5B9CD5"/>
-                </a:solidFill>
-                <a:latin typeface="Arial" panose="020B0604020202020204" pitchFamily="34" charset="0"/>
-                <a:cs typeface="Arial" panose="020B0604020202020204" pitchFamily="34" charset="0"/>
-              </a:rPr>
-              <a:t>Private subnet</a:t>
+              <a:rPr lang="ko-KR" altLang="en-US"/>
+              <a:t>시스템 주요기술 정의</a:t>
             </a:r>
+            <a:endParaRPr lang="ko-KR" altLang="en-US"/>
           </a:p>
         </p:txBody>
       </p:sp>
+      <p:graphicFrame>
+        <p:nvGraphicFramePr>
+          <p:cNvPr id="12" name="표 11"/>
+          <p:cNvGraphicFramePr>
+            <a:graphicFrameLocks noGrp="1"/>
+          </p:cNvGraphicFramePr>
+          <p:nvPr/>
+        </p:nvGraphicFramePr>
+        <p:xfrm>
+          <a:off x="713382" y="978296"/>
+          <a:ext cx="9773680" cy="4945597"/>
+        </p:xfrm>
+        <a:graphic>
+          <a:graphicData uri="http://schemas.openxmlformats.org/drawingml/2006/table">
+            <a:tbl>
+              <a:tblPr firstRow="1" bandRow="1">
+                <a:tableStyleId>{01A66EDD-3DAB-4C5B-A090-DC80EC1FD486}</a:tableStyleId>
+              </a:tblPr>
+              <a:tblGrid>
+                <a:gridCol w="4887784"/>
+                <a:gridCol w="4885896"/>
+              </a:tblGrid>
+              <a:tr h="845578">
+                <a:tc>
+                  <a:txBody>
+                    <a:bodyPr vert="horz" lIns="91440" tIns="45720" rIns="91440" bIns="45720" anchor="t" anchorCtr="0"/>
+                    <a:p>
+                      <a:pPr algn="ctr">
+                        <a:defRPr/>
+                      </a:pPr>
+                      <a:endParaRPr lang="ko-KR" altLang="en-US"/>
+                    </a:p>
+                    <a:p>
+                      <a:pPr algn="ctr">
+                        <a:defRPr/>
+                      </a:pPr>
+                      <a:r>
+                        <a:rPr lang="ko-KR" altLang="en-US"/>
+                        <a:t>시스템 소프트웨어</a:t>
+                      </a:r>
+                      <a:endParaRPr lang="ko-KR" altLang="en-US"/>
+                    </a:p>
+                  </a:txBody>
+                  <a:tcPr marL="91440" marR="91440"/>
+                </a:tc>
+                <a:tc>
+                  <a:txBody>
+                    <a:bodyPr vert="horz" lIns="91440" tIns="45720" rIns="91440" bIns="45720" anchor="t" anchorCtr="0"/>
+                    <a:p>
+                      <a:pPr algn="ctr">
+                        <a:defRPr/>
+                      </a:pPr>
+                      <a:endParaRPr lang="ko-KR" altLang="en-US"/>
+                    </a:p>
+                    <a:p>
+                      <a:pPr algn="ctr">
+                        <a:defRPr/>
+                      </a:pPr>
+                      <a:r>
+                        <a:rPr lang="ko-KR" altLang="en-US"/>
+                        <a:t>개발 소프트 웨어</a:t>
+                      </a:r>
+                      <a:endParaRPr lang="ko-KR" altLang="en-US"/>
+                    </a:p>
+                  </a:txBody>
+                  <a:tcPr marL="91440" marR="91440"/>
+                </a:tc>
+              </a:tr>
+              <a:tr h="4100019">
+                <a:tc>
+                  <a:txBody>
+                    <a:bodyPr vert="horz" lIns="91440" tIns="45720" rIns="91440" bIns="45720" anchor="t" anchorCtr="0"/>
+                    <a:p>
+                      <a:pPr marL="256540" indent="-256540">
+                        <a:buFont typeface="Arial"/>
+                        <a:buChar char="•"/>
+                        <a:defRPr/>
+                      </a:pPr>
+                      <a:endParaRPr lang="en-US" altLang="ko-KR" sz="2300"/>
+                    </a:p>
+                    <a:p>
+                      <a:pPr marL="256540" indent="-256540">
+                        <a:buFont typeface="Arial"/>
+                        <a:buChar char="•"/>
+                        <a:defRPr/>
+                      </a:pPr>
+                      <a:r>
+                        <a:rPr lang="en-US" altLang="ko-KR" sz="2300"/>
+                        <a:t>Os - Windows 10 20H2</a:t>
+                      </a:r>
+                      <a:endParaRPr lang="en-US" altLang="ko-KR" sz="2300"/>
+                    </a:p>
+                    <a:p>
+                      <a:pPr marL="256540" indent="-256540">
+                        <a:buFont typeface="Arial"/>
+                        <a:buChar char="•"/>
+                        <a:defRPr/>
+                      </a:pPr>
+                      <a:r>
+                        <a:rPr lang="en-US" altLang="ko-KR" sz="2300"/>
+                        <a:t>Web Server - AWS</a:t>
+                      </a:r>
+                      <a:r>
+                        <a:rPr lang="ko-KR" altLang="en-US" sz="2300"/>
+                        <a:t> </a:t>
+                      </a:r>
+                      <a:r>
+                        <a:rPr lang="en-US" altLang="ko-KR" sz="2300"/>
+                        <a:t>S3</a:t>
+                      </a:r>
+                      <a:endParaRPr lang="en-US" altLang="ko-KR" sz="2300"/>
+                    </a:p>
+                    <a:p>
+                      <a:pPr marL="256540" indent="-256540">
+                        <a:buFont typeface="Arial"/>
+                        <a:buChar char="•"/>
+                        <a:defRPr/>
+                      </a:pPr>
+                      <a:r>
+                        <a:rPr lang="en-US" altLang="ko-KR" sz="2300"/>
+                        <a:t>Web Application Server - Tomcat</a:t>
+                      </a:r>
+                      <a:endParaRPr lang="en-US" altLang="ko-KR" sz="2300"/>
+                    </a:p>
+                    <a:p>
+                      <a:pPr marL="256540" indent="-256540">
+                        <a:buFont typeface="Arial"/>
+                        <a:buChar char="•"/>
+                        <a:defRPr/>
+                      </a:pPr>
+                      <a:r>
+                        <a:rPr lang="en-US" altLang="ko-KR" sz="2300"/>
+                        <a:t>DBMS - Mysql</a:t>
+                      </a:r>
+                      <a:endParaRPr lang="en-US" altLang="ko-KR" sz="2300"/>
+                    </a:p>
+                    <a:p>
+                      <a:pPr marL="257040" indent="-257040">
+                        <a:buFont typeface="Arial"/>
+                        <a:buChar char="•"/>
+                        <a:defRPr/>
+                      </a:pPr>
+                      <a:endParaRPr lang="en-US" altLang="ko-KR"/>
+                    </a:p>
+                  </a:txBody>
+                  <a:tcPr marL="91440" marR="91440"/>
+                </a:tc>
+                <a:tc>
+                  <a:txBody>
+                    <a:bodyPr vert="horz" lIns="91440" tIns="45720" rIns="91440" bIns="45720" anchor="t" anchorCtr="0"/>
+                    <a:p>
+                      <a:pPr marL="256540" indent="-256540">
+                        <a:buFont typeface="Arial"/>
+                        <a:buChar char="•"/>
+                        <a:defRPr/>
+                      </a:pPr>
+                      <a:endParaRPr lang="ko-KR" altLang="en-US" sz="2100" spc="0"/>
+                    </a:p>
+                    <a:p>
+                      <a:pPr marL="256540" lvl="0" indent="-256540">
+                        <a:buFont typeface="Arial"/>
+                        <a:buChar char="•"/>
+                        <a:defRPr/>
+                      </a:pPr>
+                      <a:r>
+                        <a:rPr lang="ko-KR" altLang="en-US" sz="2100" spc="0"/>
+                        <a:t>요구사항 관리 도구 </a:t>
+                      </a:r>
+                      <a:r>
+                        <a:rPr lang="en-US" altLang="ko-KR" sz="2100" spc="0"/>
+                        <a:t>-</a:t>
+                      </a:r>
+                      <a:r>
+                        <a:rPr lang="ko-KR" altLang="en-US" sz="2100" spc="0"/>
+                        <a:t> </a:t>
+                      </a:r>
+                      <a:r>
+                        <a:rPr lang="en-US" altLang="ko-KR" sz="2100" spc="0"/>
+                        <a:t>Miro,</a:t>
+                      </a:r>
+                      <a:r>
+                        <a:rPr lang="ko-KR" altLang="en-US" sz="2100" spc="0"/>
+                        <a:t> </a:t>
+                      </a:r>
+                      <a:r>
+                        <a:rPr lang="en-US" altLang="ko-KR" sz="2100" spc="0"/>
+                        <a:t>Github</a:t>
+                      </a:r>
+                      <a:endParaRPr lang="en-US" altLang="ko-KR" sz="2100" spc="0"/>
+                    </a:p>
+                    <a:p>
+                      <a:pPr marL="256540" indent="-256540">
+                        <a:buFont typeface="Arial"/>
+                        <a:buChar char="•"/>
+                        <a:defRPr/>
+                      </a:pPr>
+                      <a:r>
+                        <a:rPr lang="ko-KR" altLang="en-US" sz="2100" spc="0"/>
+                        <a:t>구현 도구 </a:t>
+                      </a:r>
+                      <a:r>
+                        <a:rPr lang="en-US" altLang="ko-KR" sz="2100" spc="0"/>
+                        <a:t>-</a:t>
+                      </a:r>
+                      <a:r>
+                        <a:rPr lang="ko-KR" altLang="en-US" sz="2100" spc="0"/>
+                        <a:t> </a:t>
+                      </a:r>
+                      <a:r>
+                        <a:rPr lang="en-US" altLang="ko-KR" sz="2100" spc="0"/>
+                        <a:t>Visual Studio Code, Inteli J</a:t>
+                      </a:r>
+                      <a:endParaRPr lang="en-US" altLang="ko-KR" sz="2100" spc="0"/>
+                    </a:p>
+                    <a:p>
+                      <a:pPr marL="256540" indent="-256540">
+                        <a:buFont typeface="Arial"/>
+                        <a:buChar char="•"/>
+                        <a:defRPr/>
+                      </a:pPr>
+                      <a:r>
+                        <a:rPr lang="ko-KR" altLang="en-US" sz="2100" spc="0"/>
+                        <a:t>설계</a:t>
+                      </a:r>
+                      <a:r>
+                        <a:rPr lang="en-US" altLang="ko-KR" sz="2100" spc="0"/>
+                        <a:t>/</a:t>
+                      </a:r>
+                      <a:r>
+                        <a:rPr lang="ko-KR" altLang="en-US" sz="2100" spc="0"/>
+                        <a:t>모델링 도구 </a:t>
+                      </a:r>
+                      <a:r>
+                        <a:rPr lang="en-US" altLang="ko-KR" sz="2100" spc="0"/>
+                        <a:t>-</a:t>
+                      </a:r>
+                      <a:r>
+                        <a:rPr lang="ko-KR" altLang="en-US" sz="2100" spc="0"/>
+                        <a:t> </a:t>
+                      </a:r>
+                      <a:r>
+                        <a:rPr lang="en-US" altLang="ko-KR" sz="2100" spc="0"/>
+                        <a:t>Visual Studio Code, Inteli J , Android Studio</a:t>
+                      </a:r>
+                      <a:endParaRPr lang="en-US" altLang="ko-KR" sz="2100" spc="0"/>
+                    </a:p>
+                    <a:p>
+                      <a:pPr marL="256540" indent="-256540">
+                        <a:buFont typeface="Arial"/>
+                        <a:buChar char="•"/>
+                        <a:defRPr/>
+                      </a:pPr>
+                      <a:r>
+                        <a:rPr lang="ko-KR" altLang="en-US" sz="2100" spc="0"/>
+                        <a:t>테스터 도구 </a:t>
+                      </a:r>
+                      <a:r>
+                        <a:rPr lang="en-US" altLang="ko-KR" sz="2100" spc="0"/>
+                        <a:t>-</a:t>
+                      </a:r>
+                      <a:r>
+                        <a:rPr lang="ko-KR" altLang="en-US" sz="2100" spc="0"/>
+                        <a:t> </a:t>
+                      </a:r>
+                      <a:r>
+                        <a:rPr lang="en-US" altLang="ko-KR" sz="2100" spc="0"/>
+                        <a:t>Junit</a:t>
+                      </a:r>
+                      <a:endParaRPr lang="en-US" altLang="ko-KR" sz="2100" spc="0"/>
+                    </a:p>
+                    <a:p>
+                      <a:pPr marL="256540" indent="-256540">
+                        <a:buFont typeface="Arial"/>
+                        <a:buChar char="•"/>
+                        <a:defRPr/>
+                      </a:pPr>
+                      <a:r>
+                        <a:rPr lang="ko-KR" altLang="en-US" sz="2100" spc="0"/>
+                        <a:t>형상</a:t>
+                      </a:r>
+                      <a:r>
+                        <a:rPr lang="en-US" altLang="ko-KR" sz="2100" spc="0"/>
+                        <a:t> </a:t>
+                      </a:r>
+                      <a:r>
+                        <a:rPr lang="ko-KR" altLang="en-US" sz="2100" spc="0"/>
+                        <a:t>관리 도구 </a:t>
+                      </a:r>
+                      <a:r>
+                        <a:rPr lang="en-US" altLang="ko-KR" sz="2100" spc="0"/>
+                        <a:t>-</a:t>
+                      </a:r>
+                      <a:r>
+                        <a:rPr lang="ko-KR" altLang="en-US" sz="2100" spc="0"/>
+                        <a:t> </a:t>
+                      </a:r>
+                      <a:r>
+                        <a:rPr lang="en-US" altLang="ko-KR" sz="2100" spc="0"/>
+                        <a:t>Git</a:t>
+                      </a:r>
+                      <a:endParaRPr lang="en-US" altLang="ko-KR" sz="2100" spc="0"/>
+                    </a:p>
+                    <a:p>
+                      <a:pPr marL="256540" indent="-256540">
+                        <a:buFont typeface="Arial"/>
+                        <a:buChar char="•"/>
+                        <a:defRPr/>
+                      </a:pPr>
+                      <a:r>
+                        <a:rPr lang="ko-KR" altLang="en-US" sz="2100" spc="0"/>
+                        <a:t>개발언어 </a:t>
+                      </a:r>
+                      <a:r>
+                        <a:rPr lang="en-US" altLang="ko-KR" sz="2100" spc="0"/>
+                        <a:t>-</a:t>
+                      </a:r>
+                      <a:r>
+                        <a:rPr lang="ko-KR" altLang="en-US" sz="2100" spc="0"/>
+                        <a:t> </a:t>
+                      </a:r>
+                      <a:r>
+                        <a:rPr lang="en-US" altLang="ko-KR" sz="2100" spc="0"/>
+                        <a:t>Java , Android Studio , React</a:t>
+                      </a:r>
+                      <a:endParaRPr lang="en-US" altLang="ko-KR" sz="2100" spc="0"/>
+                    </a:p>
+                    <a:p>
+                      <a:pPr marL="256540" indent="-256540">
+                        <a:buFont typeface="Arial"/>
+                        <a:buChar char="•"/>
+                        <a:defRPr/>
+                      </a:pPr>
+                      <a:r>
+                        <a:rPr lang="ko-KR" altLang="en-US" sz="2100" spc="0"/>
+                        <a:t>빌드 도구 </a:t>
+                      </a:r>
+                      <a:r>
+                        <a:rPr lang="en-US" altLang="ko-KR" sz="2100" spc="0"/>
+                        <a:t>-</a:t>
+                      </a:r>
+                      <a:r>
+                        <a:rPr lang="ko-KR" altLang="en-US" sz="2100" spc="0"/>
+                        <a:t> </a:t>
+                      </a:r>
+                      <a:r>
+                        <a:rPr lang="en-US" altLang="ko-KR" sz="2100" spc="0"/>
+                        <a:t>Gradle</a:t>
+                      </a:r>
+                      <a:endParaRPr lang="en-US" altLang="ko-KR" sz="2100" spc="0"/>
+                    </a:p>
+                    <a:p>
+                      <a:pPr marL="256540" indent="-256540">
+                        <a:buFont typeface="Arial"/>
+                        <a:buChar char="•"/>
+                        <a:defRPr/>
+                      </a:pPr>
+                      <a:r>
+                        <a:rPr lang="ko-KR" altLang="en-US" sz="2100" spc="0"/>
+                        <a:t>배포도구 </a:t>
+                      </a:r>
+                      <a:r>
+                        <a:rPr lang="en-US" altLang="ko-KR" sz="2100" spc="0"/>
+                        <a:t>-</a:t>
+                      </a:r>
+                      <a:r>
+                        <a:rPr lang="ko-KR" altLang="en-US" sz="2100" spc="0"/>
+                        <a:t> </a:t>
+                      </a:r>
+                      <a:r>
+                        <a:rPr lang="en-US" altLang="ko-KR" sz="2100" spc="0"/>
+                        <a:t>Jenkins</a:t>
+                      </a:r>
+                      <a:endParaRPr lang="en-US" altLang="ko-KR" sz="2100" spc="0"/>
+                    </a:p>
+                  </a:txBody>
+                  <a:tcPr marL="91440" marR="91440"/>
+                </a:tc>
+              </a:tr>
+            </a:tbl>
+          </a:graphicData>
+        </a:graphic>
+      </p:graphicFrame>
+    </p:spTree>
+  </p:cSld>
+  <p:clrMapOvr>
+    <a:masterClrMapping/>
+  </p:clrMapOvr>
+  <mc:AlternateContent xmlns:mc="http://schemas.openxmlformats.org/markup-compatibility/2006">
+    <mc:Choice xmlns:p14="http://schemas.microsoft.com/office/powerpoint/2010/main" Requires="p14">
+      <p:transition xmlns:mc="http://schemas.openxmlformats.org/markup-compatibility/2006" xmlns:p14="http://schemas.microsoft.com/office/powerpoint/2010/main" mc:Ignorable="p14" p14:dur="500"/>
+    </mc:Choice>
+    <mc:Fallback>
+      <p:transition/>
+    </mc:Fallback>
+  </mc:AlternateContent>
+</p:sld>
+</file>
+
+<file path=ppt/slides/slide3.xml><?xml version="1.0" encoding="utf-8"?>
+<p:sld xmlns:r="http://schemas.openxmlformats.org/officeDocument/2006/relationships" xmlns:c="http://schemas.openxmlformats.org/drawingml/2006/chart" xmlns:a="http://schemas.openxmlformats.org/drawingml/2006/main" xmlns:dgm="http://schemas.openxmlformats.org/drawingml/2006/diagram" xmlns:dsp="http://schemas.microsoft.com/office/drawing/2008/diagram" xmlns:p="http://schemas.openxmlformats.org/presentationml/2006/main">
+  <p:cSld>
+    <p:spTree>
+      <p:nvGrpSpPr>
+        <p:cNvPr id="1" name=""/>
+        <p:cNvGrpSpPr/>
+        <p:nvPr/>
+      </p:nvGrpSpPr>
+      <p:grpSpPr>
+        <a:xfrm>
+          <a:off x="0" y="0"/>
+          <a:ext cx="0" cy="0"/>
+          <a:chOff x="0" y="0"/>
+          <a:chExt cx="0" cy="0"/>
+        </a:xfrm>
+      </p:grpSpPr>
       <p:sp>
         <p:nvSpPr>
-          <p:cNvPr id="51" name="Rectangle 7">
-            <a:extLst>
-              <a:ext uri="{FF2B5EF4-FFF2-40B4-BE49-F238E27FC236}">
-                <a16:creationId xmlns:a16="http://schemas.microsoft.com/office/drawing/2014/main" id="{0EB50BD4-4065-4755-AAF6-36A84B636295}"/>
-              </a:ext>
-            </a:extLst>
-          </p:cNvPr>
-          <p:cNvSpPr/>
-          <p:nvPr/>
+          <p:cNvPr id="2" name="제목 1"/>
+          <p:cNvSpPr>
+            <a:spLocks noGrp="1"/>
+          </p:cNvSpPr>
+          <p:nvPr>
+            <p:ph type="title" idx="0"/>
+          </p:nvPr>
         </p:nvSpPr>
         <p:spPr>
           <a:xfrm>
-            <a:off x="9140825" y="1976755"/>
-            <a:ext cx="2069465" cy="801370"/>
-          </a:xfrm>
-          <a:prstGeom prst="rect">
-            <a:avLst/>
-          </a:prstGeom>
-          <a:solidFill>
-            <a:srgbClr val="007CBC">
-              <a:alpha val="9804"/>
-            </a:srgbClr>
-          </a:solidFill>
-          <a:ln w="12700">
-            <a:noFill/>
-            <a:prstDash val="dash"/>
-          </a:ln>
-        </p:spPr>
-        <p:style>
-          <a:lnRef idx="2">
-            <a:schemeClr val="accent1">
-              <a:shade val="50000"/>
-            </a:schemeClr>
-          </a:lnRef>
-          <a:fillRef idx="1">
-            <a:schemeClr val="accent1"/>
-          </a:fillRef>
-          <a:effectRef idx="0">
-            <a:schemeClr val="accent1"/>
-          </a:effectRef>
-          <a:fontRef idx="minor">
-            <a:schemeClr val="lt1"/>
-          </a:fontRef>
-        </p:style>
+            <a:off x="9162255" y="274638"/>
+            <a:ext cx="2420142" cy="785809"/>
+          </a:xfrm>
+        </p:spPr>
         <p:txBody>
-          <a:bodyPr lIns="502920"/>
-          <a:lstStyle>
-            <a:defPPr>
-              <a:defRPr lang="en-US"/>
-            </a:defPPr>
-            <a:lvl1pPr algn="l" rtl="0" eaLnBrk="0" fontAlgn="base" hangingPunct="0">
-              <a:spcBef>
-                <a:spcPct val="0"/>
-              </a:spcBef>
-              <a:spcAft>
-                <a:spcPct val="0"/>
-              </a:spcAft>
-              <a:defRPr kern="1200">
-                <a:solidFill>
-                  <a:schemeClr val="lt1"/>
-                </a:solidFill>
-                <a:latin typeface="+mn-lt"/>
-                <a:ea typeface="+mn-ea"/>
-                <a:cs typeface="+mn-cs"/>
-              </a:defRPr>
-            </a:lvl1pPr>
-            <a:lvl2pPr marL="457200" algn="l" rtl="0" eaLnBrk="0" fontAlgn="base" hangingPunct="0">
-              <a:spcBef>
-                <a:spcPct val="0"/>
-              </a:spcBef>
-              <a:spcAft>
-                <a:spcPct val="0"/>
-              </a:spcAft>
-              <a:defRPr kern="1200">
-                <a:solidFill>
-                  <a:schemeClr val="lt1"/>
-                </a:solidFill>
-                <a:latin typeface="+mn-lt"/>
-                <a:ea typeface="+mn-ea"/>
-                <a:cs typeface="+mn-cs"/>
-              </a:defRPr>
-            </a:lvl2pPr>
-            <a:lvl3pPr marL="914400" algn="l" rtl="0" eaLnBrk="0" fontAlgn="base" hangingPunct="0">
-              <a:spcBef>
-                <a:spcPct val="0"/>
-              </a:spcBef>
-              <a:spcAft>
-                <a:spcPct val="0"/>
-              </a:spcAft>
-              <a:defRPr kern="1200">
-                <a:solidFill>
-                  <a:schemeClr val="lt1"/>
-                </a:solidFill>
-                <a:latin typeface="+mn-lt"/>
-                <a:ea typeface="+mn-ea"/>
-                <a:cs typeface="+mn-cs"/>
-              </a:defRPr>
-            </a:lvl3pPr>
-            <a:lvl4pPr marL="1371600" algn="l" rtl="0" eaLnBrk="0" fontAlgn="base" hangingPunct="0">
-              <a:spcBef>
-                <a:spcPct val="0"/>
-              </a:spcBef>
-              <a:spcAft>
-                <a:spcPct val="0"/>
-              </a:spcAft>
-              <a:defRPr kern="1200">
-                <a:solidFill>
-                  <a:schemeClr val="lt1"/>
-                </a:solidFill>
-                <a:latin typeface="+mn-lt"/>
-                <a:ea typeface="+mn-ea"/>
-                <a:cs typeface="+mn-cs"/>
-              </a:defRPr>
-            </a:lvl4pPr>
-            <a:lvl5pPr marL="1828800" algn="l" rtl="0" eaLnBrk="0" fontAlgn="base" hangingPunct="0">
-              <a:spcBef>
-                <a:spcPct val="0"/>
-              </a:spcBef>
-              <a:spcAft>
-                <a:spcPct val="0"/>
-              </a:spcAft>
-              <a:defRPr kern="1200">
-                <a:solidFill>
-                  <a:schemeClr val="lt1"/>
-                </a:solidFill>
-                <a:latin typeface="+mn-lt"/>
-                <a:ea typeface="+mn-ea"/>
-                <a:cs typeface="+mn-cs"/>
-              </a:defRPr>
-            </a:lvl5pPr>
-            <a:lvl6pPr marL="2286000" algn="l" defTabSz="914400" rtl="0" eaLnBrk="1" latinLnBrk="0" hangingPunct="1">
-              <a:defRPr kern="1200">
-                <a:solidFill>
-                  <a:schemeClr val="lt1"/>
-                </a:solidFill>
-                <a:latin typeface="+mn-lt"/>
-                <a:ea typeface="+mn-ea"/>
-                <a:cs typeface="+mn-cs"/>
-              </a:defRPr>
-            </a:lvl6pPr>
-            <a:lvl7pPr marL="2743200" algn="l" defTabSz="914400" rtl="0" eaLnBrk="1" latinLnBrk="0" hangingPunct="1">
-              <a:defRPr kern="1200">
-                <a:solidFill>
-                  <a:schemeClr val="lt1"/>
-                </a:solidFill>
-                <a:latin typeface="+mn-lt"/>
-                <a:ea typeface="+mn-ea"/>
-                <a:cs typeface="+mn-cs"/>
-              </a:defRPr>
-            </a:lvl7pPr>
-            <a:lvl8pPr marL="3200400" algn="l" defTabSz="914400" rtl="0" eaLnBrk="1" latinLnBrk="0" hangingPunct="1">
-              <a:defRPr kern="1200">
-                <a:solidFill>
-                  <a:schemeClr val="lt1"/>
-                </a:solidFill>
-                <a:latin typeface="+mn-lt"/>
-                <a:ea typeface="+mn-ea"/>
-                <a:cs typeface="+mn-cs"/>
-              </a:defRPr>
-            </a:lvl8pPr>
-            <a:lvl9pPr marL="3657600" algn="l" defTabSz="914400" rtl="0" eaLnBrk="1" latinLnBrk="0" hangingPunct="1">
-              <a:defRPr kern="1200">
-                <a:solidFill>
-                  <a:schemeClr val="lt1"/>
-                </a:solidFill>
-                <a:latin typeface="+mn-lt"/>
-                <a:ea typeface="+mn-ea"/>
-                <a:cs typeface="+mn-cs"/>
-              </a:defRPr>
-            </a:lvl9pPr>
-          </a:lstStyle>
-          <a:p>
-            <a:pPr eaLnBrk="1" fontAlgn="auto" hangingPunct="1">
-              <a:spcBef>
-                <a:spcPts val="0"/>
-              </a:spcBef>
-              <a:spcAft>
-                <a:spcPts val="0"/>
-              </a:spcAft>
+          <a:bodyPr/>
+          <a:lstStyle/>
+          <a:p>
+            <a:pPr>
               <a:defRPr/>
             </a:pPr>
             <a:r>
-              <a:rPr lang="en-US" sz="1200" dirty="0">
-                <a:solidFill>
-                  <a:srgbClr val="5B9CD5"/>
-                </a:solidFill>
-                <a:latin typeface="Arial" panose="020B0604020202020204" pitchFamily="34" charset="0"/>
-                <a:cs typeface="Arial" panose="020B0604020202020204" pitchFamily="34" charset="0"/>
-              </a:rPr>
-              <a:t>Private subnet</a:t>
+              <a:rPr lang="ko-KR" altLang="en-US" sz="2800"/>
+              <a:t>개발환경구성</a:t>
             </a:r>
+            <a:endParaRPr lang="ko-KR" altLang="en-US" sz="2800"/>
           </a:p>
         </p:txBody>
       </p:sp>
+      <p:graphicFrame>
+        <p:nvGraphicFramePr>
+          <p:cNvPr id="4" name="표 3"/>
+          <p:cNvGraphicFramePr>
+            <a:graphicFrameLocks noGrp="1"/>
+          </p:cNvGraphicFramePr>
+          <p:nvPr/>
+        </p:nvGraphicFramePr>
+        <p:xfrm>
+          <a:off x="750321" y="1221165"/>
+          <a:ext cx="9186054" cy="4415669"/>
+        </p:xfrm>
+        <a:graphic>
+          <a:graphicData uri="http://schemas.openxmlformats.org/drawingml/2006/table">
+            <a:tbl>
+              <a:tblPr firstRow="1" bandRow="1">
+                <a:tableStyleId>{01A66EDD-3DAB-4C5B-A090-DC80EC1FD486}</a:tableStyleId>
+              </a:tblPr>
+              <a:tblGrid>
+                <a:gridCol w="4583574"/>
+                <a:gridCol w="4602480"/>
+              </a:tblGrid>
+              <a:tr h="367665">
+                <a:tc>
+                  <a:txBody>
+                    <a:bodyPr vert="horz" lIns="91440" tIns="45720" rIns="91440" bIns="45720" anchor="t" anchorCtr="0"/>
+                    <a:p>
+                      <a:pPr algn="ctr">
+                        <a:defRPr/>
+                      </a:pPr>
+                      <a:r>
+                        <a:rPr lang="ko-KR" altLang="en-US"/>
+                        <a:t>항    목</a:t>
+                      </a:r>
+                      <a:endParaRPr lang="ko-KR" altLang="en-US"/>
+                    </a:p>
+                  </a:txBody>
+                  <a:tcPr marL="91440" marR="91440"/>
+                </a:tc>
+                <a:tc>
+                  <a:txBody>
+                    <a:bodyPr vert="horz" lIns="91440" tIns="45720" rIns="91440" bIns="45720" anchor="t" anchorCtr="0"/>
+                    <a:p>
+                      <a:pPr algn="ctr">
+                        <a:defRPr/>
+                      </a:pPr>
+                      <a:r>
+                        <a:rPr lang="ko-KR" altLang="en-US"/>
+                        <a:t>버    전</a:t>
+                      </a:r>
+                      <a:endParaRPr lang="ko-KR" altLang="en-US"/>
+                    </a:p>
+                  </a:txBody>
+                  <a:tcPr marL="91440" marR="91440"/>
+                </a:tc>
+              </a:tr>
+              <a:tr h="367665">
+                <a:tc>
+                  <a:txBody>
+                    <a:bodyPr vert="horz" lIns="91440" tIns="45720" rIns="91440" bIns="45720" anchor="t" anchorCtr="0"/>
+                    <a:p>
+                      <a:pPr algn="ctr" latinLnBrk="1">
+                        <a:defRPr/>
+                      </a:pPr>
+                      <a:r>
+                        <a:rPr lang="en-US" altLang="ko-KR"/>
+                        <a:t>Windows</a:t>
+                      </a:r>
+                      <a:r>
+                        <a:rPr lang="ko-KR" altLang="en-US"/>
+                        <a:t> </a:t>
+                      </a:r>
+                      <a:r>
+                        <a:rPr lang="en-US" altLang="ko-KR"/>
+                        <a:t>10</a:t>
+                      </a:r>
+                      <a:endParaRPr lang="ko-KR" altLang="en-US"/>
+                    </a:p>
+                  </a:txBody>
+                  <a:tcPr marL="91440" marR="91440"/>
+                </a:tc>
+                <a:tc>
+                  <a:txBody>
+                    <a:bodyPr vert="horz" lIns="91440" tIns="45720" rIns="91440" bIns="45720" anchor="t" anchorCtr="0"/>
+                    <a:p>
+                      <a:pPr algn="ctr">
+                        <a:defRPr/>
+                      </a:pPr>
+                      <a:r>
+                        <a:rPr lang="en-US" altLang="ko-KR"/>
+                        <a:t>ver 20H2 </a:t>
+                      </a:r>
+                      <a:endParaRPr lang="ko-KR" altLang="en-US"/>
+                    </a:p>
+                  </a:txBody>
+                  <a:tcPr marL="91440" marR="91440"/>
+                </a:tc>
+              </a:tr>
+              <a:tr h="367665">
+                <a:tc>
+                  <a:txBody>
+                    <a:bodyPr vert="horz" lIns="91440" tIns="45720" rIns="91440" bIns="45720" anchor="t" anchorCtr="0"/>
+                    <a:p>
+                      <a:pPr algn="ctr" latinLnBrk="1">
+                        <a:defRPr/>
+                      </a:pPr>
+                      <a:r>
+                        <a:rPr lang="en-US" altLang="ko-KR"/>
+                        <a:t>Visual Studio Code</a:t>
+                      </a:r>
+                      <a:endParaRPr lang="ko-KR" altLang="en-US"/>
+                    </a:p>
+                  </a:txBody>
+                  <a:tcPr marL="91440" marR="91440"/>
+                </a:tc>
+                <a:tc>
+                  <a:txBody>
+                    <a:bodyPr vert="horz" lIns="91440" tIns="45720" rIns="91440" bIns="45720" anchor="t" anchorCtr="0"/>
+                    <a:p>
+                      <a:pPr algn="ctr">
+                        <a:defRPr/>
+                      </a:pPr>
+                      <a:r>
+                        <a:rPr lang="en-US" altLang="ko-KR"/>
+                        <a:t>ver 1.65</a:t>
+                      </a:r>
+                      <a:endParaRPr lang="en-US" altLang="ko-KR"/>
+                    </a:p>
+                  </a:txBody>
+                  <a:tcPr marL="91440" marR="91440"/>
+                </a:tc>
+              </a:tr>
+              <a:tr h="367665">
+                <a:tc>
+                  <a:txBody>
+                    <a:bodyPr vert="horz" lIns="91440" tIns="45720" rIns="91440" bIns="45720" anchor="t" anchorCtr="0"/>
+                    <a:p>
+                      <a:pPr algn="ctr" latinLnBrk="1">
+                        <a:defRPr/>
+                      </a:pPr>
+                      <a:r>
+                        <a:rPr lang="en-US" altLang="ko-KR"/>
+                        <a:t>Git</a:t>
+                      </a:r>
+                      <a:endParaRPr lang="ko-KR" altLang="en-US"/>
+                    </a:p>
+                  </a:txBody>
+                  <a:tcPr marL="91440" marR="91440"/>
+                </a:tc>
+                <a:tc>
+                  <a:txBody>
+                    <a:bodyPr vert="horz" lIns="91440" tIns="45720" rIns="91440" bIns="45720" anchor="t" anchorCtr="0"/>
+                    <a:p>
+                      <a:pPr algn="ctr">
+                        <a:defRPr/>
+                      </a:pPr>
+                      <a:r>
+                        <a:rPr lang="en-US" altLang="ko-KR"/>
+                        <a:t>ver 2.33.0</a:t>
+                      </a:r>
+                      <a:endParaRPr lang="en-US" altLang="ko-KR"/>
+                    </a:p>
+                  </a:txBody>
+                  <a:tcPr marL="91440" marR="91440"/>
+                </a:tc>
+              </a:tr>
+              <a:tr h="367665">
+                <a:tc>
+                  <a:txBody>
+                    <a:bodyPr vert="horz" lIns="91440" tIns="45720" rIns="91440" bIns="45720" anchor="t" anchorCtr="0"/>
+                    <a:p>
+                      <a:pPr algn="ctr">
+                        <a:defRPr/>
+                      </a:pPr>
+                      <a:r>
+                        <a:rPr lang="en-US" altLang="ko-KR"/>
+                        <a:t>Java</a:t>
+                      </a:r>
+                      <a:endParaRPr lang="en-US" altLang="ko-KR"/>
+                    </a:p>
+                  </a:txBody>
+                  <a:tcPr marL="91440" marR="91440"/>
+                </a:tc>
+                <a:tc>
+                  <a:txBody>
+                    <a:bodyPr vert="horz" lIns="91440" tIns="45720" rIns="91440" bIns="45720" anchor="t" anchorCtr="0"/>
+                    <a:p>
+                      <a:pPr algn="ctr">
+                        <a:defRPr/>
+                      </a:pPr>
+                      <a:r>
+                        <a:rPr lang="en-US" altLang="ko-KR"/>
+                        <a:t>ver 11</a:t>
+                      </a:r>
+                      <a:endParaRPr lang="en-US" altLang="ko-KR"/>
+                    </a:p>
+                  </a:txBody>
+                  <a:tcPr marL="91440" marR="91440"/>
+                </a:tc>
+              </a:tr>
+              <a:tr h="367665">
+                <a:tc>
+                  <a:txBody>
+                    <a:bodyPr vert="horz" lIns="91440" tIns="45720" rIns="91440" bIns="45720" anchor="t" anchorCtr="0"/>
+                    <a:p>
+                      <a:pPr algn="ctr">
+                        <a:defRPr/>
+                      </a:pPr>
+                      <a:r>
+                        <a:rPr lang="en-US" altLang="ko-KR"/>
+                        <a:t>Gradle</a:t>
+                      </a:r>
+                      <a:endParaRPr lang="en-US" altLang="ko-KR"/>
+                    </a:p>
+                  </a:txBody>
+                  <a:tcPr marL="91440" marR="91440"/>
+                </a:tc>
+                <a:tc>
+                  <a:txBody>
+                    <a:bodyPr vert="horz" lIns="91440" tIns="45720" rIns="91440" bIns="45720" anchor="t" anchorCtr="0"/>
+                    <a:p>
+                      <a:pPr algn="ctr">
+                        <a:defRPr/>
+                      </a:pPr>
+                      <a:r>
+                        <a:rPr lang="en-US" altLang="ko-KR"/>
+                        <a:t>Ver 7.4</a:t>
+                      </a:r>
+                      <a:endParaRPr lang="en-US" altLang="ko-KR"/>
+                    </a:p>
+                  </a:txBody>
+                  <a:tcPr marL="91440" marR="91440"/>
+                </a:tc>
+              </a:tr>
+              <a:tr h="367665">
+                <a:tc>
+                  <a:txBody>
+                    <a:bodyPr vert="horz" lIns="91440" tIns="45720" rIns="91440" bIns="45720" anchor="t" anchorCtr="0"/>
+                    <a:p>
+                      <a:pPr algn="ctr">
+                        <a:defRPr/>
+                      </a:pPr>
+                      <a:r>
+                        <a:rPr lang="en-US" altLang="ko-KR"/>
+                        <a:t>Junit</a:t>
+                      </a:r>
+                      <a:endParaRPr lang="en-US" altLang="ko-KR"/>
+                    </a:p>
+                  </a:txBody>
+                  <a:tcPr marL="91440" marR="91440"/>
+                </a:tc>
+                <a:tc>
+                  <a:txBody>
+                    <a:bodyPr vert="horz" lIns="91440" tIns="45720" rIns="91440" bIns="45720" anchor="t" anchorCtr="0"/>
+                    <a:p>
+                      <a:pPr algn="ctr">
+                        <a:defRPr/>
+                      </a:pPr>
+                      <a:r>
+                        <a:rPr lang="en-US" altLang="ko-KR"/>
+                        <a:t>ver 5</a:t>
+                      </a:r>
+                      <a:endParaRPr lang="en-US" altLang="ko-KR"/>
+                    </a:p>
+                  </a:txBody>
+                  <a:tcPr marL="91440" marR="91440"/>
+                </a:tc>
+              </a:tr>
+              <a:tr h="371354">
+                <a:tc>
+                  <a:txBody>
+                    <a:bodyPr vert="horz" lIns="91440" tIns="45720" rIns="91440" bIns="45720" anchor="t" anchorCtr="0"/>
+                    <a:p>
+                      <a:pPr algn="ctr">
+                        <a:defRPr/>
+                      </a:pPr>
+                      <a:r>
+                        <a:rPr lang="ko-KR" altLang="en-US"/>
+                        <a:t>Android Studio(</a:t>
+                      </a:r>
+                      <a:r>
+                        <a:rPr lang="en-US" altLang="ko-KR" sz="1800" b="0" i="0" u="none" strike="noStrike">
+                          <a:latin typeface="맑은 고딕"/>
+                          <a:ea typeface="맑은 고딕"/>
+                        </a:rPr>
+                        <a:t>Bumblebee)</a:t>
+                      </a:r>
+                      <a:endParaRPr lang="ko-KR" sz="1800" b="0" i="0" u="none" strike="noStrike">
+                        <a:latin typeface="맑은 고딕"/>
+                        <a:ea typeface="맑은 고딕"/>
+                      </a:endParaRPr>
+                    </a:p>
+                  </a:txBody>
+                  <a:tcPr marL="91440" marR="91440"/>
+                </a:tc>
+                <a:tc>
+                  <a:txBody>
+                    <a:bodyPr vert="horz" lIns="91440" tIns="45720" rIns="91440" bIns="45720" anchor="t" anchorCtr="0"/>
+                    <a:p>
+                      <a:pPr algn="ctr">
+                        <a:defRPr/>
+                      </a:pPr>
+                      <a:r>
+                        <a:rPr lang="ko-KR" altLang="en-US"/>
+                        <a:t>ver 2021.1.1 Pach2 for Window 64dit</a:t>
+                      </a:r>
+                      <a:endParaRPr lang="ko-KR" altLang="en-US"/>
+                    </a:p>
+                  </a:txBody>
+                  <a:tcPr marL="91440" marR="91440"/>
+                </a:tc>
+              </a:tr>
+              <a:tr h="367665">
+                <a:tc>
+                  <a:txBody>
+                    <a:bodyPr vert="horz" lIns="91440" tIns="45720" rIns="91440" bIns="45720" anchor="t" anchorCtr="0"/>
+                    <a:p>
+                      <a:pPr algn="ctr">
+                        <a:defRPr/>
+                      </a:pPr>
+                      <a:r>
+                        <a:rPr lang="en-US" altLang="ko-KR"/>
+                        <a:t>Springboot</a:t>
+                      </a:r>
+                      <a:endParaRPr lang="en-US" altLang="ko-KR"/>
+                    </a:p>
+                  </a:txBody>
+                  <a:tcPr marL="91440" marR="91440"/>
+                </a:tc>
+                <a:tc>
+                  <a:txBody>
+                    <a:bodyPr vert="horz" lIns="91440" tIns="45720" rIns="91440" bIns="45720" anchor="t" anchorCtr="0"/>
+                    <a:p>
+                      <a:pPr algn="ctr">
+                        <a:defRPr/>
+                      </a:pPr>
+                      <a:r>
+                        <a:rPr lang="en-US" altLang="ko-KR"/>
+                        <a:t>ver 2.6.4</a:t>
+                      </a:r>
+                      <a:endParaRPr lang="en-US" altLang="ko-KR"/>
+                    </a:p>
+                  </a:txBody>
+                  <a:tcPr marL="91440" marR="91440"/>
+                </a:tc>
+              </a:tr>
+              <a:tr h="367665">
+                <a:tc>
+                  <a:txBody>
+                    <a:bodyPr vert="horz" lIns="91440" tIns="45720" rIns="91440" bIns="45720" anchor="t" anchorCtr="0"/>
+                    <a:p>
+                      <a:pPr algn="ctr">
+                        <a:defRPr/>
+                      </a:pPr>
+                      <a:r>
+                        <a:rPr lang="en-US" altLang="ko-KR"/>
+                        <a:t>Inteli J</a:t>
+                      </a:r>
+                      <a:endParaRPr lang="en-US" altLang="ko-KR"/>
+                    </a:p>
+                  </a:txBody>
+                  <a:tcPr marL="91440" marR="91440"/>
+                </a:tc>
+                <a:tc>
+                  <a:txBody>
+                    <a:bodyPr vert="horz" lIns="91440" tIns="45720" rIns="91440" bIns="45720" anchor="t" anchorCtr="0"/>
+                    <a:p>
+                      <a:pPr algn="ctr">
+                        <a:defRPr/>
+                      </a:pPr>
+                      <a:r>
+                        <a:rPr lang="en-US" altLang="ko-KR"/>
+                        <a:t>Ver 2021.3.2</a:t>
+                      </a:r>
+                      <a:endParaRPr lang="en-US" altLang="ko-KR"/>
+                    </a:p>
+                  </a:txBody>
+                  <a:tcPr marL="91440" marR="91440"/>
+                </a:tc>
+              </a:tr>
+              <a:tr h="367665">
+                <a:tc>
+                  <a:txBody>
+                    <a:bodyPr vert="horz" lIns="91440" tIns="45720" rIns="91440" bIns="45720" anchor="t" anchorCtr="0"/>
+                    <a:p>
+                      <a:pPr algn="ctr">
+                        <a:defRPr/>
+                      </a:pPr>
+                      <a:r>
+                        <a:rPr lang="en-US" altLang="ko-KR"/>
+                        <a:t>Jenkins</a:t>
+                      </a:r>
+                      <a:endParaRPr lang="en-US" altLang="ko-KR"/>
+                    </a:p>
+                  </a:txBody>
+                  <a:tcPr marL="91440" marR="91440"/>
+                </a:tc>
+                <a:tc>
+                  <a:txBody>
+                    <a:bodyPr vert="horz" lIns="91440" tIns="45720" rIns="91440" bIns="45720" anchor="t" anchorCtr="0"/>
+                    <a:p>
+                      <a:pPr algn="ctr">
+                        <a:defRPr/>
+                      </a:pPr>
+                      <a:r>
+                        <a:rPr lang="en-US" altLang="ko-KR"/>
+                        <a:t>ver 2.332.1</a:t>
+                      </a:r>
+                      <a:endParaRPr lang="en-US" altLang="ko-KR"/>
+                    </a:p>
+                  </a:txBody>
+                  <a:tcPr marL="91440" marR="91440"/>
+                </a:tc>
+              </a:tr>
+              <a:tr h="367665">
+                <a:tc>
+                  <a:txBody>
+                    <a:bodyPr vert="horz" lIns="91440" tIns="45720" rIns="91440" bIns="45720" anchor="t" anchorCtr="0"/>
+                    <a:p>
+                      <a:pPr lvl="0" algn="ctr">
+                        <a:buNone/>
+                        <a:defRPr/>
+                      </a:pPr>
+                      <a:r>
+                        <a:rPr lang="en-US" altLang="ko-KR"/>
+                        <a:t>Ubuntu</a:t>
+                      </a:r>
+                      <a:endParaRPr lang="en-US" altLang="ko-KR"/>
+                    </a:p>
+                  </a:txBody>
+                  <a:tcPr marL="91440" marR="91440"/>
+                </a:tc>
+                <a:tc>
+                  <a:txBody>
+                    <a:bodyPr vert="horz" lIns="91440" tIns="45720" rIns="91440" bIns="45720" anchor="t" anchorCtr="0"/>
+                    <a:p>
+                      <a:pPr lvl="0" algn="ctr">
+                        <a:buNone/>
+                        <a:defRPr/>
+                      </a:pPr>
+                      <a:r>
+                        <a:rPr lang="en-US" sz="1800" b="0" i="0" u="none" strike="noStrike"/>
+                        <a:t>ver </a:t>
+                      </a:r>
+                      <a:r>
+                        <a:rPr lang="en-US" altLang="ko-KR" sz="1800" b="0" i="0" u="none" strike="noStrike"/>
+                        <a:t>20.04</a:t>
+                      </a:r>
+                      <a:endParaRPr lang="en-US" altLang="ko-KR" sz="1800" b="0" i="0" u="none" strike="noStrike"/>
+                    </a:p>
+                  </a:txBody>
+                  <a:tcPr marL="91440" marR="91440"/>
+                </a:tc>
+              </a:tr>
+            </a:tbl>
+          </a:graphicData>
+        </a:graphic>
+      </p:graphicFrame>
       <p:pic>
         <p:nvPicPr>
-          <p:cNvPr id="4" name="Graphic 23">
-            <a:extLst>
-              <a:ext uri="{FF2B5EF4-FFF2-40B4-BE49-F238E27FC236}">
-                <a16:creationId xmlns:a16="http://schemas.microsoft.com/office/drawing/2014/main" id="{E51D7DF0-B100-3848-9343-103AD16633D0}"/>
-              </a:ext>
-            </a:extLst>
-          </p:cNvPr>
-          <p:cNvPicPr>
-            <a:picLocks noChangeAspect="1" noChangeArrowheads="1"/>
-          </p:cNvPicPr>
-          <p:nvPr/>
-        </p:nvPicPr>
-        <p:blipFill>
-          <a:blip r:embed="rId2">
-            <a:extLst>
-              <a:ext uri="{96DAC541-7B7A-43D3-8B79-37D633B846F1}">
-                <asvg:svgBlip xmlns:asvg="http://schemas.microsoft.com/office/drawing/2016/SVG/main" r:embed="rId3"/>
-              </a:ext>
-            </a:extLst>
-          </a:blip>
-          <a:srcRect/>
-          <a:stretch/>
-        </p:blipFill>
-        <p:spPr bwMode="auto">
-          <a:xfrm flipH="1">
-            <a:off x="749935" y="1104265"/>
-            <a:ext cx="360045" cy="360045"/>
-          </a:xfrm>
-          <a:prstGeom prst="rect">
-            <a:avLst/>
-          </a:prstGeom>
-          <a:noFill/>
-          <a:ln>
-            <a:noFill/>
-          </a:ln>
-          <a:extLst>
-            <a:ext uri="{909E8E84-426E-40DD-AFC4-6F175D3DCCD1}">
-              <a14:hiddenFill xmlns:a14="http://schemas.microsoft.com/office/drawing/2010/main">
-                <a:solidFill>
-                  <a:srgbClr val="FFFFFF"/>
-                </a:solidFill>
-              </a14:hiddenFill>
-            </a:ext>
-            <a:ext uri="{91240B29-F687-4F45-9708-019B960494DF}">
-              <a14:hiddenLine xmlns:a14="http://schemas.microsoft.com/office/drawing/2010/main" w="9525">
-                <a:solidFill>
-                  <a:srgbClr val="000000"/>
-                </a:solidFill>
-                <a:miter lim="800000"/>
-                <a:headEnd/>
-                <a:tailEnd/>
-              </a14:hiddenLine>
-            </a:ext>
-          </a:extLst>
-        </p:spPr>
-      </p:pic>
-      <p:pic>
-        <p:nvPicPr>
-          <p:cNvPr id="5" name="Graphic 12">
-            <a:extLst>
-              <a:ext uri="{FF2B5EF4-FFF2-40B4-BE49-F238E27FC236}">
-                <a16:creationId xmlns:a16="http://schemas.microsoft.com/office/drawing/2014/main" id="{6126B0F3-5EE7-1D42-B391-C817DF3148CB}"/>
-              </a:ext>
-            </a:extLst>
-          </p:cNvPr>
-          <p:cNvPicPr>
-            <a:picLocks noChangeAspect="1" noChangeArrowheads="1"/>
-          </p:cNvPicPr>
-          <p:nvPr/>
-        </p:nvPicPr>
-        <p:blipFill>
-          <a:blip r:embed="rId4">
-            <a:extLst>
-              <a:ext uri="{28A0092B-C50C-407E-A947-70E740481C1C}">
-                <a14:useLocalDpi xmlns:a14="http://schemas.microsoft.com/office/drawing/2010/main" val="0"/>
-              </a:ext>
-            </a:extLst>
-          </a:blip>
-          <a:srcRect/>
-          <a:stretch>
-            <a:fillRect/>
-          </a:stretch>
-        </p:blipFill>
-        <p:spPr bwMode="auto">
-          <a:xfrm>
-            <a:off x="754380" y="2306955"/>
-            <a:ext cx="360045" cy="360045"/>
-          </a:xfrm>
-          <a:prstGeom prst="rect">
-            <a:avLst/>
-          </a:prstGeom>
-          <a:noFill/>
-          <a:ln>
-            <a:noFill/>
-          </a:ln>
-          <a:extLst>
-            <a:ext uri="{909E8E84-426E-40DD-AFC4-6F175D3DCCD1}">
-              <a14:hiddenFill xmlns:a14="http://schemas.microsoft.com/office/drawing/2010/main">
-                <a:solidFill>
-                  <a:srgbClr val="FFFFFF"/>
-                </a:solidFill>
-              </a14:hiddenFill>
-            </a:ext>
-            <a:ext uri="{91240B29-F687-4F45-9708-019B960494DF}">
-              <a14:hiddenLine xmlns:a14="http://schemas.microsoft.com/office/drawing/2010/main" w="9525">
-                <a:solidFill>
-                  <a:srgbClr val="000000"/>
-                </a:solidFill>
-                <a:miter lim="800000"/>
-                <a:headEnd/>
-                <a:tailEnd/>
-              </a14:hiddenLine>
-            </a:ext>
-          </a:extLst>
-        </p:spPr>
-      </p:pic>
-      <p:pic>
-        <p:nvPicPr>
-          <p:cNvPr id="6" name="Graphic 17">
-            <a:extLst>
-              <a:ext uri="{FF2B5EF4-FFF2-40B4-BE49-F238E27FC236}">
-                <a16:creationId xmlns:a16="http://schemas.microsoft.com/office/drawing/2014/main" id="{17D32D96-B5E1-FF4C-BF4F-2713CD93C71F}"/>
-              </a:ext>
-            </a:extLst>
-          </p:cNvPr>
-          <p:cNvPicPr>
-            <a:picLocks noChangeAspect="1" noChangeArrowheads="1"/>
-          </p:cNvPicPr>
-          <p:nvPr/>
-        </p:nvPicPr>
-        <p:blipFill>
-          <a:blip r:embed="rId5">
-            <a:extLst>
-              <a:ext uri="{28A0092B-C50C-407E-A947-70E740481C1C}">
-                <a14:useLocalDpi xmlns:a14="http://schemas.microsoft.com/office/drawing/2010/main" val="0"/>
-              </a:ext>
-            </a:extLst>
-          </a:blip>
-          <a:srcRect/>
-          <a:stretch>
-            <a:fillRect/>
-          </a:stretch>
-        </p:blipFill>
-        <p:spPr bwMode="auto">
-          <a:xfrm>
-            <a:off x="662940" y="5704205"/>
-            <a:ext cx="360045" cy="360045"/>
-          </a:xfrm>
-          <a:prstGeom prst="rect">
-            <a:avLst/>
-          </a:prstGeom>
-          <a:noFill/>
-          <a:ln>
-            <a:noFill/>
-          </a:ln>
-          <a:extLst>
-            <a:ext uri="{909E8E84-426E-40DD-AFC4-6F175D3DCCD1}">
-              <a14:hiddenFill xmlns:a14="http://schemas.microsoft.com/office/drawing/2010/main">
-                <a:solidFill>
-                  <a:srgbClr val="FFFFFF"/>
-                </a:solidFill>
-              </a14:hiddenFill>
-            </a:ext>
-            <a:ext uri="{91240B29-F687-4F45-9708-019B960494DF}">
-              <a14:hiddenLine xmlns:a14="http://schemas.microsoft.com/office/drawing/2010/main" w="9525">
-                <a:solidFill>
-                  <a:srgbClr val="000000"/>
-                </a:solidFill>
-                <a:miter lim="800000"/>
-                <a:headEnd/>
-                <a:tailEnd/>
-              </a14:hiddenLine>
-            </a:ext>
-          </a:extLst>
-        </p:spPr>
-      </p:pic>
-      <p:sp>
-        <p:nvSpPr>
-          <p:cNvPr id="7" name="Rectangle 9">
-            <a:extLst>
-              <a:ext uri="{FF2B5EF4-FFF2-40B4-BE49-F238E27FC236}">
-                <a16:creationId xmlns:a16="http://schemas.microsoft.com/office/drawing/2014/main" id="{BEFEC4D9-0FF6-0740-BBB7-9A904CD0D43A}"/>
-              </a:ext>
-            </a:extLst>
-          </p:cNvPr>
-          <p:cNvSpPr/>
-          <p:nvPr/>
-        </p:nvSpPr>
-        <p:spPr>
-          <a:xfrm>
-            <a:off x="1800860" y="415290"/>
-            <a:ext cx="10140315" cy="6309360"/>
-          </a:xfrm>
-          <a:prstGeom prst="rect">
-            <a:avLst/>
-          </a:prstGeom>
-          <a:noFill/>
-          <a:ln w="12700">
-            <a:solidFill>
-              <a:schemeClr val="tx1"/>
-            </a:solidFill>
-          </a:ln>
-        </p:spPr>
-        <p:style>
-          <a:lnRef idx="2">
-            <a:schemeClr val="accent1">
-              <a:shade val="50000"/>
-            </a:schemeClr>
-          </a:lnRef>
-          <a:fillRef idx="1">
-            <a:schemeClr val="accent1"/>
-          </a:fillRef>
-          <a:effectRef idx="0">
-            <a:schemeClr val="accent1"/>
-          </a:effectRef>
-          <a:fontRef idx="minor">
-            <a:schemeClr val="lt1"/>
-          </a:fontRef>
-        </p:style>
-        <p:txBody>
-          <a:bodyPr lIns="502920" tIns="91440"/>
-          <a:lstStyle>
-            <a:defPPr>
-              <a:defRPr lang="en-US"/>
-            </a:defPPr>
-            <a:lvl1pPr algn="l" rtl="0" eaLnBrk="0" fontAlgn="base" hangingPunct="0">
-              <a:spcBef>
-                <a:spcPct val="0"/>
-              </a:spcBef>
-              <a:spcAft>
-                <a:spcPct val="0"/>
-              </a:spcAft>
-              <a:defRPr kern="1200">
-                <a:solidFill>
-                  <a:schemeClr val="lt1"/>
-                </a:solidFill>
-                <a:latin typeface="+mn-lt"/>
-                <a:ea typeface="+mn-ea"/>
-                <a:cs typeface="+mn-cs"/>
-              </a:defRPr>
-            </a:lvl1pPr>
-            <a:lvl2pPr marL="457200" algn="l" rtl="0" eaLnBrk="0" fontAlgn="base" hangingPunct="0">
-              <a:spcBef>
-                <a:spcPct val="0"/>
-              </a:spcBef>
-              <a:spcAft>
-                <a:spcPct val="0"/>
-              </a:spcAft>
-              <a:defRPr kern="1200">
-                <a:solidFill>
-                  <a:schemeClr val="lt1"/>
-                </a:solidFill>
-                <a:latin typeface="+mn-lt"/>
-                <a:ea typeface="+mn-ea"/>
-                <a:cs typeface="+mn-cs"/>
-              </a:defRPr>
-            </a:lvl2pPr>
-            <a:lvl3pPr marL="914400" algn="l" rtl="0" eaLnBrk="0" fontAlgn="base" hangingPunct="0">
-              <a:spcBef>
-                <a:spcPct val="0"/>
-              </a:spcBef>
-              <a:spcAft>
-                <a:spcPct val="0"/>
-              </a:spcAft>
-              <a:defRPr kern="1200">
-                <a:solidFill>
-                  <a:schemeClr val="lt1"/>
-                </a:solidFill>
-                <a:latin typeface="+mn-lt"/>
-                <a:ea typeface="+mn-ea"/>
-                <a:cs typeface="+mn-cs"/>
-              </a:defRPr>
-            </a:lvl3pPr>
-            <a:lvl4pPr marL="1371600" algn="l" rtl="0" eaLnBrk="0" fontAlgn="base" hangingPunct="0">
-              <a:spcBef>
-                <a:spcPct val="0"/>
-              </a:spcBef>
-              <a:spcAft>
-                <a:spcPct val="0"/>
-              </a:spcAft>
-              <a:defRPr kern="1200">
-                <a:solidFill>
-                  <a:schemeClr val="lt1"/>
-                </a:solidFill>
-                <a:latin typeface="+mn-lt"/>
-                <a:ea typeface="+mn-ea"/>
-                <a:cs typeface="+mn-cs"/>
-              </a:defRPr>
-            </a:lvl4pPr>
-            <a:lvl5pPr marL="1828800" algn="l" rtl="0" eaLnBrk="0" fontAlgn="base" hangingPunct="0">
-              <a:spcBef>
-                <a:spcPct val="0"/>
-              </a:spcBef>
-              <a:spcAft>
-                <a:spcPct val="0"/>
-              </a:spcAft>
-              <a:defRPr kern="1200">
-                <a:solidFill>
-                  <a:schemeClr val="lt1"/>
-                </a:solidFill>
-                <a:latin typeface="+mn-lt"/>
-                <a:ea typeface="+mn-ea"/>
-                <a:cs typeface="+mn-cs"/>
-              </a:defRPr>
-            </a:lvl5pPr>
-            <a:lvl6pPr marL="2286000" algn="l" defTabSz="914400" rtl="0" eaLnBrk="1" latinLnBrk="0" hangingPunct="1">
-              <a:defRPr kern="1200">
-                <a:solidFill>
-                  <a:schemeClr val="lt1"/>
-                </a:solidFill>
-                <a:latin typeface="+mn-lt"/>
-                <a:ea typeface="+mn-ea"/>
-                <a:cs typeface="+mn-cs"/>
-              </a:defRPr>
-            </a:lvl6pPr>
-            <a:lvl7pPr marL="2743200" algn="l" defTabSz="914400" rtl="0" eaLnBrk="1" latinLnBrk="0" hangingPunct="1">
-              <a:defRPr kern="1200">
-                <a:solidFill>
-                  <a:schemeClr val="lt1"/>
-                </a:solidFill>
-                <a:latin typeface="+mn-lt"/>
-                <a:ea typeface="+mn-ea"/>
-                <a:cs typeface="+mn-cs"/>
-              </a:defRPr>
-            </a:lvl7pPr>
-            <a:lvl8pPr marL="3200400" algn="l" defTabSz="914400" rtl="0" eaLnBrk="1" latinLnBrk="0" hangingPunct="1">
-              <a:defRPr kern="1200">
-                <a:solidFill>
-                  <a:schemeClr val="lt1"/>
-                </a:solidFill>
-                <a:latin typeface="+mn-lt"/>
-                <a:ea typeface="+mn-ea"/>
-                <a:cs typeface="+mn-cs"/>
-              </a:defRPr>
-            </a:lvl8pPr>
-            <a:lvl9pPr marL="3657600" algn="l" defTabSz="914400" rtl="0" eaLnBrk="1" latinLnBrk="0" hangingPunct="1">
-              <a:defRPr kern="1200">
-                <a:solidFill>
-                  <a:schemeClr val="lt1"/>
-                </a:solidFill>
-                <a:latin typeface="+mn-lt"/>
-                <a:ea typeface="+mn-ea"/>
-                <a:cs typeface="+mn-cs"/>
-              </a:defRPr>
-            </a:lvl9pPr>
-          </a:lstStyle>
-          <a:p>
-            <a:pPr eaLnBrk="1" fontAlgn="auto" hangingPunct="1">
-              <a:spcBef>
-                <a:spcPts val="0"/>
-              </a:spcBef>
-              <a:spcAft>
-                <a:spcPts val="0"/>
-              </a:spcAft>
-              <a:defRPr/>
-            </a:pPr>
-            <a:r>
-              <a:rPr lang="en-US" sz="1200" dirty="0">
-                <a:solidFill>
-                  <a:sysClr val="windowText" lastClr="000000"/>
-                </a:solidFill>
-                <a:latin typeface="Arial" panose="020B0604020202020204" pitchFamily="34" charset="0"/>
-                <a:cs typeface="Arial" panose="020B0604020202020204" pitchFamily="34" charset="0"/>
-              </a:rPr>
-              <a:t>AWS Cloud</a:t>
-            </a:r>
-          </a:p>
-        </p:txBody>
-      </p:sp>
-      <p:pic>
-        <p:nvPicPr>
-          <p:cNvPr id="8" name="Graphic 35">
-            <a:extLst>
-              <a:ext uri="{FF2B5EF4-FFF2-40B4-BE49-F238E27FC236}">
-                <a16:creationId xmlns:a16="http://schemas.microsoft.com/office/drawing/2014/main" id="{EE16ED80-C80D-1E40-AF5F-BA8C3673A43D}"/>
-              </a:ext>
-            </a:extLst>
-          </p:cNvPr>
+          <p:cNvPr id="5" name="그림 4"/>
           <p:cNvPicPr>
             <a:picLocks noChangeAspect="1"/>
           </p:cNvPicPr>
           <p:nvPr/>
         </p:nvPicPr>
-        <p:blipFill>
-          <a:blip r:embed="rId6">
-            <a:extLst>
-              <a:ext uri="{96DAC541-7B7A-43D3-8B79-37D633B846F1}">
-                <asvg:svgBlip xmlns:asvg="http://schemas.microsoft.com/office/drawing/2016/SVG/main" r:embed="rId7"/>
-              </a:ext>
-            </a:extLst>
-          </a:blip>
-          <a:srcRect/>
-          <a:stretch/>
-        </p:blipFill>
-        <p:spPr>
-          <a:xfrm>
-            <a:off x="1800860" y="415290"/>
-            <a:ext cx="381000" cy="381000"/>
-          </a:xfrm>
-          <a:prstGeom prst="rect">
-            <a:avLst/>
-          </a:prstGeom>
-        </p:spPr>
-      </p:pic>
-      <p:sp>
-        <p:nvSpPr>
-          <p:cNvPr id="9" name="Rectangle 8">
-            <a:extLst>
-              <a:ext uri="{FF2B5EF4-FFF2-40B4-BE49-F238E27FC236}">
-                <a16:creationId xmlns:a16="http://schemas.microsoft.com/office/drawing/2014/main" id="{03251CF1-A0FB-FA48-A582-2429B446E843}"/>
-              </a:ext>
-            </a:extLst>
-          </p:cNvPr>
-          <p:cNvSpPr/>
-          <p:nvPr/>
-        </p:nvSpPr>
-        <p:spPr>
-          <a:xfrm>
-            <a:off x="2181860" y="935355"/>
-            <a:ext cx="9518015" cy="5665470"/>
-          </a:xfrm>
-          <a:prstGeom prst="rect">
-            <a:avLst/>
-          </a:prstGeom>
-          <a:noFill/>
-          <a:ln w="12700">
-            <a:solidFill>
-              <a:srgbClr val="5B9CD5"/>
-            </a:solidFill>
-            <a:prstDash val="sysDash"/>
-          </a:ln>
-        </p:spPr>
-        <p:style>
-          <a:lnRef idx="2">
-            <a:schemeClr val="accent1">
-              <a:shade val="50000"/>
-            </a:schemeClr>
-          </a:lnRef>
-          <a:fillRef idx="1">
-            <a:schemeClr val="accent1"/>
-          </a:fillRef>
-          <a:effectRef idx="0">
-            <a:schemeClr val="accent1"/>
-          </a:effectRef>
-          <a:fontRef idx="minor">
-            <a:schemeClr val="lt1"/>
-          </a:fontRef>
-        </p:style>
-        <p:txBody>
-          <a:bodyPr lIns="502920" tIns="91440"/>
-          <a:lstStyle>
-            <a:defPPr>
-              <a:defRPr lang="en-US"/>
-            </a:defPPr>
-            <a:lvl1pPr algn="l" rtl="0" eaLnBrk="0" fontAlgn="base" hangingPunct="0">
-              <a:spcBef>
-                <a:spcPct val="0"/>
-              </a:spcBef>
-              <a:spcAft>
-                <a:spcPct val="0"/>
-              </a:spcAft>
-              <a:defRPr kern="1200">
-                <a:solidFill>
-                  <a:schemeClr val="lt1"/>
-                </a:solidFill>
-                <a:latin typeface="+mn-lt"/>
-                <a:ea typeface="+mn-ea"/>
-                <a:cs typeface="+mn-cs"/>
-              </a:defRPr>
-            </a:lvl1pPr>
-            <a:lvl2pPr marL="457200" algn="l" rtl="0" eaLnBrk="0" fontAlgn="base" hangingPunct="0">
-              <a:spcBef>
-                <a:spcPct val="0"/>
-              </a:spcBef>
-              <a:spcAft>
-                <a:spcPct val="0"/>
-              </a:spcAft>
-              <a:defRPr kern="1200">
-                <a:solidFill>
-                  <a:schemeClr val="lt1"/>
-                </a:solidFill>
-                <a:latin typeface="+mn-lt"/>
-                <a:ea typeface="+mn-ea"/>
-                <a:cs typeface="+mn-cs"/>
-              </a:defRPr>
-            </a:lvl2pPr>
-            <a:lvl3pPr marL="914400" algn="l" rtl="0" eaLnBrk="0" fontAlgn="base" hangingPunct="0">
-              <a:spcBef>
-                <a:spcPct val="0"/>
-              </a:spcBef>
-              <a:spcAft>
-                <a:spcPct val="0"/>
-              </a:spcAft>
-              <a:defRPr kern="1200">
-                <a:solidFill>
-                  <a:schemeClr val="lt1"/>
-                </a:solidFill>
-                <a:latin typeface="+mn-lt"/>
-                <a:ea typeface="+mn-ea"/>
-                <a:cs typeface="+mn-cs"/>
-              </a:defRPr>
-            </a:lvl3pPr>
-            <a:lvl4pPr marL="1371600" algn="l" rtl="0" eaLnBrk="0" fontAlgn="base" hangingPunct="0">
-              <a:spcBef>
-                <a:spcPct val="0"/>
-              </a:spcBef>
-              <a:spcAft>
-                <a:spcPct val="0"/>
-              </a:spcAft>
-              <a:defRPr kern="1200">
-                <a:solidFill>
-                  <a:schemeClr val="lt1"/>
-                </a:solidFill>
-                <a:latin typeface="+mn-lt"/>
-                <a:ea typeface="+mn-ea"/>
-                <a:cs typeface="+mn-cs"/>
-              </a:defRPr>
-            </a:lvl4pPr>
-            <a:lvl5pPr marL="1828800" algn="l" rtl="0" eaLnBrk="0" fontAlgn="base" hangingPunct="0">
-              <a:spcBef>
-                <a:spcPct val="0"/>
-              </a:spcBef>
-              <a:spcAft>
-                <a:spcPct val="0"/>
-              </a:spcAft>
-              <a:defRPr kern="1200">
-                <a:solidFill>
-                  <a:schemeClr val="lt1"/>
-                </a:solidFill>
-                <a:latin typeface="+mn-lt"/>
-                <a:ea typeface="+mn-ea"/>
-                <a:cs typeface="+mn-cs"/>
-              </a:defRPr>
-            </a:lvl5pPr>
-            <a:lvl6pPr marL="2286000" algn="l" defTabSz="914400" rtl="0" eaLnBrk="1" latinLnBrk="0" hangingPunct="1">
-              <a:defRPr kern="1200">
-                <a:solidFill>
-                  <a:schemeClr val="lt1"/>
-                </a:solidFill>
-                <a:latin typeface="+mn-lt"/>
-                <a:ea typeface="+mn-ea"/>
-                <a:cs typeface="+mn-cs"/>
-              </a:defRPr>
-            </a:lvl6pPr>
-            <a:lvl7pPr marL="2743200" algn="l" defTabSz="914400" rtl="0" eaLnBrk="1" latinLnBrk="0" hangingPunct="1">
-              <a:defRPr kern="1200">
-                <a:solidFill>
-                  <a:schemeClr val="lt1"/>
-                </a:solidFill>
-                <a:latin typeface="+mn-lt"/>
-                <a:ea typeface="+mn-ea"/>
-                <a:cs typeface="+mn-cs"/>
-              </a:defRPr>
-            </a:lvl7pPr>
-            <a:lvl8pPr marL="3200400" algn="l" defTabSz="914400" rtl="0" eaLnBrk="1" latinLnBrk="0" hangingPunct="1">
-              <a:defRPr kern="1200">
-                <a:solidFill>
-                  <a:schemeClr val="lt1"/>
-                </a:solidFill>
-                <a:latin typeface="+mn-lt"/>
-                <a:ea typeface="+mn-ea"/>
-                <a:cs typeface="+mn-cs"/>
-              </a:defRPr>
-            </a:lvl8pPr>
-            <a:lvl9pPr marL="3657600" algn="l" defTabSz="914400" rtl="0" eaLnBrk="1" latinLnBrk="0" hangingPunct="1">
-              <a:defRPr kern="1200">
-                <a:solidFill>
-                  <a:schemeClr val="lt1"/>
-                </a:solidFill>
-                <a:latin typeface="+mn-lt"/>
-                <a:ea typeface="+mn-ea"/>
-                <a:cs typeface="+mn-cs"/>
-              </a:defRPr>
-            </a:lvl9pPr>
-          </a:lstStyle>
-          <a:p>
-            <a:pPr eaLnBrk="1" fontAlgn="auto" hangingPunct="1">
-              <a:spcBef>
-                <a:spcPts val="0"/>
-              </a:spcBef>
-              <a:spcAft>
-                <a:spcPts val="0"/>
-              </a:spcAft>
-              <a:defRPr/>
-            </a:pPr>
-            <a:r>
-              <a:rPr lang="en-US" sz="1200" dirty="0">
-                <a:solidFill>
-                  <a:srgbClr val="5B9CD5"/>
-                </a:solidFill>
-                <a:latin typeface="Arial" panose="020B0604020202020204" pitchFamily="34" charset="0"/>
-                <a:cs typeface="Arial" panose="020B0604020202020204" pitchFamily="34" charset="0"/>
-              </a:rPr>
-              <a:t>Region</a:t>
-            </a:r>
-          </a:p>
-        </p:txBody>
-      </p:sp>
-      <p:pic>
-        <p:nvPicPr>
-          <p:cNvPr id="10" name="Graphic 25">
-            <a:extLst>
-              <a:ext uri="{FF2B5EF4-FFF2-40B4-BE49-F238E27FC236}">
-                <a16:creationId xmlns:a16="http://schemas.microsoft.com/office/drawing/2014/main" id="{2C69F662-72C8-D449-833A-3FB0BC2580DC}"/>
-              </a:ext>
-            </a:extLst>
-          </p:cNvPr>
-          <p:cNvPicPr>
-            <a:picLocks noChangeAspect="1"/>
-          </p:cNvPicPr>
-          <p:nvPr/>
-        </p:nvPicPr>
-        <p:blipFill>
-          <a:blip r:embed="rId8">
-            <a:extLst>
-              <a:ext uri="{96DAC541-7B7A-43D3-8B79-37D633B846F1}">
-                <asvg:svgBlip xmlns:asvg="http://schemas.microsoft.com/office/drawing/2016/SVG/main" r:embed="rId9"/>
-              </a:ext>
-            </a:extLst>
-          </a:blip>
+        <p:blipFill rotWithShape="1">
+          <a:blip r:embed="rId3"/>
           <a:stretch>
             <a:fillRect/>
           </a:stretch>
         </p:blipFill>
         <p:spPr>
           <a:xfrm>
-            <a:off x="2181225" y="929005"/>
-            <a:ext cx="381000" cy="381000"/>
+            <a:off x="10805916" y="3643241"/>
+            <a:ext cx="1162212" cy="1152685"/>
           </a:xfrm>
           <a:prstGeom prst="rect">
             <a:avLst/>
           </a:prstGeom>
         </p:spPr>
       </p:pic>
-      <p:sp>
-        <p:nvSpPr>
-          <p:cNvPr id="11" name="Rectangle 6">
-            <a:extLst>
-              <a:ext uri="{FF2B5EF4-FFF2-40B4-BE49-F238E27FC236}">
-                <a16:creationId xmlns:a16="http://schemas.microsoft.com/office/drawing/2014/main" id="{34D72B91-09F3-9A42-B66A-106F01CCE8B4}"/>
-              </a:ext>
-            </a:extLst>
-          </p:cNvPr>
-          <p:cNvSpPr/>
-          <p:nvPr/>
-        </p:nvSpPr>
-        <p:spPr>
-          <a:xfrm>
-            <a:off x="2562225" y="1554480"/>
-            <a:ext cx="8879840" cy="2988310"/>
-          </a:xfrm>
-          <a:prstGeom prst="rect">
-            <a:avLst/>
-          </a:prstGeom>
-          <a:noFill/>
-          <a:ln w="12700">
-            <a:solidFill>
-              <a:srgbClr val="1E8900"/>
-            </a:solidFill>
-          </a:ln>
-        </p:spPr>
-        <p:style>
-          <a:lnRef idx="2">
-            <a:schemeClr val="accent1">
-              <a:shade val="50000"/>
-            </a:schemeClr>
-          </a:lnRef>
-          <a:fillRef idx="1">
-            <a:schemeClr val="accent1"/>
-          </a:fillRef>
-          <a:effectRef idx="0">
-            <a:schemeClr val="accent1"/>
-          </a:effectRef>
-          <a:fontRef idx="minor">
-            <a:schemeClr val="lt1"/>
-          </a:fontRef>
-        </p:style>
-        <p:txBody>
-          <a:bodyPr lIns="502920" tIns="91440"/>
-          <a:lstStyle>
-            <a:defPPr>
-              <a:defRPr lang="en-US"/>
-            </a:defPPr>
-            <a:lvl1pPr algn="l" rtl="0" eaLnBrk="0" fontAlgn="base" hangingPunct="0">
-              <a:spcBef>
-                <a:spcPct val="0"/>
-              </a:spcBef>
-              <a:spcAft>
-                <a:spcPct val="0"/>
-              </a:spcAft>
-              <a:defRPr kern="1200">
-                <a:solidFill>
-                  <a:schemeClr val="lt1"/>
-                </a:solidFill>
-                <a:latin typeface="+mn-lt"/>
-                <a:ea typeface="+mn-ea"/>
-                <a:cs typeface="+mn-cs"/>
-              </a:defRPr>
-            </a:lvl1pPr>
-            <a:lvl2pPr marL="457200" algn="l" rtl="0" eaLnBrk="0" fontAlgn="base" hangingPunct="0">
-              <a:spcBef>
-                <a:spcPct val="0"/>
-              </a:spcBef>
-              <a:spcAft>
-                <a:spcPct val="0"/>
-              </a:spcAft>
-              <a:defRPr kern="1200">
-                <a:solidFill>
-                  <a:schemeClr val="lt1"/>
-                </a:solidFill>
-                <a:latin typeface="+mn-lt"/>
-                <a:ea typeface="+mn-ea"/>
-                <a:cs typeface="+mn-cs"/>
-              </a:defRPr>
-            </a:lvl2pPr>
-            <a:lvl3pPr marL="914400" algn="l" rtl="0" eaLnBrk="0" fontAlgn="base" hangingPunct="0">
-              <a:spcBef>
-                <a:spcPct val="0"/>
-              </a:spcBef>
-              <a:spcAft>
-                <a:spcPct val="0"/>
-              </a:spcAft>
-              <a:defRPr kern="1200">
-                <a:solidFill>
-                  <a:schemeClr val="lt1"/>
-                </a:solidFill>
-                <a:latin typeface="+mn-lt"/>
-                <a:ea typeface="+mn-ea"/>
-                <a:cs typeface="+mn-cs"/>
-              </a:defRPr>
-            </a:lvl3pPr>
-            <a:lvl4pPr marL="1371600" algn="l" rtl="0" eaLnBrk="0" fontAlgn="base" hangingPunct="0">
-              <a:spcBef>
-                <a:spcPct val="0"/>
-              </a:spcBef>
-              <a:spcAft>
-                <a:spcPct val="0"/>
-              </a:spcAft>
-              <a:defRPr kern="1200">
-                <a:solidFill>
-                  <a:schemeClr val="lt1"/>
-                </a:solidFill>
-                <a:latin typeface="+mn-lt"/>
-                <a:ea typeface="+mn-ea"/>
-                <a:cs typeface="+mn-cs"/>
-              </a:defRPr>
-            </a:lvl4pPr>
-            <a:lvl5pPr marL="1828800" algn="l" rtl="0" eaLnBrk="0" fontAlgn="base" hangingPunct="0">
-              <a:spcBef>
-                <a:spcPct val="0"/>
-              </a:spcBef>
-              <a:spcAft>
-                <a:spcPct val="0"/>
-              </a:spcAft>
-              <a:defRPr kern="1200">
-                <a:solidFill>
-                  <a:schemeClr val="lt1"/>
-                </a:solidFill>
-                <a:latin typeface="+mn-lt"/>
-                <a:ea typeface="+mn-ea"/>
-                <a:cs typeface="+mn-cs"/>
-              </a:defRPr>
-            </a:lvl5pPr>
-            <a:lvl6pPr marL="2286000" algn="l" defTabSz="914400" rtl="0" eaLnBrk="1" latinLnBrk="0" hangingPunct="1">
-              <a:defRPr kern="1200">
-                <a:solidFill>
-                  <a:schemeClr val="lt1"/>
-                </a:solidFill>
-                <a:latin typeface="+mn-lt"/>
-                <a:ea typeface="+mn-ea"/>
-                <a:cs typeface="+mn-cs"/>
-              </a:defRPr>
-            </a:lvl6pPr>
-            <a:lvl7pPr marL="2743200" algn="l" defTabSz="914400" rtl="0" eaLnBrk="1" latinLnBrk="0" hangingPunct="1">
-              <a:defRPr kern="1200">
-                <a:solidFill>
-                  <a:schemeClr val="lt1"/>
-                </a:solidFill>
-                <a:latin typeface="+mn-lt"/>
-                <a:ea typeface="+mn-ea"/>
-                <a:cs typeface="+mn-cs"/>
-              </a:defRPr>
-            </a:lvl7pPr>
-            <a:lvl8pPr marL="3200400" algn="l" defTabSz="914400" rtl="0" eaLnBrk="1" latinLnBrk="0" hangingPunct="1">
-              <a:defRPr kern="1200">
-                <a:solidFill>
-                  <a:schemeClr val="lt1"/>
-                </a:solidFill>
-                <a:latin typeface="+mn-lt"/>
-                <a:ea typeface="+mn-ea"/>
-                <a:cs typeface="+mn-cs"/>
-              </a:defRPr>
-            </a:lvl8pPr>
-            <a:lvl9pPr marL="3657600" algn="l" defTabSz="914400" rtl="0" eaLnBrk="1" latinLnBrk="0" hangingPunct="1">
-              <a:defRPr kern="1200">
-                <a:solidFill>
-                  <a:schemeClr val="lt1"/>
-                </a:solidFill>
-                <a:latin typeface="+mn-lt"/>
-                <a:ea typeface="+mn-ea"/>
-                <a:cs typeface="+mn-cs"/>
-              </a:defRPr>
-            </a:lvl9pPr>
-          </a:lstStyle>
-          <a:p>
-            <a:pPr eaLnBrk="1" fontAlgn="auto" hangingPunct="1">
-              <a:spcBef>
-                <a:spcPts val="0"/>
-              </a:spcBef>
-              <a:spcAft>
-                <a:spcPts val="0"/>
-              </a:spcAft>
-              <a:defRPr/>
-            </a:pPr>
-            <a:r>
-              <a:rPr lang="en-US" sz="1200" dirty="0">
-                <a:ln w="0"/>
-                <a:solidFill>
-                  <a:srgbClr val="1E8900"/>
-                </a:solidFill>
-                <a:latin typeface="Arial" panose="020B0604020202020204" pitchFamily="34" charset="0"/>
-                <a:cs typeface="Arial" panose="020B0604020202020204" pitchFamily="34" charset="0"/>
-              </a:rPr>
-              <a:t>VPC</a:t>
-            </a:r>
-          </a:p>
-        </p:txBody>
-      </p:sp>
       <p:pic>
         <p:nvPicPr>
-          <p:cNvPr id="12" name="Graphic 16">
-            <a:extLst>
-              <a:ext uri="{FF2B5EF4-FFF2-40B4-BE49-F238E27FC236}">
-                <a16:creationId xmlns:a16="http://schemas.microsoft.com/office/drawing/2014/main" id="{E091D5A2-7670-AB46-B599-6FC0449FDE85}"/>
-              </a:ext>
-            </a:extLst>
-          </p:cNvPr>
+          <p:cNvPr id="6" name="그림 5"/>
           <p:cNvPicPr>
             <a:picLocks noChangeAspect="1"/>
           </p:cNvPicPr>
           <p:nvPr/>
         </p:nvPicPr>
-        <p:blipFill>
-          <a:blip r:embed="rId10">
-            <a:extLst>
-              <a:ext uri="{96DAC541-7B7A-43D3-8B79-37D633B846F1}">
-                <asvg:svgBlip xmlns:asvg="http://schemas.microsoft.com/office/drawing/2016/SVG/main" r:embed="rId11"/>
-              </a:ext>
-            </a:extLst>
-          </a:blip>
+        <p:blipFill rotWithShape="1">
+          <a:blip r:embed="rId4"/>
           <a:stretch>
             <a:fillRect/>
           </a:stretch>
         </p:blipFill>
         <p:spPr>
           <a:xfrm>
-            <a:off x="2562225" y="1555750"/>
-            <a:ext cx="381000" cy="381000"/>
+            <a:off x="10844723" y="2401693"/>
+            <a:ext cx="819264" cy="762106"/>
           </a:xfrm>
           <a:prstGeom prst="rect">
             <a:avLst/>
           </a:prstGeom>
         </p:spPr>
       </p:pic>
-      <p:sp>
-        <p:nvSpPr>
-          <p:cNvPr id="13" name="Rectangle 6">
-            <a:extLst>
-              <a:ext uri="{FF2B5EF4-FFF2-40B4-BE49-F238E27FC236}">
-                <a16:creationId xmlns:a16="http://schemas.microsoft.com/office/drawing/2014/main" id="{22C472D9-E60C-42A2-B5FE-A1D71B32784E}"/>
-              </a:ext>
-            </a:extLst>
-          </p:cNvPr>
-          <p:cNvSpPr/>
-          <p:nvPr/>
-        </p:nvSpPr>
-        <p:spPr>
-          <a:xfrm>
-            <a:off x="2520315" y="4688205"/>
-            <a:ext cx="3737610" cy="1579245"/>
-          </a:xfrm>
-          <a:prstGeom prst="rect">
-            <a:avLst/>
-          </a:prstGeom>
-          <a:noFill/>
-          <a:ln w="12700">
-            <a:solidFill>
-              <a:srgbClr val="1E8900"/>
-            </a:solidFill>
-          </a:ln>
-        </p:spPr>
-        <p:style>
-          <a:lnRef idx="2">
-            <a:schemeClr val="accent1">
-              <a:shade val="50000"/>
-            </a:schemeClr>
-          </a:lnRef>
-          <a:fillRef idx="1">
-            <a:schemeClr val="accent1"/>
-          </a:fillRef>
-          <a:effectRef idx="0">
-            <a:schemeClr val="accent1"/>
-          </a:effectRef>
-          <a:fontRef idx="minor">
-            <a:schemeClr val="lt1"/>
-          </a:fontRef>
-        </p:style>
-        <p:txBody>
-          <a:bodyPr lIns="502920" tIns="91440"/>
-          <a:lstStyle>
-            <a:defPPr>
-              <a:defRPr lang="en-US"/>
-            </a:defPPr>
-            <a:lvl1pPr algn="l" rtl="0" eaLnBrk="0" fontAlgn="base" hangingPunct="0">
-              <a:spcBef>
-                <a:spcPct val="0"/>
-              </a:spcBef>
-              <a:spcAft>
-                <a:spcPct val="0"/>
-              </a:spcAft>
-              <a:defRPr kern="1200">
-                <a:solidFill>
-                  <a:schemeClr val="lt1"/>
-                </a:solidFill>
-                <a:latin typeface="+mn-lt"/>
-                <a:ea typeface="+mn-ea"/>
-                <a:cs typeface="+mn-cs"/>
-              </a:defRPr>
-            </a:lvl1pPr>
-            <a:lvl2pPr marL="457200" algn="l" rtl="0" eaLnBrk="0" fontAlgn="base" hangingPunct="0">
-              <a:spcBef>
-                <a:spcPct val="0"/>
-              </a:spcBef>
-              <a:spcAft>
-                <a:spcPct val="0"/>
-              </a:spcAft>
-              <a:defRPr kern="1200">
-                <a:solidFill>
-                  <a:schemeClr val="lt1"/>
-                </a:solidFill>
-                <a:latin typeface="+mn-lt"/>
-                <a:ea typeface="+mn-ea"/>
-                <a:cs typeface="+mn-cs"/>
-              </a:defRPr>
-            </a:lvl2pPr>
-            <a:lvl3pPr marL="914400" algn="l" rtl="0" eaLnBrk="0" fontAlgn="base" hangingPunct="0">
-              <a:spcBef>
-                <a:spcPct val="0"/>
-              </a:spcBef>
-              <a:spcAft>
-                <a:spcPct val="0"/>
-              </a:spcAft>
-              <a:defRPr kern="1200">
-                <a:solidFill>
-                  <a:schemeClr val="lt1"/>
-                </a:solidFill>
-                <a:latin typeface="+mn-lt"/>
-                <a:ea typeface="+mn-ea"/>
-                <a:cs typeface="+mn-cs"/>
-              </a:defRPr>
-            </a:lvl3pPr>
-            <a:lvl4pPr marL="1371600" algn="l" rtl="0" eaLnBrk="0" fontAlgn="base" hangingPunct="0">
-              <a:spcBef>
-                <a:spcPct val="0"/>
-              </a:spcBef>
-              <a:spcAft>
-                <a:spcPct val="0"/>
-              </a:spcAft>
-              <a:defRPr kern="1200">
-                <a:solidFill>
-                  <a:schemeClr val="lt1"/>
-                </a:solidFill>
-                <a:latin typeface="+mn-lt"/>
-                <a:ea typeface="+mn-ea"/>
-                <a:cs typeface="+mn-cs"/>
-              </a:defRPr>
-            </a:lvl4pPr>
-            <a:lvl5pPr marL="1828800" algn="l" rtl="0" eaLnBrk="0" fontAlgn="base" hangingPunct="0">
-              <a:spcBef>
-                <a:spcPct val="0"/>
-              </a:spcBef>
-              <a:spcAft>
-                <a:spcPct val="0"/>
-              </a:spcAft>
-              <a:defRPr kern="1200">
-                <a:solidFill>
-                  <a:schemeClr val="lt1"/>
-                </a:solidFill>
-                <a:latin typeface="+mn-lt"/>
-                <a:ea typeface="+mn-ea"/>
-                <a:cs typeface="+mn-cs"/>
-              </a:defRPr>
-            </a:lvl5pPr>
-            <a:lvl6pPr marL="2286000" algn="l" defTabSz="914400" rtl="0" eaLnBrk="1" latinLnBrk="0" hangingPunct="1">
-              <a:defRPr kern="1200">
-                <a:solidFill>
-                  <a:schemeClr val="lt1"/>
-                </a:solidFill>
-                <a:latin typeface="+mn-lt"/>
-                <a:ea typeface="+mn-ea"/>
-                <a:cs typeface="+mn-cs"/>
-              </a:defRPr>
-            </a:lvl6pPr>
-            <a:lvl7pPr marL="2743200" algn="l" defTabSz="914400" rtl="0" eaLnBrk="1" latinLnBrk="0" hangingPunct="1">
-              <a:defRPr kern="1200">
-                <a:solidFill>
-                  <a:schemeClr val="lt1"/>
-                </a:solidFill>
-                <a:latin typeface="+mn-lt"/>
-                <a:ea typeface="+mn-ea"/>
-                <a:cs typeface="+mn-cs"/>
-              </a:defRPr>
-            </a:lvl7pPr>
-            <a:lvl8pPr marL="3200400" algn="l" defTabSz="914400" rtl="0" eaLnBrk="1" latinLnBrk="0" hangingPunct="1">
-              <a:defRPr kern="1200">
-                <a:solidFill>
-                  <a:schemeClr val="lt1"/>
-                </a:solidFill>
-                <a:latin typeface="+mn-lt"/>
-                <a:ea typeface="+mn-ea"/>
-                <a:cs typeface="+mn-cs"/>
-              </a:defRPr>
-            </a:lvl8pPr>
-            <a:lvl9pPr marL="3657600" algn="l" defTabSz="914400" rtl="0" eaLnBrk="1" latinLnBrk="0" hangingPunct="1">
-              <a:defRPr kern="1200">
-                <a:solidFill>
-                  <a:schemeClr val="lt1"/>
-                </a:solidFill>
-                <a:latin typeface="+mn-lt"/>
-                <a:ea typeface="+mn-ea"/>
-                <a:cs typeface="+mn-cs"/>
-              </a:defRPr>
-            </a:lvl9pPr>
-          </a:lstStyle>
-          <a:p>
-            <a:pPr eaLnBrk="1" fontAlgn="auto" hangingPunct="1">
-              <a:spcBef>
-                <a:spcPts val="0"/>
-              </a:spcBef>
-              <a:spcAft>
-                <a:spcPts val="0"/>
-              </a:spcAft>
-              <a:defRPr/>
-            </a:pPr>
-            <a:r>
-              <a:rPr lang="en-US" sz="1200" dirty="0">
-                <a:ln w="0"/>
-                <a:solidFill>
-                  <a:srgbClr val="1E8900"/>
-                </a:solidFill>
-                <a:latin typeface="Arial" panose="020B0604020202020204" pitchFamily="34" charset="0"/>
-                <a:cs typeface="Arial" panose="020B0604020202020204" pitchFamily="34" charset="0"/>
-              </a:rPr>
-              <a:t>VPC</a:t>
-            </a:r>
-          </a:p>
-        </p:txBody>
-      </p:sp>
       <p:pic>
         <p:nvPicPr>
-          <p:cNvPr id="14" name="Graphic 16">
-            <a:extLst>
-              <a:ext uri="{FF2B5EF4-FFF2-40B4-BE49-F238E27FC236}">
-                <a16:creationId xmlns:a16="http://schemas.microsoft.com/office/drawing/2014/main" id="{B024DB49-7EBD-43E2-A4C1-603E16ABBBA2}"/>
-              </a:ext>
-            </a:extLst>
-          </p:cNvPr>
+          <p:cNvPr id="7" name="그림 6"/>
           <p:cNvPicPr>
             <a:picLocks noChangeAspect="1"/>
           </p:cNvPicPr>
           <p:nvPr/>
         </p:nvPicPr>
-        <p:blipFill>
-          <a:blip r:embed="rId10">
-            <a:extLst>
-              <a:ext uri="{96DAC541-7B7A-43D3-8B79-37D633B846F1}">
-                <asvg:svgBlip xmlns:asvg="http://schemas.microsoft.com/office/drawing/2016/SVG/main" r:embed="rId11"/>
-              </a:ext>
-            </a:extLst>
-          </a:blip>
+        <p:blipFill rotWithShape="1">
+          <a:blip r:embed="rId5"/>
           <a:stretch>
             <a:fillRect/>
           </a:stretch>
         </p:blipFill>
         <p:spPr>
           <a:xfrm>
-            <a:off x="2520315" y="4689475"/>
-            <a:ext cx="481330" cy="481330"/>
+            <a:off x="10093585" y="1510099"/>
+            <a:ext cx="963577" cy="936811"/>
           </a:xfrm>
           <a:prstGeom prst="rect">
             <a:avLst/>
           </a:prstGeom>
         </p:spPr>
       </p:pic>
-      <p:pic>
-        <p:nvPicPr>
-          <p:cNvPr id="15" name="Graphic 8">
-            <a:extLst>
-              <a:ext uri="{FF2B5EF4-FFF2-40B4-BE49-F238E27FC236}">
-                <a16:creationId xmlns:a16="http://schemas.microsoft.com/office/drawing/2014/main" id="{0D4A9B47-8231-EF4D-B9AB-A3D9E4B81350}"/>
-              </a:ext>
-            </a:extLst>
-          </p:cNvPr>
-          <p:cNvPicPr>
-            <a:picLocks noChangeAspect="1" noChangeArrowheads="1"/>
-          </p:cNvPicPr>
+    </p:spTree>
+  </p:cSld>
+  <p:clrMapOvr>
+    <a:masterClrMapping/>
+  </p:clrMapOvr>
+  <mc:AlternateContent xmlns:mc="http://schemas.openxmlformats.org/markup-compatibility/2006">
+    <mc:Choice xmlns:p14="http://schemas.microsoft.com/office/powerpoint/2010/main" Requires="p14">
+      <p:transition xmlns:mc="http://schemas.openxmlformats.org/markup-compatibility/2006" xmlns:p14="http://schemas.microsoft.com/office/powerpoint/2010/main" mc:Ignorable="p14" p14:dur="500"/>
+    </mc:Choice>
+    <mc:Fallback>
+      <p:transition/>
+    </mc:Fallback>
+  </mc:AlternateContent>
+</p:sld>
+</file>
+
+<file path=ppt/slides/slide4.xml><?xml version="1.0" encoding="utf-8"?>
+<p:sld xmlns:r="http://schemas.openxmlformats.org/officeDocument/2006/relationships" xmlns:c="http://schemas.openxmlformats.org/drawingml/2006/chart" xmlns:a="http://schemas.openxmlformats.org/drawingml/2006/main" xmlns:dgm="http://schemas.openxmlformats.org/drawingml/2006/diagram" xmlns:dsp="http://schemas.microsoft.com/office/drawing/2008/diagram" xmlns:p="http://schemas.openxmlformats.org/presentationml/2006/main">
+  <p:cSld>
+    <p:spTree>
+      <p:nvGrpSpPr>
+        <p:cNvPr id="1" name=""/>
+        <p:cNvGrpSpPr/>
+        <p:nvPr/>
+      </p:nvGrpSpPr>
+      <p:grpSpPr>
+        <a:xfrm>
+          <a:off x="0" y="0"/>
+          <a:ext cx="0" cy="0"/>
+          <a:chOff x="0" y="0"/>
+          <a:chExt cx="0" cy="0"/>
+        </a:xfrm>
+      </p:grpSpPr>
+      <p:sp>
+        <p:nvSpPr>
+          <p:cNvPr id="4" name="TextBox 3"/>
+          <p:cNvSpPr txBox="1"/>
           <p:nvPr/>
-        </p:nvPicPr>
-        <p:blipFill>
-          <a:blip r:embed="rId12">
-            <a:extLst>
-              <a:ext uri="{28A0092B-C50C-407E-A947-70E740481C1C}">
-                <a14:useLocalDpi xmlns:a14="http://schemas.microsoft.com/office/drawing/2010/main" val="0"/>
-              </a:ext>
-            </a:extLst>
-          </a:blip>
-          <a:srcRect/>
-          <a:stretch>
-            <a:fillRect/>
-          </a:stretch>
-        </p:blipFill>
-        <p:spPr bwMode="auto">
+        </p:nvSpPr>
+        <p:spPr>
           <a:xfrm>
-            <a:off x="11019790" y="993775"/>
-            <a:ext cx="539750" cy="539750"/>
+            <a:off x="9344628" y="268146"/>
+            <a:ext cx="3997123" cy="369332"/>
           </a:xfrm>
           <a:prstGeom prst="rect">
             <a:avLst/>
           </a:prstGeom>
           <a:noFill/>
-          <a:ln>
-            <a:noFill/>
-          </a:ln>
-          <a:extLst>
-            <a:ext uri="{909E8E84-426E-40DD-AFC4-6F175D3DCCD1}">
-              <a14:hiddenFill xmlns:a14="http://schemas.microsoft.com/office/drawing/2010/main">
-                <a:solidFill>
-                  <a:srgbClr val="FFFFFF"/>
-                </a:solidFill>
-              </a14:hiddenFill>
-            </a:ext>
-            <a:ext uri="{91240B29-F687-4F45-9708-019B960494DF}">
-              <a14:hiddenLine xmlns:a14="http://schemas.microsoft.com/office/drawing/2010/main" w="9525">
-                <a:solidFill>
-                  <a:srgbClr val="000000"/>
-                </a:solidFill>
-                <a:miter lim="800000"/>
-                <a:headEnd/>
-                <a:tailEnd/>
-              </a14:hiddenLine>
-            </a:ext>
-          </a:extLst>
-        </p:spPr>
-      </p:pic>
-      <p:pic>
-        <p:nvPicPr>
-          <p:cNvPr id="16" name="Graphic 63">
-            <a:extLst>
-              <a:ext uri="{FF2B5EF4-FFF2-40B4-BE49-F238E27FC236}">
-                <a16:creationId xmlns:a16="http://schemas.microsoft.com/office/drawing/2014/main" id="{9B0E541F-A9E3-5346-935C-401DF5B62E4D}"/>
-              </a:ext>
-            </a:extLst>
-          </p:cNvPr>
-          <p:cNvPicPr>
-            <a:picLocks noChangeAspect="1" noChangeArrowheads="1"/>
-          </p:cNvPicPr>
-          <p:nvPr/>
-        </p:nvPicPr>
-        <p:blipFill>
-          <a:blip r:embed="rId13">
-            <a:extLst>
-              <a:ext uri="{28A0092B-C50C-407E-A947-70E740481C1C}">
-                <a14:useLocalDpi xmlns:a14="http://schemas.microsoft.com/office/drawing/2010/main" val="0"/>
-              </a:ext>
-            </a:extLst>
-          </a:blip>
-          <a:srcRect/>
-          <a:stretch>
-            <a:fillRect/>
-          </a:stretch>
-        </p:blipFill>
-        <p:spPr bwMode="auto">
-          <a:xfrm>
-            <a:off x="6838315" y="4886325"/>
-            <a:ext cx="360045" cy="360045"/>
-          </a:xfrm>
-          <a:prstGeom prst="rect">
-            <a:avLst/>
-          </a:prstGeom>
-          <a:noFill/>
-          <a:ln>
-            <a:noFill/>
-          </a:ln>
-          <a:extLst>
-            <a:ext uri="{909E8E84-426E-40DD-AFC4-6F175D3DCCD1}">
-              <a14:hiddenFill xmlns:a14="http://schemas.microsoft.com/office/drawing/2010/main">
-                <a:solidFill>
-                  <a:srgbClr val="FFFFFF"/>
-                </a:solidFill>
-              </a14:hiddenFill>
-            </a:ext>
-            <a:ext uri="{91240B29-F687-4F45-9708-019B960494DF}">
-              <a14:hiddenLine xmlns:a14="http://schemas.microsoft.com/office/drawing/2010/main" w="9525">
-                <a:solidFill>
-                  <a:srgbClr val="000000"/>
-                </a:solidFill>
-                <a:miter lim="800000"/>
-                <a:headEnd/>
-                <a:tailEnd/>
-              </a14:hiddenLine>
-            </a:ext>
-          </a:extLst>
-        </p:spPr>
-      </p:pic>
-      <p:sp>
-        <p:nvSpPr>
-          <p:cNvPr id="17" name="Rectangle 32">
-            <a:extLst>
-              <a:ext uri="{FF2B5EF4-FFF2-40B4-BE49-F238E27FC236}">
-                <a16:creationId xmlns:a16="http://schemas.microsoft.com/office/drawing/2014/main" id="{B1844CBB-737E-C049-891C-1F2168761D96}"/>
-              </a:ext>
-            </a:extLst>
-          </p:cNvPr>
-          <p:cNvSpPr/>
-          <p:nvPr/>
-        </p:nvSpPr>
-        <p:spPr>
-          <a:xfrm>
-            <a:off x="3148330" y="2475230"/>
-            <a:ext cx="2002155" cy="1094740"/>
-          </a:xfrm>
-          <a:prstGeom prst="rect">
-            <a:avLst/>
-          </a:prstGeom>
-          <a:solidFill>
-            <a:srgbClr val="1D8900">
-              <a:alpha val="9804"/>
-            </a:srgbClr>
-          </a:solidFill>
-          <a:ln w="12700">
-            <a:noFill/>
-            <a:prstDash val="dash"/>
-          </a:ln>
-        </p:spPr>
-        <p:style>
-          <a:lnRef idx="2">
-            <a:schemeClr val="accent1">
-              <a:shade val="50000"/>
-            </a:schemeClr>
-          </a:lnRef>
-          <a:fillRef idx="1">
-            <a:schemeClr val="accent1"/>
-          </a:fillRef>
-          <a:effectRef idx="0">
-            <a:schemeClr val="accent1"/>
-          </a:effectRef>
-          <a:fontRef idx="minor">
-            <a:schemeClr val="lt1"/>
-          </a:fontRef>
-        </p:style>
+        </p:spPr>
         <p:txBody>
-          <a:bodyPr lIns="502920"/>
-          <a:lstStyle>
-            <a:defPPr>
-              <a:defRPr lang="en-US"/>
-            </a:defPPr>
-            <a:lvl1pPr algn="l" rtl="0" eaLnBrk="0" fontAlgn="base" hangingPunct="0">
-              <a:spcBef>
-                <a:spcPct val="0"/>
-              </a:spcBef>
-              <a:spcAft>
-                <a:spcPct val="0"/>
-              </a:spcAft>
-              <a:defRPr kern="1200">
-                <a:solidFill>
-                  <a:schemeClr val="lt1"/>
-                </a:solidFill>
-                <a:latin typeface="+mn-lt"/>
-                <a:ea typeface="+mn-ea"/>
-                <a:cs typeface="+mn-cs"/>
-              </a:defRPr>
-            </a:lvl1pPr>
-            <a:lvl2pPr marL="457200" algn="l" rtl="0" eaLnBrk="0" fontAlgn="base" hangingPunct="0">
-              <a:spcBef>
-                <a:spcPct val="0"/>
-              </a:spcBef>
-              <a:spcAft>
-                <a:spcPct val="0"/>
-              </a:spcAft>
-              <a:defRPr kern="1200">
-                <a:solidFill>
-                  <a:schemeClr val="lt1"/>
-                </a:solidFill>
-                <a:latin typeface="+mn-lt"/>
-                <a:ea typeface="+mn-ea"/>
-                <a:cs typeface="+mn-cs"/>
-              </a:defRPr>
-            </a:lvl2pPr>
-            <a:lvl3pPr marL="914400" algn="l" rtl="0" eaLnBrk="0" fontAlgn="base" hangingPunct="0">
-              <a:spcBef>
-                <a:spcPct val="0"/>
-              </a:spcBef>
-              <a:spcAft>
-                <a:spcPct val="0"/>
-              </a:spcAft>
-              <a:defRPr kern="1200">
-                <a:solidFill>
-                  <a:schemeClr val="lt1"/>
-                </a:solidFill>
-                <a:latin typeface="+mn-lt"/>
-                <a:ea typeface="+mn-ea"/>
-                <a:cs typeface="+mn-cs"/>
-              </a:defRPr>
-            </a:lvl3pPr>
-            <a:lvl4pPr marL="1371600" algn="l" rtl="0" eaLnBrk="0" fontAlgn="base" hangingPunct="0">
-              <a:spcBef>
-                <a:spcPct val="0"/>
-              </a:spcBef>
-              <a:spcAft>
-                <a:spcPct val="0"/>
-              </a:spcAft>
-              <a:defRPr kern="1200">
-                <a:solidFill>
-                  <a:schemeClr val="lt1"/>
-                </a:solidFill>
-                <a:latin typeface="+mn-lt"/>
-                <a:ea typeface="+mn-ea"/>
-                <a:cs typeface="+mn-cs"/>
-              </a:defRPr>
-            </a:lvl4pPr>
-            <a:lvl5pPr marL="1828800" algn="l" rtl="0" eaLnBrk="0" fontAlgn="base" hangingPunct="0">
-              <a:spcBef>
-                <a:spcPct val="0"/>
-              </a:spcBef>
-              <a:spcAft>
-                <a:spcPct val="0"/>
-              </a:spcAft>
-              <a:defRPr kern="1200">
-                <a:solidFill>
-                  <a:schemeClr val="lt1"/>
-                </a:solidFill>
-                <a:latin typeface="+mn-lt"/>
-                <a:ea typeface="+mn-ea"/>
-                <a:cs typeface="+mn-cs"/>
-              </a:defRPr>
-            </a:lvl5pPr>
-            <a:lvl6pPr marL="2286000" algn="l" defTabSz="914400" rtl="0" eaLnBrk="1" latinLnBrk="0" hangingPunct="1">
-              <a:defRPr kern="1200">
-                <a:solidFill>
-                  <a:schemeClr val="lt1"/>
-                </a:solidFill>
-                <a:latin typeface="+mn-lt"/>
-                <a:ea typeface="+mn-ea"/>
-                <a:cs typeface="+mn-cs"/>
-              </a:defRPr>
-            </a:lvl6pPr>
-            <a:lvl7pPr marL="2743200" algn="l" defTabSz="914400" rtl="0" eaLnBrk="1" latinLnBrk="0" hangingPunct="1">
-              <a:defRPr kern="1200">
-                <a:solidFill>
-                  <a:schemeClr val="lt1"/>
-                </a:solidFill>
-                <a:latin typeface="+mn-lt"/>
-                <a:ea typeface="+mn-ea"/>
-                <a:cs typeface="+mn-cs"/>
-              </a:defRPr>
-            </a:lvl7pPr>
-            <a:lvl8pPr marL="3200400" algn="l" defTabSz="914400" rtl="0" eaLnBrk="1" latinLnBrk="0" hangingPunct="1">
-              <a:defRPr kern="1200">
-                <a:solidFill>
-                  <a:schemeClr val="lt1"/>
-                </a:solidFill>
-                <a:latin typeface="+mn-lt"/>
-                <a:ea typeface="+mn-ea"/>
-                <a:cs typeface="+mn-cs"/>
-              </a:defRPr>
-            </a:lvl8pPr>
-            <a:lvl9pPr marL="3657600" algn="l" defTabSz="914400" rtl="0" eaLnBrk="1" latinLnBrk="0" hangingPunct="1">
-              <a:defRPr kern="1200">
-                <a:solidFill>
-                  <a:schemeClr val="lt1"/>
-                </a:solidFill>
-                <a:latin typeface="+mn-lt"/>
-                <a:ea typeface="+mn-ea"/>
-                <a:cs typeface="+mn-cs"/>
-              </a:defRPr>
-            </a:lvl9pPr>
-          </a:lstStyle>
-          <a:p>
-            <a:pPr eaLnBrk="1" fontAlgn="auto" hangingPunct="1">
-              <a:spcBef>
-                <a:spcPts val="0"/>
-              </a:spcBef>
-              <a:spcAft>
-                <a:spcPts val="0"/>
-              </a:spcAft>
+          <a:bodyPr rot="0" vert="horz" wrap="square" lIns="91440" tIns="45720" rIns="91440" bIns="45720" anchor="t" anchorCtr="0">
+            <a:prstTxWarp prst="textNoShape">
+              <a:avLst/>
+            </a:prstTxWarp>
+            <a:spAutoFit/>
+          </a:bodyPr>
+          <a:lstStyle/>
+          <a:p>
+            <a:pPr lvl="0">
               <a:defRPr/>
             </a:pPr>
             <a:r>
-              <a:rPr lang="en-US" sz="1200" dirty="0">
-                <a:solidFill>
-                  <a:srgbClr val="1E8900"/>
-                </a:solidFill>
-                <a:latin typeface="Arial" panose="020B0604020202020204" pitchFamily="34" charset="0"/>
-                <a:cs typeface="Arial" panose="020B0604020202020204" pitchFamily="34" charset="0"/>
+              <a:rPr lang="ko-KR" altLang="en-US">
+                <a:ea typeface="맑은 고딕"/>
+                <a:cs typeface="Calibri"/>
               </a:rPr>
-              <a:t>Public subnet</a:t>
+              <a:t>Spring Boot Dependency </a:t>
             </a:r>
+            <a:endParaRPr lang="ko-KR" altLang="en-US">
+              <a:ea typeface="맑은 고딕"/>
+              <a:cs typeface="Calibri"/>
+            </a:endParaRPr>
           </a:p>
         </p:txBody>
       </p:sp>
+      <p:graphicFrame>
+        <p:nvGraphicFramePr>
+          <p:cNvPr id="5" name="표 5"/>
+          <p:cNvGraphicFramePr>
+            <a:graphicFrameLocks noGrp="1"/>
+          </p:cNvGraphicFramePr>
+          <p:nvPr/>
+        </p:nvGraphicFramePr>
+        <p:xfrm>
+          <a:off x="796338" y="1744806"/>
+          <a:ext cx="9421955" cy="3320378"/>
+        </p:xfrm>
+        <a:graphic>
+          <a:graphicData uri="http://schemas.openxmlformats.org/drawingml/2006/table">
+            <a:tbl>
+              <a:tblPr firstRow="1" bandRow="1">
+                <a:tableStyleId>{5C22544A-7EE6-4342-B048-85BDC9FD1C3A}</a:tableStyleId>
+              </a:tblPr>
+              <a:tblGrid>
+                <a:gridCol w="2750815"/>
+                <a:gridCol w="6671140"/>
+              </a:tblGrid>
+              <a:tr h="516716">
+                <a:tc>
+                  <a:txBody>
+                    <a:bodyPr vert="horz" lIns="91440" tIns="45720" rIns="91440" bIns="45720" anchor="t" anchorCtr="0"/>
+                    <a:p>
+                      <a:pPr algn="ctr" latinLnBrk="1">
+                        <a:defRPr/>
+                      </a:pPr>
+                      <a:r>
+                        <a:rPr lang="ko-KR" altLang="en-US"/>
+                        <a:t>구    분</a:t>
+                      </a:r>
+                      <a:endParaRPr lang="ko-KR" altLang="en-US"/>
+                    </a:p>
+                  </a:txBody>
+                  <a:tcPr marL="91440" marR="91440"/>
+                </a:tc>
+                <a:tc>
+                  <a:txBody>
+                    <a:bodyPr vert="horz" lIns="91440" tIns="45720" rIns="91440" bIns="45720" anchor="t" anchorCtr="0"/>
+                    <a:p>
+                      <a:pPr algn="ctr" latinLnBrk="1">
+                        <a:defRPr/>
+                      </a:pPr>
+                      <a:r>
+                        <a:rPr lang="ko-KR" altLang="en-US"/>
+                        <a:t>Dependency</a:t>
+                      </a:r>
+                      <a:endParaRPr lang="ko-KR" altLang="en-US"/>
+                    </a:p>
+                  </a:txBody>
+                  <a:tcPr marL="91440" marR="91440"/>
+                </a:tc>
+              </a:tr>
+              <a:tr h="2803662">
+                <a:tc>
+                  <a:txBody>
+                    <a:bodyPr vert="horz" lIns="91440" tIns="45720" rIns="91440" bIns="45720" anchor="t" anchorCtr="0"/>
+                    <a:p>
+                      <a:pPr lvl="0" algn="ctr">
+                        <a:buNone/>
+                        <a:defRPr/>
+                      </a:pPr>
+                      <a:endParaRPr lang="ko-KR" altLang="en-US"/>
+                    </a:p>
+                    <a:p>
+                      <a:pPr lvl="0" algn="ctr">
+                        <a:buNone/>
+                        <a:defRPr/>
+                      </a:pPr>
+                      <a:endParaRPr lang="ko-KR" altLang="en-US"/>
+                    </a:p>
+                    <a:p>
+                      <a:pPr lvl="0" algn="ctr">
+                        <a:buNone/>
+                        <a:defRPr/>
+                      </a:pPr>
+                      <a:endParaRPr lang="ko-KR" altLang="en-US"/>
+                    </a:p>
+                    <a:p>
+                      <a:pPr lvl="0" algn="ctr">
+                        <a:buNone/>
+                        <a:defRPr/>
+                      </a:pPr>
+                      <a:endParaRPr lang="ko-KR" altLang="en-US"/>
+                    </a:p>
+                    <a:p>
+                      <a:pPr lvl="0" algn="ctr">
+                        <a:buNone/>
+                        <a:defRPr/>
+                      </a:pPr>
+                      <a:r>
+                        <a:rPr lang="ko-KR" altLang="en-US"/>
+                        <a:t>SpringBoot</a:t>
+                      </a:r>
+                      <a:endParaRPr lang="ko-KR" altLang="en-US"/>
+                    </a:p>
+                  </a:txBody>
+                  <a:tcPr marL="91440" marR="91440"/>
+                </a:tc>
+                <a:tc>
+                  <a:txBody>
+                    <a:bodyPr vert="horz" lIns="91440" tIns="45720" rIns="91440" bIns="45720" anchor="t" anchorCtr="0"/>
+                    <a:p>
+                      <a:pPr marL="285750" lvl="0" indent="-285750">
+                        <a:buFont typeface="Arial"/>
+                        <a:buChar char="•"/>
+                        <a:defRPr/>
+                      </a:pPr>
+                      <a:endParaRPr lang="ko-KR" altLang="en-US"/>
+                    </a:p>
+                    <a:p>
+                      <a:pPr marL="285750" lvl="0" indent="-285750">
+                        <a:buFont typeface="Arial"/>
+                        <a:buChar char="•"/>
+                        <a:defRPr/>
+                      </a:pPr>
+                      <a:r>
+                        <a:rPr lang="ko-KR" altLang="en-US"/>
+                        <a:t>Lombok</a:t>
+                      </a:r>
+                      <a:endParaRPr lang="ko-KR" altLang="en-US"/>
+                    </a:p>
+                    <a:p>
+                      <a:pPr marL="285750" lvl="0" indent="-285750">
+                        <a:buFont typeface="Arial"/>
+                        <a:buChar char="•"/>
+                        <a:defRPr/>
+                      </a:pPr>
+                      <a:r>
+                        <a:rPr lang="ko-KR" altLang="en-US"/>
+                        <a:t>Spring Boot DevTools</a:t>
+                      </a:r>
+                      <a:endParaRPr lang="ko-KR" altLang="en-US"/>
+                    </a:p>
+                    <a:p>
+                      <a:pPr marL="285750" lvl="0" indent="-285750">
+                        <a:buFont typeface="Arial"/>
+                        <a:buChar char="•"/>
+                        <a:defRPr/>
+                      </a:pPr>
+                      <a:r>
+                        <a:rPr lang="ko-KR" altLang="en-US"/>
+                        <a:t>Spring Web</a:t>
+                      </a:r>
+                      <a:endParaRPr lang="ko-KR" altLang="en-US"/>
+                    </a:p>
+                    <a:p>
+                      <a:pPr marL="285750" lvl="0" indent="-285750">
+                        <a:buFont typeface="Arial"/>
+                        <a:buChar char="•"/>
+                        <a:defRPr/>
+                      </a:pPr>
+                      <a:r>
+                        <a:rPr lang="ko-KR" altLang="en-US"/>
+                        <a:t>Spring Data JPA</a:t>
+                      </a:r>
+                      <a:endParaRPr lang="ko-KR" altLang="en-US"/>
+                    </a:p>
+                    <a:p>
+                      <a:pPr marL="285750" lvl="0" indent="-285750">
+                        <a:buFont typeface="Arial"/>
+                        <a:buChar char="•"/>
+                        <a:defRPr/>
+                      </a:pPr>
+                      <a:r>
+                        <a:rPr lang="ko-KR" altLang="en-US"/>
+                        <a:t>Mysql Driver</a:t>
+                      </a:r>
+                      <a:endParaRPr lang="ko-KR" altLang="en-US"/>
+                    </a:p>
+                    <a:p>
+                      <a:pPr marL="285750" lvl="0" indent="-285750">
+                        <a:buFont typeface="Arial"/>
+                        <a:buChar char="•"/>
+                        <a:defRPr/>
+                      </a:pPr>
+                      <a:r>
+                        <a:rPr lang="ko-KR" altLang="en-US"/>
+                        <a:t>Spring Security</a:t>
+                      </a:r>
+                      <a:endParaRPr lang="ko-KR" altLang="en-US"/>
+                    </a:p>
+                    <a:p>
+                      <a:pPr marL="285750" lvl="0" indent="-285750">
+                        <a:buFont typeface="Arial"/>
+                        <a:buChar char="•"/>
+                        <a:defRPr/>
+                      </a:pPr>
+                      <a:r>
+                        <a:rPr lang="ko-KR" altLang="en-US"/>
+                        <a:t>OAuth2 Client</a:t>
+                      </a:r>
+                      <a:endParaRPr lang="ko-KR" altLang="en-US"/>
+                    </a:p>
+                  </a:txBody>
+                  <a:tcPr marL="91440" marR="91440"/>
+                </a:tc>
+              </a:tr>
+            </a:tbl>
+          </a:graphicData>
+        </a:graphic>
+      </p:graphicFrame>
       <p:pic>
         <p:nvPicPr>
-          <p:cNvPr id="18" name="Graphic 19">
-            <a:extLst>
-              <a:ext uri="{FF2B5EF4-FFF2-40B4-BE49-F238E27FC236}">
-                <a16:creationId xmlns:a16="http://schemas.microsoft.com/office/drawing/2014/main" id="{C5004A7F-07D4-7644-BBA1-793B679928D6}"/>
-              </a:ext>
-            </a:extLst>
-          </p:cNvPr>
+          <p:cNvPr id="6" name="그림 6"/>
           <p:cNvPicPr>
             <a:picLocks noChangeAspect="1"/>
           </p:cNvPicPr>
           <p:nvPr/>
         </p:nvPicPr>
-        <p:blipFill>
-          <a:blip r:embed="rId14">
-            <a:extLst>
-              <a:ext uri="{96DAC541-7B7A-43D3-8B79-37D633B846F1}">
-                <asvg:svgBlip xmlns:asvg="http://schemas.microsoft.com/office/drawing/2016/SVG/main" r:embed="rId15"/>
-              </a:ext>
-            </a:extLst>
-          </a:blip>
+        <p:blipFill rotWithShape="1">
+          <a:blip r:embed="rId2"/>
           <a:stretch>
             <a:fillRect/>
           </a:stretch>
         </p:blipFill>
         <p:spPr>
           <a:xfrm>
-            <a:off x="3148965" y="2477135"/>
-            <a:ext cx="381000" cy="381000"/>
+            <a:off x="7614093" y="2670977"/>
+            <a:ext cx="1651563" cy="1699309"/>
           </a:xfrm>
           <a:prstGeom prst="rect">
             <a:avLst/>
           </a:prstGeom>
         </p:spPr>
       </p:pic>
-      <p:sp>
-        <p:nvSpPr>
-          <p:cNvPr id="19" name="Rectangle 10">
-            <a:extLst>
-              <a:ext uri="{FF2B5EF4-FFF2-40B4-BE49-F238E27FC236}">
-                <a16:creationId xmlns:a16="http://schemas.microsoft.com/office/drawing/2014/main" id="{D246DAA1-0260-E449-8CA2-92FF0101149D}"/>
-              </a:ext>
-            </a:extLst>
-          </p:cNvPr>
-          <p:cNvSpPr/>
-          <p:nvPr/>
-        </p:nvSpPr>
-        <p:spPr>
-          <a:xfrm>
-            <a:off x="8886190" y="1657985"/>
-            <a:ext cx="2404110" cy="1275715"/>
-          </a:xfrm>
-          <a:prstGeom prst="rect">
-            <a:avLst/>
-          </a:prstGeom>
-          <a:noFill/>
-          <a:ln w="12700">
-            <a:solidFill>
-              <a:srgbClr val="5B9CD5"/>
-            </a:solidFill>
-            <a:prstDash val="dash"/>
-          </a:ln>
-        </p:spPr>
-        <p:style>
-          <a:lnRef idx="2">
-            <a:schemeClr val="accent1">
-              <a:shade val="50000"/>
-            </a:schemeClr>
-          </a:lnRef>
-          <a:fillRef idx="1">
-            <a:schemeClr val="accent1"/>
-          </a:fillRef>
-          <a:effectRef idx="0">
-            <a:schemeClr val="accent1"/>
-          </a:effectRef>
-          <a:fontRef idx="minor">
-            <a:schemeClr val="lt1"/>
-          </a:fontRef>
-        </p:style>
-        <p:txBody>
-          <a:bodyPr tIns="91440"/>
-          <a:lstStyle>
-            <a:defPPr>
-              <a:defRPr lang="en-US"/>
-            </a:defPPr>
-            <a:lvl1pPr algn="l" rtl="0" eaLnBrk="0" fontAlgn="base" hangingPunct="0">
-              <a:spcBef>
-                <a:spcPct val="0"/>
-              </a:spcBef>
-              <a:spcAft>
-                <a:spcPct val="0"/>
-              </a:spcAft>
-              <a:defRPr kern="1200">
-                <a:solidFill>
-                  <a:schemeClr val="lt1"/>
-                </a:solidFill>
-                <a:latin typeface="+mn-lt"/>
-                <a:ea typeface="+mn-ea"/>
-                <a:cs typeface="+mn-cs"/>
-              </a:defRPr>
-            </a:lvl1pPr>
-            <a:lvl2pPr marL="457200" algn="l" rtl="0" eaLnBrk="0" fontAlgn="base" hangingPunct="0">
-              <a:spcBef>
-                <a:spcPct val="0"/>
-              </a:spcBef>
-              <a:spcAft>
-                <a:spcPct val="0"/>
-              </a:spcAft>
-              <a:defRPr kern="1200">
-                <a:solidFill>
-                  <a:schemeClr val="lt1"/>
-                </a:solidFill>
-                <a:latin typeface="+mn-lt"/>
-                <a:ea typeface="+mn-ea"/>
-                <a:cs typeface="+mn-cs"/>
-              </a:defRPr>
-            </a:lvl2pPr>
-            <a:lvl3pPr marL="914400" algn="l" rtl="0" eaLnBrk="0" fontAlgn="base" hangingPunct="0">
-              <a:spcBef>
-                <a:spcPct val="0"/>
-              </a:spcBef>
-              <a:spcAft>
-                <a:spcPct val="0"/>
-              </a:spcAft>
-              <a:defRPr kern="1200">
-                <a:solidFill>
-                  <a:schemeClr val="lt1"/>
-                </a:solidFill>
-                <a:latin typeface="+mn-lt"/>
-                <a:ea typeface="+mn-ea"/>
-                <a:cs typeface="+mn-cs"/>
-              </a:defRPr>
-            </a:lvl3pPr>
-            <a:lvl4pPr marL="1371600" algn="l" rtl="0" eaLnBrk="0" fontAlgn="base" hangingPunct="0">
-              <a:spcBef>
-                <a:spcPct val="0"/>
-              </a:spcBef>
-              <a:spcAft>
-                <a:spcPct val="0"/>
-              </a:spcAft>
-              <a:defRPr kern="1200">
-                <a:solidFill>
-                  <a:schemeClr val="lt1"/>
-                </a:solidFill>
-                <a:latin typeface="+mn-lt"/>
-                <a:ea typeface="+mn-ea"/>
-                <a:cs typeface="+mn-cs"/>
-              </a:defRPr>
-            </a:lvl4pPr>
-            <a:lvl5pPr marL="1828800" algn="l" rtl="0" eaLnBrk="0" fontAlgn="base" hangingPunct="0">
-              <a:spcBef>
-                <a:spcPct val="0"/>
-              </a:spcBef>
-              <a:spcAft>
-                <a:spcPct val="0"/>
-              </a:spcAft>
-              <a:defRPr kern="1200">
-                <a:solidFill>
-                  <a:schemeClr val="lt1"/>
-                </a:solidFill>
-                <a:latin typeface="+mn-lt"/>
-                <a:ea typeface="+mn-ea"/>
-                <a:cs typeface="+mn-cs"/>
-              </a:defRPr>
-            </a:lvl5pPr>
-            <a:lvl6pPr marL="2286000" algn="l" defTabSz="914400" rtl="0" eaLnBrk="1" latinLnBrk="0" hangingPunct="1">
-              <a:defRPr kern="1200">
-                <a:solidFill>
-                  <a:schemeClr val="lt1"/>
-                </a:solidFill>
-                <a:latin typeface="+mn-lt"/>
-                <a:ea typeface="+mn-ea"/>
-                <a:cs typeface="+mn-cs"/>
-              </a:defRPr>
-            </a:lvl6pPr>
-            <a:lvl7pPr marL="2743200" algn="l" defTabSz="914400" rtl="0" eaLnBrk="1" latinLnBrk="0" hangingPunct="1">
-              <a:defRPr kern="1200">
-                <a:solidFill>
-                  <a:schemeClr val="lt1"/>
-                </a:solidFill>
-                <a:latin typeface="+mn-lt"/>
-                <a:ea typeface="+mn-ea"/>
-                <a:cs typeface="+mn-cs"/>
-              </a:defRPr>
-            </a:lvl7pPr>
-            <a:lvl8pPr marL="3200400" algn="l" defTabSz="914400" rtl="0" eaLnBrk="1" latinLnBrk="0" hangingPunct="1">
-              <a:defRPr kern="1200">
-                <a:solidFill>
-                  <a:schemeClr val="lt1"/>
-                </a:solidFill>
-                <a:latin typeface="+mn-lt"/>
-                <a:ea typeface="+mn-ea"/>
-                <a:cs typeface="+mn-cs"/>
-              </a:defRPr>
-            </a:lvl8pPr>
-            <a:lvl9pPr marL="3657600" algn="l" defTabSz="914400" rtl="0" eaLnBrk="1" latinLnBrk="0" hangingPunct="1">
-              <a:defRPr kern="1200">
-                <a:solidFill>
-                  <a:schemeClr val="lt1"/>
-                </a:solidFill>
-                <a:latin typeface="+mn-lt"/>
-                <a:ea typeface="+mn-ea"/>
-                <a:cs typeface="+mn-cs"/>
-              </a:defRPr>
-            </a:lvl9pPr>
-          </a:lstStyle>
-          <a:p>
-            <a:pPr algn="ctr" eaLnBrk="1" fontAlgn="auto" hangingPunct="1">
-              <a:spcBef>
-                <a:spcPts val="0"/>
-              </a:spcBef>
-              <a:spcAft>
-                <a:spcPts val="0"/>
-              </a:spcAft>
-              <a:defRPr/>
-            </a:pPr>
-            <a:r>
-              <a:rPr lang="en-US" sz="1200" dirty="0">
-                <a:solidFill>
-                  <a:srgbClr val="5B9CD5"/>
-                </a:solidFill>
-                <a:latin typeface="Arial" panose="020B0604020202020204" pitchFamily="34" charset="0"/>
-                <a:cs typeface="Arial" panose="020B0604020202020204" pitchFamily="34" charset="0"/>
-              </a:rPr>
-              <a:t>Availability Zone – 1a</a:t>
-            </a:r>
-          </a:p>
-        </p:txBody>
-      </p:sp>
-      <p:sp>
-        <p:nvSpPr>
-          <p:cNvPr id="20" name="Rectangle 10">
-            <a:extLst>
-              <a:ext uri="{FF2B5EF4-FFF2-40B4-BE49-F238E27FC236}">
-                <a16:creationId xmlns:a16="http://schemas.microsoft.com/office/drawing/2014/main" id="{0945ED4F-3F7E-4F2C-89CE-C55523C5DE86}"/>
-              </a:ext>
-            </a:extLst>
-          </p:cNvPr>
-          <p:cNvSpPr/>
-          <p:nvPr/>
-        </p:nvSpPr>
-        <p:spPr>
-          <a:xfrm>
-            <a:off x="8886190" y="3192145"/>
-            <a:ext cx="2404110" cy="1197610"/>
-          </a:xfrm>
-          <a:prstGeom prst="rect">
-            <a:avLst/>
-          </a:prstGeom>
-          <a:noFill/>
-          <a:ln w="12700">
-            <a:solidFill>
-              <a:srgbClr val="5B9CD5"/>
-            </a:solidFill>
-            <a:prstDash val="dash"/>
-          </a:ln>
-        </p:spPr>
-        <p:style>
-          <a:lnRef idx="2">
-            <a:schemeClr val="accent1">
-              <a:shade val="50000"/>
-            </a:schemeClr>
-          </a:lnRef>
-          <a:fillRef idx="1">
-            <a:schemeClr val="accent1"/>
-          </a:fillRef>
-          <a:effectRef idx="0">
-            <a:schemeClr val="accent1"/>
-          </a:effectRef>
-          <a:fontRef idx="minor">
-            <a:schemeClr val="lt1"/>
-          </a:fontRef>
-        </p:style>
-        <p:txBody>
-          <a:bodyPr tIns="91440"/>
-          <a:lstStyle>
-            <a:defPPr>
-              <a:defRPr lang="en-US"/>
-            </a:defPPr>
-            <a:lvl1pPr algn="l" rtl="0" eaLnBrk="0" fontAlgn="base" hangingPunct="0">
-              <a:spcBef>
-                <a:spcPct val="0"/>
-              </a:spcBef>
-              <a:spcAft>
-                <a:spcPct val="0"/>
-              </a:spcAft>
-              <a:defRPr kern="1200">
-                <a:solidFill>
-                  <a:schemeClr val="lt1"/>
-                </a:solidFill>
-                <a:latin typeface="+mn-lt"/>
-                <a:ea typeface="+mn-ea"/>
-                <a:cs typeface="+mn-cs"/>
-              </a:defRPr>
-            </a:lvl1pPr>
-            <a:lvl2pPr marL="457200" algn="l" rtl="0" eaLnBrk="0" fontAlgn="base" hangingPunct="0">
-              <a:spcBef>
-                <a:spcPct val="0"/>
-              </a:spcBef>
-              <a:spcAft>
-                <a:spcPct val="0"/>
-              </a:spcAft>
-              <a:defRPr kern="1200">
-                <a:solidFill>
-                  <a:schemeClr val="lt1"/>
-                </a:solidFill>
-                <a:latin typeface="+mn-lt"/>
-                <a:ea typeface="+mn-ea"/>
-                <a:cs typeface="+mn-cs"/>
-              </a:defRPr>
-            </a:lvl2pPr>
-            <a:lvl3pPr marL="914400" algn="l" rtl="0" eaLnBrk="0" fontAlgn="base" hangingPunct="0">
-              <a:spcBef>
-                <a:spcPct val="0"/>
-              </a:spcBef>
-              <a:spcAft>
-                <a:spcPct val="0"/>
-              </a:spcAft>
-              <a:defRPr kern="1200">
-                <a:solidFill>
-                  <a:schemeClr val="lt1"/>
-                </a:solidFill>
-                <a:latin typeface="+mn-lt"/>
-                <a:ea typeface="+mn-ea"/>
-                <a:cs typeface="+mn-cs"/>
-              </a:defRPr>
-            </a:lvl3pPr>
-            <a:lvl4pPr marL="1371600" algn="l" rtl="0" eaLnBrk="0" fontAlgn="base" hangingPunct="0">
-              <a:spcBef>
-                <a:spcPct val="0"/>
-              </a:spcBef>
-              <a:spcAft>
-                <a:spcPct val="0"/>
-              </a:spcAft>
-              <a:defRPr kern="1200">
-                <a:solidFill>
-                  <a:schemeClr val="lt1"/>
-                </a:solidFill>
-                <a:latin typeface="+mn-lt"/>
-                <a:ea typeface="+mn-ea"/>
-                <a:cs typeface="+mn-cs"/>
-              </a:defRPr>
-            </a:lvl4pPr>
-            <a:lvl5pPr marL="1828800" algn="l" rtl="0" eaLnBrk="0" fontAlgn="base" hangingPunct="0">
-              <a:spcBef>
-                <a:spcPct val="0"/>
-              </a:spcBef>
-              <a:spcAft>
-                <a:spcPct val="0"/>
-              </a:spcAft>
-              <a:defRPr kern="1200">
-                <a:solidFill>
-                  <a:schemeClr val="lt1"/>
-                </a:solidFill>
-                <a:latin typeface="+mn-lt"/>
-                <a:ea typeface="+mn-ea"/>
-                <a:cs typeface="+mn-cs"/>
-              </a:defRPr>
-            </a:lvl5pPr>
-            <a:lvl6pPr marL="2286000" algn="l" defTabSz="914400" rtl="0" eaLnBrk="1" latinLnBrk="0" hangingPunct="1">
-              <a:defRPr kern="1200">
-                <a:solidFill>
-                  <a:schemeClr val="lt1"/>
-                </a:solidFill>
-                <a:latin typeface="+mn-lt"/>
-                <a:ea typeface="+mn-ea"/>
-                <a:cs typeface="+mn-cs"/>
-              </a:defRPr>
-            </a:lvl6pPr>
-            <a:lvl7pPr marL="2743200" algn="l" defTabSz="914400" rtl="0" eaLnBrk="1" latinLnBrk="0" hangingPunct="1">
-              <a:defRPr kern="1200">
-                <a:solidFill>
-                  <a:schemeClr val="lt1"/>
-                </a:solidFill>
-                <a:latin typeface="+mn-lt"/>
-                <a:ea typeface="+mn-ea"/>
-                <a:cs typeface="+mn-cs"/>
-              </a:defRPr>
-            </a:lvl7pPr>
-            <a:lvl8pPr marL="3200400" algn="l" defTabSz="914400" rtl="0" eaLnBrk="1" latinLnBrk="0" hangingPunct="1">
-              <a:defRPr kern="1200">
-                <a:solidFill>
-                  <a:schemeClr val="lt1"/>
-                </a:solidFill>
-                <a:latin typeface="+mn-lt"/>
-                <a:ea typeface="+mn-ea"/>
-                <a:cs typeface="+mn-cs"/>
-              </a:defRPr>
-            </a:lvl8pPr>
-            <a:lvl9pPr marL="3657600" algn="l" defTabSz="914400" rtl="0" eaLnBrk="1" latinLnBrk="0" hangingPunct="1">
-              <a:defRPr kern="1200">
-                <a:solidFill>
-                  <a:schemeClr val="lt1"/>
-                </a:solidFill>
-                <a:latin typeface="+mn-lt"/>
-                <a:ea typeface="+mn-ea"/>
-                <a:cs typeface="+mn-cs"/>
-              </a:defRPr>
-            </a:lvl9pPr>
-          </a:lstStyle>
-          <a:p>
-            <a:pPr algn="ctr" eaLnBrk="1" fontAlgn="auto" hangingPunct="1">
-              <a:spcBef>
-                <a:spcPts val="0"/>
-              </a:spcBef>
-              <a:spcAft>
-                <a:spcPts val="0"/>
-              </a:spcAft>
-              <a:defRPr/>
-            </a:pPr>
-            <a:r>
-              <a:rPr lang="en-US" sz="1200" dirty="0">
-                <a:solidFill>
-                  <a:srgbClr val="5B9CD5"/>
-                </a:solidFill>
-                <a:latin typeface="Arial" panose="020B0604020202020204" pitchFamily="34" charset="0"/>
-                <a:cs typeface="Arial" panose="020B0604020202020204" pitchFamily="34" charset="0"/>
-              </a:rPr>
-              <a:t>Availability Zone – 1b</a:t>
-            </a:r>
-          </a:p>
-        </p:txBody>
-      </p:sp>
-      <p:pic>
-        <p:nvPicPr>
-          <p:cNvPr id="21" name="Graphic 6">
-            <a:extLst>
-              <a:ext uri="{FF2B5EF4-FFF2-40B4-BE49-F238E27FC236}">
-                <a16:creationId xmlns:a16="http://schemas.microsoft.com/office/drawing/2014/main" id="{88CA6A9E-9683-0144-9A6D-B3FECC12B42F}"/>
-              </a:ext>
-            </a:extLst>
-          </p:cNvPr>
-          <p:cNvPicPr>
-            <a:picLocks noChangeAspect="1" noChangeArrowheads="1"/>
-          </p:cNvPicPr>
-          <p:nvPr/>
-        </p:nvPicPr>
-        <p:blipFill>
-          <a:blip r:embed="rId16">
-            <a:extLst>
-              <a:ext uri="{28A0092B-C50C-407E-A947-70E740481C1C}">
-                <a14:useLocalDpi xmlns:a14="http://schemas.microsoft.com/office/drawing/2010/main" val="0"/>
-              </a:ext>
-            </a:extLst>
-          </a:blip>
-          <a:srcRect/>
-          <a:stretch>
-            <a:fillRect/>
-          </a:stretch>
-        </p:blipFill>
-        <p:spPr bwMode="auto">
-          <a:xfrm>
-            <a:off x="10375265" y="980440"/>
-            <a:ext cx="539750" cy="539750"/>
-          </a:xfrm>
-          <a:prstGeom prst="rect">
-            <a:avLst/>
-          </a:prstGeom>
-          <a:noFill/>
-          <a:ln>
-            <a:noFill/>
-          </a:ln>
-          <a:extLst>
-            <a:ext uri="{909E8E84-426E-40DD-AFC4-6F175D3DCCD1}">
-              <a14:hiddenFill xmlns:a14="http://schemas.microsoft.com/office/drawing/2010/main">
-                <a:solidFill>
-                  <a:srgbClr val="FFFFFF"/>
-                </a:solidFill>
-              </a14:hiddenFill>
-            </a:ext>
-            <a:ext uri="{91240B29-F687-4F45-9708-019B960494DF}">
-              <a14:hiddenLine xmlns:a14="http://schemas.microsoft.com/office/drawing/2010/main" w="9525">
-                <a:solidFill>
-                  <a:srgbClr val="000000"/>
-                </a:solidFill>
-                <a:miter lim="800000"/>
-                <a:headEnd/>
-                <a:tailEnd/>
-              </a14:hiddenLine>
-            </a:ext>
-          </a:extLst>
-        </p:spPr>
-      </p:pic>
-      <p:pic>
-        <p:nvPicPr>
-          <p:cNvPr id="22" name="Graphic 53">
-            <a:extLst>
-              <a:ext uri="{FF2B5EF4-FFF2-40B4-BE49-F238E27FC236}">
-                <a16:creationId xmlns:a16="http://schemas.microsoft.com/office/drawing/2014/main" id="{444D0993-9BD0-BC41-9F11-A62DAF8D57ED}"/>
-              </a:ext>
-            </a:extLst>
-          </p:cNvPr>
-          <p:cNvPicPr>
-            <a:picLocks noChangeAspect="1" noChangeArrowheads="1"/>
-          </p:cNvPicPr>
-          <p:nvPr/>
-        </p:nvPicPr>
-        <p:blipFill>
-          <a:blip r:embed="rId17">
-            <a:extLst>
-              <a:ext uri="{28A0092B-C50C-407E-A947-70E740481C1C}">
-                <a14:useLocalDpi xmlns:a14="http://schemas.microsoft.com/office/drawing/2010/main" val="0"/>
-              </a:ext>
-            </a:extLst>
-          </a:blip>
-          <a:srcRect/>
-          <a:stretch>
-            <a:fillRect/>
-          </a:stretch>
-        </p:blipFill>
-        <p:spPr bwMode="auto">
-          <a:xfrm>
-            <a:off x="9899015" y="2306955"/>
-            <a:ext cx="360045" cy="360045"/>
-          </a:xfrm>
-          <a:prstGeom prst="rect">
-            <a:avLst/>
-          </a:prstGeom>
-          <a:noFill/>
-          <a:ln>
-            <a:noFill/>
-          </a:ln>
-          <a:extLst>
-            <a:ext uri="{909E8E84-426E-40DD-AFC4-6F175D3DCCD1}">
-              <a14:hiddenFill xmlns:a14="http://schemas.microsoft.com/office/drawing/2010/main">
-                <a:solidFill>
-                  <a:srgbClr val="FFFFFF"/>
-                </a:solidFill>
-              </a14:hiddenFill>
-            </a:ext>
-            <a:ext uri="{91240B29-F687-4F45-9708-019B960494DF}">
-              <a14:hiddenLine xmlns:a14="http://schemas.microsoft.com/office/drawing/2010/main" w="9525">
-                <a:solidFill>
-                  <a:srgbClr val="000000"/>
-                </a:solidFill>
-                <a:miter lim="800000"/>
-                <a:headEnd/>
-                <a:tailEnd/>
-              </a14:hiddenLine>
-            </a:ext>
-          </a:extLst>
-        </p:spPr>
-      </p:pic>
-      <p:pic>
-        <p:nvPicPr>
-          <p:cNvPr id="23" name="Graphic 53">
-            <a:extLst>
-              <a:ext uri="{FF2B5EF4-FFF2-40B4-BE49-F238E27FC236}">
-                <a16:creationId xmlns:a16="http://schemas.microsoft.com/office/drawing/2014/main" id="{95D5164F-D825-4315-9C35-1C721780D617}"/>
-              </a:ext>
-            </a:extLst>
-          </p:cNvPr>
-          <p:cNvPicPr>
-            <a:picLocks noChangeAspect="1" noChangeArrowheads="1"/>
-          </p:cNvPicPr>
-          <p:nvPr/>
-        </p:nvPicPr>
-        <p:blipFill>
-          <a:blip r:embed="rId17">
-            <a:extLst>
-              <a:ext uri="{28A0092B-C50C-407E-A947-70E740481C1C}">
-                <a14:useLocalDpi xmlns:a14="http://schemas.microsoft.com/office/drawing/2010/main" val="0"/>
-              </a:ext>
-            </a:extLst>
-          </a:blip>
-          <a:srcRect/>
-          <a:stretch>
-            <a:fillRect/>
-          </a:stretch>
-        </p:blipFill>
-        <p:spPr bwMode="auto">
-          <a:xfrm>
-            <a:off x="9932670" y="3873500"/>
-            <a:ext cx="360045" cy="360045"/>
-          </a:xfrm>
-          <a:prstGeom prst="rect">
-            <a:avLst/>
-          </a:prstGeom>
-          <a:noFill/>
-          <a:ln>
-            <a:noFill/>
-          </a:ln>
-          <a:extLst>
-            <a:ext uri="{909E8E84-426E-40DD-AFC4-6F175D3DCCD1}">
-              <a14:hiddenFill xmlns:a14="http://schemas.microsoft.com/office/drawing/2010/main">
-                <a:solidFill>
-                  <a:srgbClr val="FFFFFF"/>
-                </a:solidFill>
-              </a14:hiddenFill>
-            </a:ext>
-            <a:ext uri="{91240B29-F687-4F45-9708-019B960494DF}">
-              <a14:hiddenLine xmlns:a14="http://schemas.microsoft.com/office/drawing/2010/main" w="9525">
-                <a:solidFill>
-                  <a:srgbClr val="000000"/>
-                </a:solidFill>
-                <a:miter lim="800000"/>
-                <a:headEnd/>
-                <a:tailEnd/>
-              </a14:hiddenLine>
-            </a:ext>
-          </a:extLst>
-        </p:spPr>
-      </p:pic>
-      <p:sp>
-        <p:nvSpPr>
-          <p:cNvPr id="24" name="Rectangle 38">
-            <a:extLst>
-              <a:ext uri="{FF2B5EF4-FFF2-40B4-BE49-F238E27FC236}">
-                <a16:creationId xmlns:a16="http://schemas.microsoft.com/office/drawing/2014/main" id="{76AEC116-55CE-1D4E-8FD0-B5E68234CDC7}"/>
-              </a:ext>
-            </a:extLst>
-          </p:cNvPr>
-          <p:cNvSpPr/>
-          <p:nvPr/>
-        </p:nvSpPr>
-        <p:spPr>
-          <a:xfrm>
-            <a:off x="5673090" y="1734185"/>
-            <a:ext cx="2806700" cy="2498725"/>
-          </a:xfrm>
-          <a:prstGeom prst="rect">
-            <a:avLst/>
-          </a:prstGeom>
-          <a:noFill/>
-          <a:ln w="12700">
-            <a:solidFill>
-              <a:srgbClr val="D86613"/>
-            </a:solidFill>
-          </a:ln>
-        </p:spPr>
-        <p:style>
-          <a:lnRef idx="2">
-            <a:schemeClr val="accent1">
-              <a:shade val="50000"/>
-            </a:schemeClr>
-          </a:lnRef>
-          <a:fillRef idx="1">
-            <a:schemeClr val="accent1"/>
-          </a:fillRef>
-          <a:effectRef idx="0">
-            <a:schemeClr val="accent1"/>
-          </a:effectRef>
-          <a:fontRef idx="minor">
-            <a:schemeClr val="lt1"/>
-          </a:fontRef>
-        </p:style>
-        <p:txBody>
-          <a:bodyPr lIns="502920" tIns="91440"/>
-          <a:lstStyle>
-            <a:defPPr>
-              <a:defRPr lang="en-US"/>
-            </a:defPPr>
-            <a:lvl1pPr algn="l" rtl="0" eaLnBrk="0" fontAlgn="base" hangingPunct="0">
-              <a:spcBef>
-                <a:spcPct val="0"/>
-              </a:spcBef>
-              <a:spcAft>
-                <a:spcPct val="0"/>
-              </a:spcAft>
-              <a:defRPr kern="1200">
-                <a:solidFill>
-                  <a:schemeClr val="lt1"/>
-                </a:solidFill>
-                <a:latin typeface="+mn-lt"/>
-                <a:ea typeface="+mn-ea"/>
-                <a:cs typeface="+mn-cs"/>
-              </a:defRPr>
-            </a:lvl1pPr>
-            <a:lvl2pPr marL="457200" algn="l" rtl="0" eaLnBrk="0" fontAlgn="base" hangingPunct="0">
-              <a:spcBef>
-                <a:spcPct val="0"/>
-              </a:spcBef>
-              <a:spcAft>
-                <a:spcPct val="0"/>
-              </a:spcAft>
-              <a:defRPr kern="1200">
-                <a:solidFill>
-                  <a:schemeClr val="lt1"/>
-                </a:solidFill>
-                <a:latin typeface="+mn-lt"/>
-                <a:ea typeface="+mn-ea"/>
-                <a:cs typeface="+mn-cs"/>
-              </a:defRPr>
-            </a:lvl2pPr>
-            <a:lvl3pPr marL="914400" algn="l" rtl="0" eaLnBrk="0" fontAlgn="base" hangingPunct="0">
-              <a:spcBef>
-                <a:spcPct val="0"/>
-              </a:spcBef>
-              <a:spcAft>
-                <a:spcPct val="0"/>
-              </a:spcAft>
-              <a:defRPr kern="1200">
-                <a:solidFill>
-                  <a:schemeClr val="lt1"/>
-                </a:solidFill>
-                <a:latin typeface="+mn-lt"/>
-                <a:ea typeface="+mn-ea"/>
-                <a:cs typeface="+mn-cs"/>
-              </a:defRPr>
-            </a:lvl3pPr>
-            <a:lvl4pPr marL="1371600" algn="l" rtl="0" eaLnBrk="0" fontAlgn="base" hangingPunct="0">
-              <a:spcBef>
-                <a:spcPct val="0"/>
-              </a:spcBef>
-              <a:spcAft>
-                <a:spcPct val="0"/>
-              </a:spcAft>
-              <a:defRPr kern="1200">
-                <a:solidFill>
-                  <a:schemeClr val="lt1"/>
-                </a:solidFill>
-                <a:latin typeface="+mn-lt"/>
-                <a:ea typeface="+mn-ea"/>
-                <a:cs typeface="+mn-cs"/>
-              </a:defRPr>
-            </a:lvl4pPr>
-            <a:lvl5pPr marL="1828800" algn="l" rtl="0" eaLnBrk="0" fontAlgn="base" hangingPunct="0">
-              <a:spcBef>
-                <a:spcPct val="0"/>
-              </a:spcBef>
-              <a:spcAft>
-                <a:spcPct val="0"/>
-              </a:spcAft>
-              <a:defRPr kern="1200">
-                <a:solidFill>
-                  <a:schemeClr val="lt1"/>
-                </a:solidFill>
-                <a:latin typeface="+mn-lt"/>
-                <a:ea typeface="+mn-ea"/>
-                <a:cs typeface="+mn-cs"/>
-              </a:defRPr>
-            </a:lvl5pPr>
-            <a:lvl6pPr marL="2286000" algn="l" defTabSz="914400" rtl="0" eaLnBrk="1" latinLnBrk="0" hangingPunct="1">
-              <a:defRPr kern="1200">
-                <a:solidFill>
-                  <a:schemeClr val="lt1"/>
-                </a:solidFill>
-                <a:latin typeface="+mn-lt"/>
-                <a:ea typeface="+mn-ea"/>
-                <a:cs typeface="+mn-cs"/>
-              </a:defRPr>
-            </a:lvl6pPr>
-            <a:lvl7pPr marL="2743200" algn="l" defTabSz="914400" rtl="0" eaLnBrk="1" latinLnBrk="0" hangingPunct="1">
-              <a:defRPr kern="1200">
-                <a:solidFill>
-                  <a:schemeClr val="lt1"/>
-                </a:solidFill>
-                <a:latin typeface="+mn-lt"/>
-                <a:ea typeface="+mn-ea"/>
-                <a:cs typeface="+mn-cs"/>
-              </a:defRPr>
-            </a:lvl7pPr>
-            <a:lvl8pPr marL="3200400" algn="l" defTabSz="914400" rtl="0" eaLnBrk="1" latinLnBrk="0" hangingPunct="1">
-              <a:defRPr kern="1200">
-                <a:solidFill>
-                  <a:schemeClr val="lt1"/>
-                </a:solidFill>
-                <a:latin typeface="+mn-lt"/>
-                <a:ea typeface="+mn-ea"/>
-                <a:cs typeface="+mn-cs"/>
-              </a:defRPr>
-            </a:lvl8pPr>
-            <a:lvl9pPr marL="3657600" algn="l" defTabSz="914400" rtl="0" eaLnBrk="1" latinLnBrk="0" hangingPunct="1">
-              <a:defRPr kern="1200">
-                <a:solidFill>
-                  <a:schemeClr val="lt1"/>
-                </a:solidFill>
-                <a:latin typeface="+mn-lt"/>
-                <a:ea typeface="+mn-ea"/>
-                <a:cs typeface="+mn-cs"/>
-              </a:defRPr>
-            </a:lvl9pPr>
-          </a:lstStyle>
-          <a:p>
-            <a:pPr eaLnBrk="1" fontAlgn="auto" hangingPunct="1">
-              <a:spcBef>
-                <a:spcPts val="0"/>
-              </a:spcBef>
-              <a:spcAft>
-                <a:spcPts val="0"/>
-              </a:spcAft>
-              <a:defRPr/>
-            </a:pPr>
-            <a:r>
-              <a:rPr lang="en-US" sz="1200" dirty="0">
-                <a:solidFill>
-                  <a:srgbClr val="D86613"/>
-                </a:solidFill>
-                <a:latin typeface="Arial" panose="020B0604020202020204" pitchFamily="34" charset="0"/>
-                <a:cs typeface="Arial" panose="020B0604020202020204" pitchFamily="34" charset="0"/>
-              </a:rPr>
-              <a:t>Elastic Beanstalk container</a:t>
-            </a:r>
-          </a:p>
-        </p:txBody>
-      </p:sp>
-      <p:pic>
-        <p:nvPicPr>
-          <p:cNvPr id="25" name="Graphic 42">
-            <a:extLst>
-              <a:ext uri="{FF2B5EF4-FFF2-40B4-BE49-F238E27FC236}">
-                <a16:creationId xmlns:a16="http://schemas.microsoft.com/office/drawing/2014/main" id="{D390B23C-EF93-5948-9566-B66E705B10EA}"/>
-              </a:ext>
-            </a:extLst>
-          </p:cNvPr>
-          <p:cNvPicPr>
-            <a:picLocks noChangeAspect="1"/>
-          </p:cNvPicPr>
-          <p:nvPr/>
-        </p:nvPicPr>
-        <p:blipFill>
-          <a:blip r:embed="rId18">
-            <a:extLst>
-              <a:ext uri="{96DAC541-7B7A-43D3-8B79-37D633B846F1}">
-                <asvg:svgBlip xmlns:asvg="http://schemas.microsoft.com/office/drawing/2016/SVG/main" r:embed="rId19"/>
-              </a:ext>
-            </a:extLst>
-          </a:blip>
-          <a:stretch>
-            <a:fillRect/>
-          </a:stretch>
-        </p:blipFill>
-        <p:spPr>
-          <a:xfrm>
-            <a:off x="5673090" y="1734185"/>
-            <a:ext cx="381000" cy="381000"/>
-          </a:xfrm>
-          <a:prstGeom prst="rect">
-            <a:avLst/>
-          </a:prstGeom>
-        </p:spPr>
-      </p:pic>
-      <p:sp>
-        <p:nvSpPr>
-          <p:cNvPr id="26" name="Rectangle 7">
-            <a:extLst>
-              <a:ext uri="{FF2B5EF4-FFF2-40B4-BE49-F238E27FC236}">
-                <a16:creationId xmlns:a16="http://schemas.microsoft.com/office/drawing/2014/main" id="{F5AD8509-7566-E946-9E5A-5557E62A6A29}"/>
-              </a:ext>
-            </a:extLst>
-          </p:cNvPr>
-          <p:cNvSpPr/>
-          <p:nvPr/>
-        </p:nvSpPr>
-        <p:spPr>
-          <a:xfrm>
-            <a:off x="6116955" y="2123440"/>
-            <a:ext cx="2010410" cy="815975"/>
-          </a:xfrm>
-          <a:prstGeom prst="rect">
-            <a:avLst/>
-          </a:prstGeom>
-          <a:solidFill>
-            <a:srgbClr val="007CBC">
-              <a:alpha val="9804"/>
-            </a:srgbClr>
-          </a:solidFill>
-          <a:ln w="12700">
-            <a:noFill/>
-            <a:prstDash val="dash"/>
-          </a:ln>
-        </p:spPr>
-        <p:style>
-          <a:lnRef idx="2">
-            <a:schemeClr val="accent1">
-              <a:shade val="50000"/>
-            </a:schemeClr>
-          </a:lnRef>
-          <a:fillRef idx="1">
-            <a:schemeClr val="accent1"/>
-          </a:fillRef>
-          <a:effectRef idx="0">
-            <a:schemeClr val="accent1"/>
-          </a:effectRef>
-          <a:fontRef idx="minor">
-            <a:schemeClr val="lt1"/>
-          </a:fontRef>
-        </p:style>
-        <p:txBody>
-          <a:bodyPr lIns="502920"/>
-          <a:lstStyle>
-            <a:defPPr>
-              <a:defRPr lang="en-US"/>
-            </a:defPPr>
-            <a:lvl1pPr algn="l" rtl="0" eaLnBrk="0" fontAlgn="base" hangingPunct="0">
-              <a:spcBef>
-                <a:spcPct val="0"/>
-              </a:spcBef>
-              <a:spcAft>
-                <a:spcPct val="0"/>
-              </a:spcAft>
-              <a:defRPr kern="1200">
-                <a:solidFill>
-                  <a:schemeClr val="lt1"/>
-                </a:solidFill>
-                <a:latin typeface="+mn-lt"/>
-                <a:ea typeface="+mn-ea"/>
-                <a:cs typeface="+mn-cs"/>
-              </a:defRPr>
-            </a:lvl1pPr>
-            <a:lvl2pPr marL="457200" algn="l" rtl="0" eaLnBrk="0" fontAlgn="base" hangingPunct="0">
-              <a:spcBef>
-                <a:spcPct val="0"/>
-              </a:spcBef>
-              <a:spcAft>
-                <a:spcPct val="0"/>
-              </a:spcAft>
-              <a:defRPr kern="1200">
-                <a:solidFill>
-                  <a:schemeClr val="lt1"/>
-                </a:solidFill>
-                <a:latin typeface="+mn-lt"/>
-                <a:ea typeface="+mn-ea"/>
-                <a:cs typeface="+mn-cs"/>
-              </a:defRPr>
-            </a:lvl2pPr>
-            <a:lvl3pPr marL="914400" algn="l" rtl="0" eaLnBrk="0" fontAlgn="base" hangingPunct="0">
-              <a:spcBef>
-                <a:spcPct val="0"/>
-              </a:spcBef>
-              <a:spcAft>
-                <a:spcPct val="0"/>
-              </a:spcAft>
-              <a:defRPr kern="1200">
-                <a:solidFill>
-                  <a:schemeClr val="lt1"/>
-                </a:solidFill>
-                <a:latin typeface="+mn-lt"/>
-                <a:ea typeface="+mn-ea"/>
-                <a:cs typeface="+mn-cs"/>
-              </a:defRPr>
-            </a:lvl3pPr>
-            <a:lvl4pPr marL="1371600" algn="l" rtl="0" eaLnBrk="0" fontAlgn="base" hangingPunct="0">
-              <a:spcBef>
-                <a:spcPct val="0"/>
-              </a:spcBef>
-              <a:spcAft>
-                <a:spcPct val="0"/>
-              </a:spcAft>
-              <a:defRPr kern="1200">
-                <a:solidFill>
-                  <a:schemeClr val="lt1"/>
-                </a:solidFill>
-                <a:latin typeface="+mn-lt"/>
-                <a:ea typeface="+mn-ea"/>
-                <a:cs typeface="+mn-cs"/>
-              </a:defRPr>
-            </a:lvl4pPr>
-            <a:lvl5pPr marL="1828800" algn="l" rtl="0" eaLnBrk="0" fontAlgn="base" hangingPunct="0">
-              <a:spcBef>
-                <a:spcPct val="0"/>
-              </a:spcBef>
-              <a:spcAft>
-                <a:spcPct val="0"/>
-              </a:spcAft>
-              <a:defRPr kern="1200">
-                <a:solidFill>
-                  <a:schemeClr val="lt1"/>
-                </a:solidFill>
-                <a:latin typeface="+mn-lt"/>
-                <a:ea typeface="+mn-ea"/>
-                <a:cs typeface="+mn-cs"/>
-              </a:defRPr>
-            </a:lvl5pPr>
-            <a:lvl6pPr marL="2286000" algn="l" defTabSz="914400" rtl="0" eaLnBrk="1" latinLnBrk="0" hangingPunct="1">
-              <a:defRPr kern="1200">
-                <a:solidFill>
-                  <a:schemeClr val="lt1"/>
-                </a:solidFill>
-                <a:latin typeface="+mn-lt"/>
-                <a:ea typeface="+mn-ea"/>
-                <a:cs typeface="+mn-cs"/>
-              </a:defRPr>
-            </a:lvl6pPr>
-            <a:lvl7pPr marL="2743200" algn="l" defTabSz="914400" rtl="0" eaLnBrk="1" latinLnBrk="0" hangingPunct="1">
-              <a:defRPr kern="1200">
-                <a:solidFill>
-                  <a:schemeClr val="lt1"/>
-                </a:solidFill>
-                <a:latin typeface="+mn-lt"/>
-                <a:ea typeface="+mn-ea"/>
-                <a:cs typeface="+mn-cs"/>
-              </a:defRPr>
-            </a:lvl7pPr>
-            <a:lvl8pPr marL="3200400" algn="l" defTabSz="914400" rtl="0" eaLnBrk="1" latinLnBrk="0" hangingPunct="1">
-              <a:defRPr kern="1200">
-                <a:solidFill>
-                  <a:schemeClr val="lt1"/>
-                </a:solidFill>
-                <a:latin typeface="+mn-lt"/>
-                <a:ea typeface="+mn-ea"/>
-                <a:cs typeface="+mn-cs"/>
-              </a:defRPr>
-            </a:lvl8pPr>
-            <a:lvl9pPr marL="3657600" algn="l" defTabSz="914400" rtl="0" eaLnBrk="1" latinLnBrk="0" hangingPunct="1">
-              <a:defRPr kern="1200">
-                <a:solidFill>
-                  <a:schemeClr val="lt1"/>
-                </a:solidFill>
-                <a:latin typeface="+mn-lt"/>
-                <a:ea typeface="+mn-ea"/>
-                <a:cs typeface="+mn-cs"/>
-              </a:defRPr>
-            </a:lvl9pPr>
-          </a:lstStyle>
-          <a:p>
-            <a:pPr eaLnBrk="1" fontAlgn="auto" hangingPunct="1">
-              <a:spcBef>
-                <a:spcPts val="0"/>
-              </a:spcBef>
-              <a:spcAft>
-                <a:spcPts val="0"/>
-              </a:spcAft>
-              <a:defRPr/>
-            </a:pPr>
-            <a:r>
-              <a:rPr lang="en-US" sz="1200" dirty="0">
-                <a:solidFill>
-                  <a:srgbClr val="5B9CD5"/>
-                </a:solidFill>
-                <a:latin typeface="Arial" panose="020B0604020202020204" pitchFamily="34" charset="0"/>
-                <a:cs typeface="Arial" panose="020B0604020202020204" pitchFamily="34" charset="0"/>
-              </a:rPr>
-              <a:t>Private subnet</a:t>
-            </a:r>
-          </a:p>
-        </p:txBody>
-      </p:sp>
-      <p:pic>
-        <p:nvPicPr>
-          <p:cNvPr id="27" name="Graphic 21">
-            <a:extLst>
-              <a:ext uri="{FF2B5EF4-FFF2-40B4-BE49-F238E27FC236}">
-                <a16:creationId xmlns:a16="http://schemas.microsoft.com/office/drawing/2014/main" id="{5259AAA2-EFC0-E14A-A9FB-856721770A16}"/>
-              </a:ext>
-            </a:extLst>
-          </p:cNvPr>
-          <p:cNvPicPr>
-            <a:picLocks noChangeAspect="1"/>
-          </p:cNvPicPr>
-          <p:nvPr/>
-        </p:nvPicPr>
-        <p:blipFill>
-          <a:blip r:embed="rId20">
-            <a:extLst>
-              <a:ext uri="{96DAC541-7B7A-43D3-8B79-37D633B846F1}">
-                <asvg:svgBlip xmlns:asvg="http://schemas.microsoft.com/office/drawing/2016/SVG/main" r:embed="rId21"/>
-              </a:ext>
-            </a:extLst>
-          </a:blip>
-          <a:stretch>
-            <a:fillRect/>
-          </a:stretch>
-        </p:blipFill>
-        <p:spPr>
-          <a:xfrm>
-            <a:off x="6122035" y="2124710"/>
-            <a:ext cx="381000" cy="381000"/>
-          </a:xfrm>
-          <a:prstGeom prst="rect">
-            <a:avLst/>
-          </a:prstGeom>
-        </p:spPr>
-      </p:pic>
-      <p:sp>
-        <p:nvSpPr>
-          <p:cNvPr id="28" name="Rectangle 7">
-            <a:extLst>
-              <a:ext uri="{FF2B5EF4-FFF2-40B4-BE49-F238E27FC236}">
-                <a16:creationId xmlns:a16="http://schemas.microsoft.com/office/drawing/2014/main" id="{46BDCF3F-CC88-4D1B-A392-33A88806A087}"/>
-              </a:ext>
-            </a:extLst>
-          </p:cNvPr>
-          <p:cNvSpPr/>
-          <p:nvPr/>
-        </p:nvSpPr>
-        <p:spPr>
-          <a:xfrm>
-            <a:off x="6102985" y="3084830"/>
-            <a:ext cx="2024380" cy="960120"/>
-          </a:xfrm>
-          <a:prstGeom prst="rect">
-            <a:avLst/>
-          </a:prstGeom>
-          <a:solidFill>
-            <a:srgbClr val="007CBC">
-              <a:alpha val="9804"/>
-            </a:srgbClr>
-          </a:solidFill>
-          <a:ln w="12700">
-            <a:noFill/>
-            <a:prstDash val="dash"/>
-          </a:ln>
-        </p:spPr>
-        <p:style>
-          <a:lnRef idx="2">
-            <a:schemeClr val="accent1">
-              <a:shade val="50000"/>
-            </a:schemeClr>
-          </a:lnRef>
-          <a:fillRef idx="1">
-            <a:schemeClr val="accent1"/>
-          </a:fillRef>
-          <a:effectRef idx="0">
-            <a:schemeClr val="accent1"/>
-          </a:effectRef>
-          <a:fontRef idx="minor">
-            <a:schemeClr val="lt1"/>
-          </a:fontRef>
-        </p:style>
-        <p:txBody>
-          <a:bodyPr lIns="502920"/>
-          <a:lstStyle>
-            <a:defPPr>
-              <a:defRPr lang="en-US"/>
-            </a:defPPr>
-            <a:lvl1pPr algn="l" rtl="0" eaLnBrk="0" fontAlgn="base" hangingPunct="0">
-              <a:spcBef>
-                <a:spcPct val="0"/>
-              </a:spcBef>
-              <a:spcAft>
-                <a:spcPct val="0"/>
-              </a:spcAft>
-              <a:defRPr kern="1200">
-                <a:solidFill>
-                  <a:schemeClr val="lt1"/>
-                </a:solidFill>
-                <a:latin typeface="+mn-lt"/>
-                <a:ea typeface="+mn-ea"/>
-                <a:cs typeface="+mn-cs"/>
-              </a:defRPr>
-            </a:lvl1pPr>
-            <a:lvl2pPr marL="457200" algn="l" rtl="0" eaLnBrk="0" fontAlgn="base" hangingPunct="0">
-              <a:spcBef>
-                <a:spcPct val="0"/>
-              </a:spcBef>
-              <a:spcAft>
-                <a:spcPct val="0"/>
-              </a:spcAft>
-              <a:defRPr kern="1200">
-                <a:solidFill>
-                  <a:schemeClr val="lt1"/>
-                </a:solidFill>
-                <a:latin typeface="+mn-lt"/>
-                <a:ea typeface="+mn-ea"/>
-                <a:cs typeface="+mn-cs"/>
-              </a:defRPr>
-            </a:lvl2pPr>
-            <a:lvl3pPr marL="914400" algn="l" rtl="0" eaLnBrk="0" fontAlgn="base" hangingPunct="0">
-              <a:spcBef>
-                <a:spcPct val="0"/>
-              </a:spcBef>
-              <a:spcAft>
-                <a:spcPct val="0"/>
-              </a:spcAft>
-              <a:defRPr kern="1200">
-                <a:solidFill>
-                  <a:schemeClr val="lt1"/>
-                </a:solidFill>
-                <a:latin typeface="+mn-lt"/>
-                <a:ea typeface="+mn-ea"/>
-                <a:cs typeface="+mn-cs"/>
-              </a:defRPr>
-            </a:lvl3pPr>
-            <a:lvl4pPr marL="1371600" algn="l" rtl="0" eaLnBrk="0" fontAlgn="base" hangingPunct="0">
-              <a:spcBef>
-                <a:spcPct val="0"/>
-              </a:spcBef>
-              <a:spcAft>
-                <a:spcPct val="0"/>
-              </a:spcAft>
-              <a:defRPr kern="1200">
-                <a:solidFill>
-                  <a:schemeClr val="lt1"/>
-                </a:solidFill>
-                <a:latin typeface="+mn-lt"/>
-                <a:ea typeface="+mn-ea"/>
-                <a:cs typeface="+mn-cs"/>
-              </a:defRPr>
-            </a:lvl4pPr>
-            <a:lvl5pPr marL="1828800" algn="l" rtl="0" eaLnBrk="0" fontAlgn="base" hangingPunct="0">
-              <a:spcBef>
-                <a:spcPct val="0"/>
-              </a:spcBef>
-              <a:spcAft>
-                <a:spcPct val="0"/>
-              </a:spcAft>
-              <a:defRPr kern="1200">
-                <a:solidFill>
-                  <a:schemeClr val="lt1"/>
-                </a:solidFill>
-                <a:latin typeface="+mn-lt"/>
-                <a:ea typeface="+mn-ea"/>
-                <a:cs typeface="+mn-cs"/>
-              </a:defRPr>
-            </a:lvl5pPr>
-            <a:lvl6pPr marL="2286000" algn="l" defTabSz="914400" rtl="0" eaLnBrk="1" latinLnBrk="0" hangingPunct="1">
-              <a:defRPr kern="1200">
-                <a:solidFill>
-                  <a:schemeClr val="lt1"/>
-                </a:solidFill>
-                <a:latin typeface="+mn-lt"/>
-                <a:ea typeface="+mn-ea"/>
-                <a:cs typeface="+mn-cs"/>
-              </a:defRPr>
-            </a:lvl6pPr>
-            <a:lvl7pPr marL="2743200" algn="l" defTabSz="914400" rtl="0" eaLnBrk="1" latinLnBrk="0" hangingPunct="1">
-              <a:defRPr kern="1200">
-                <a:solidFill>
-                  <a:schemeClr val="lt1"/>
-                </a:solidFill>
-                <a:latin typeface="+mn-lt"/>
-                <a:ea typeface="+mn-ea"/>
-                <a:cs typeface="+mn-cs"/>
-              </a:defRPr>
-            </a:lvl7pPr>
-            <a:lvl8pPr marL="3200400" algn="l" defTabSz="914400" rtl="0" eaLnBrk="1" latinLnBrk="0" hangingPunct="1">
-              <a:defRPr kern="1200">
-                <a:solidFill>
-                  <a:schemeClr val="lt1"/>
-                </a:solidFill>
-                <a:latin typeface="+mn-lt"/>
-                <a:ea typeface="+mn-ea"/>
-                <a:cs typeface="+mn-cs"/>
-              </a:defRPr>
-            </a:lvl8pPr>
-            <a:lvl9pPr marL="3657600" algn="l" defTabSz="914400" rtl="0" eaLnBrk="1" latinLnBrk="0" hangingPunct="1">
-              <a:defRPr kern="1200">
-                <a:solidFill>
-                  <a:schemeClr val="lt1"/>
-                </a:solidFill>
-                <a:latin typeface="+mn-lt"/>
-                <a:ea typeface="+mn-ea"/>
-                <a:cs typeface="+mn-cs"/>
-              </a:defRPr>
-            </a:lvl9pPr>
-          </a:lstStyle>
-          <a:p>
-            <a:pPr eaLnBrk="1" fontAlgn="auto" hangingPunct="1">
-              <a:spcBef>
-                <a:spcPts val="0"/>
-              </a:spcBef>
-              <a:spcAft>
-                <a:spcPts val="0"/>
-              </a:spcAft>
-              <a:defRPr/>
-            </a:pPr>
-            <a:r>
-              <a:rPr lang="en-US" sz="1200" dirty="0">
-                <a:solidFill>
-                  <a:srgbClr val="5B9CD5"/>
-                </a:solidFill>
-                <a:latin typeface="Arial" panose="020B0604020202020204" pitchFamily="34" charset="0"/>
-                <a:cs typeface="Arial" panose="020B0604020202020204" pitchFamily="34" charset="0"/>
-              </a:rPr>
-              <a:t>Private subnet</a:t>
-            </a:r>
-          </a:p>
-        </p:txBody>
-      </p:sp>
-      <p:pic>
-        <p:nvPicPr>
-          <p:cNvPr id="29" name="Graphic 21">
-            <a:extLst>
-              <a:ext uri="{FF2B5EF4-FFF2-40B4-BE49-F238E27FC236}">
-                <a16:creationId xmlns:a16="http://schemas.microsoft.com/office/drawing/2014/main" id="{240CEAC2-A828-4324-ADE4-0E1AFBCA36E2}"/>
-              </a:ext>
-            </a:extLst>
-          </p:cNvPr>
-          <p:cNvPicPr>
-            <a:picLocks noChangeAspect="1"/>
-          </p:cNvPicPr>
-          <p:nvPr/>
-        </p:nvPicPr>
-        <p:blipFill>
-          <a:blip r:embed="rId20">
-            <a:extLst>
-              <a:ext uri="{96DAC541-7B7A-43D3-8B79-37D633B846F1}">
-                <asvg:svgBlip xmlns:asvg="http://schemas.microsoft.com/office/drawing/2016/SVG/main" r:embed="rId21"/>
-              </a:ext>
-            </a:extLst>
-          </a:blip>
-          <a:stretch>
-            <a:fillRect/>
-          </a:stretch>
-        </p:blipFill>
-        <p:spPr>
-          <a:xfrm>
-            <a:off x="6104890" y="3084830"/>
-            <a:ext cx="381000" cy="381000"/>
-          </a:xfrm>
-          <a:prstGeom prst="rect">
-            <a:avLst/>
-          </a:prstGeom>
-        </p:spPr>
-      </p:pic>
-      <p:pic>
-        <p:nvPicPr>
-          <p:cNvPr id="30" name="Graphic 5">
-            <a:extLst>
-              <a:ext uri="{FF2B5EF4-FFF2-40B4-BE49-F238E27FC236}">
-                <a16:creationId xmlns:a16="http://schemas.microsoft.com/office/drawing/2014/main" id="{38622D4A-AB16-E74E-A250-BDBAAFFAA603}"/>
-              </a:ext>
-            </a:extLst>
-          </p:cNvPr>
-          <p:cNvPicPr>
-            <a:picLocks noChangeAspect="1" noChangeArrowheads="1"/>
-          </p:cNvPicPr>
-          <p:nvPr/>
-        </p:nvPicPr>
-        <p:blipFill>
-          <a:blip r:embed="rId22">
-            <a:extLst>
-              <a:ext uri="{28A0092B-C50C-407E-A947-70E740481C1C}">
-                <a14:useLocalDpi xmlns:a14="http://schemas.microsoft.com/office/drawing/2010/main" val="0"/>
-              </a:ext>
-            </a:extLst>
-          </a:blip>
-          <a:srcRect/>
-          <a:stretch>
-            <a:fillRect/>
-          </a:stretch>
-        </p:blipFill>
-        <p:spPr bwMode="auto">
-          <a:xfrm>
-            <a:off x="7760335" y="980440"/>
-            <a:ext cx="539750" cy="539750"/>
-          </a:xfrm>
-          <a:prstGeom prst="rect">
-            <a:avLst/>
-          </a:prstGeom>
-          <a:noFill/>
-          <a:ln>
-            <a:noFill/>
-          </a:ln>
-          <a:extLst>
-            <a:ext uri="{909E8E84-426E-40DD-AFC4-6F175D3DCCD1}">
-              <a14:hiddenFill xmlns:a14="http://schemas.microsoft.com/office/drawing/2010/main">
-                <a:solidFill>
-                  <a:srgbClr val="FFFFFF"/>
-                </a:solidFill>
-              </a14:hiddenFill>
-            </a:ext>
-            <a:ext uri="{91240B29-F687-4F45-9708-019B960494DF}">
-              <a14:hiddenLine xmlns:a14="http://schemas.microsoft.com/office/drawing/2010/main" w="9525">
-                <a:solidFill>
-                  <a:srgbClr val="000000"/>
-                </a:solidFill>
-                <a:miter lim="800000"/>
-                <a:headEnd/>
-                <a:tailEnd/>
-              </a14:hiddenLine>
-            </a:ext>
-          </a:extLst>
-        </p:spPr>
-      </p:pic>
-      <p:pic>
-        <p:nvPicPr>
-          <p:cNvPr id="31" name="Graphic 60">
-            <a:extLst>
-              <a:ext uri="{FF2B5EF4-FFF2-40B4-BE49-F238E27FC236}">
-                <a16:creationId xmlns:a16="http://schemas.microsoft.com/office/drawing/2014/main" id="{D5F1E014-1AF5-0442-BA6E-37B0D94AA4A6}"/>
-              </a:ext>
-            </a:extLst>
-          </p:cNvPr>
-          <p:cNvPicPr>
-            <a:picLocks noChangeAspect="1" noChangeArrowheads="1"/>
-          </p:cNvPicPr>
-          <p:nvPr/>
-        </p:nvPicPr>
-        <p:blipFill>
-          <a:blip r:embed="rId23">
-            <a:extLst>
-              <a:ext uri="{28A0092B-C50C-407E-A947-70E740481C1C}">
-                <a14:useLocalDpi xmlns:a14="http://schemas.microsoft.com/office/drawing/2010/main" val="0"/>
-              </a:ext>
-            </a:extLst>
-          </a:blip>
-          <a:srcRect/>
-          <a:stretch>
-            <a:fillRect/>
-          </a:stretch>
-        </p:blipFill>
-        <p:spPr bwMode="auto">
-          <a:xfrm>
-            <a:off x="7056755" y="2458720"/>
-            <a:ext cx="360045" cy="360045"/>
-          </a:xfrm>
-          <a:prstGeom prst="rect">
-            <a:avLst/>
-          </a:prstGeom>
-          <a:noFill/>
-          <a:ln>
-            <a:noFill/>
-          </a:ln>
-          <a:extLst>
-            <a:ext uri="{909E8E84-426E-40DD-AFC4-6F175D3DCCD1}">
-              <a14:hiddenFill xmlns:a14="http://schemas.microsoft.com/office/drawing/2010/main">
-                <a:solidFill>
-                  <a:srgbClr val="FFFFFF"/>
-                </a:solidFill>
-              </a14:hiddenFill>
-            </a:ext>
-            <a:ext uri="{91240B29-F687-4F45-9708-019B960494DF}">
-              <a14:hiddenLine xmlns:a14="http://schemas.microsoft.com/office/drawing/2010/main" w="9525">
-                <a:solidFill>
-                  <a:srgbClr val="000000"/>
-                </a:solidFill>
-                <a:miter lim="800000"/>
-                <a:headEnd/>
-                <a:tailEnd/>
-              </a14:hiddenLine>
-            </a:ext>
-          </a:extLst>
-        </p:spPr>
-      </p:pic>
-      <p:pic>
-        <p:nvPicPr>
-          <p:cNvPr id="32" name="Graphic 60">
-            <a:extLst>
-              <a:ext uri="{FF2B5EF4-FFF2-40B4-BE49-F238E27FC236}">
-                <a16:creationId xmlns:a16="http://schemas.microsoft.com/office/drawing/2014/main" id="{0333C83E-2554-425B-B09F-A0C526D2B6A4}"/>
-              </a:ext>
-            </a:extLst>
-          </p:cNvPr>
-          <p:cNvPicPr>
-            <a:picLocks noChangeAspect="1" noChangeArrowheads="1"/>
-          </p:cNvPicPr>
-          <p:nvPr/>
-        </p:nvPicPr>
-        <p:blipFill>
-          <a:blip r:embed="rId23">
-            <a:extLst>
-              <a:ext uri="{28A0092B-C50C-407E-A947-70E740481C1C}">
-                <a14:useLocalDpi xmlns:a14="http://schemas.microsoft.com/office/drawing/2010/main" val="0"/>
-              </a:ext>
-            </a:extLst>
-          </a:blip>
-          <a:srcRect/>
-          <a:stretch>
-            <a:fillRect/>
-          </a:stretch>
-        </p:blipFill>
-        <p:spPr bwMode="auto">
-          <a:xfrm>
-            <a:off x="7092950" y="3602355"/>
-            <a:ext cx="360045" cy="360045"/>
-          </a:xfrm>
-          <a:prstGeom prst="rect">
-            <a:avLst/>
-          </a:prstGeom>
-          <a:noFill/>
-          <a:ln>
-            <a:noFill/>
-          </a:ln>
-          <a:extLst>
-            <a:ext uri="{909E8E84-426E-40DD-AFC4-6F175D3DCCD1}">
-              <a14:hiddenFill xmlns:a14="http://schemas.microsoft.com/office/drawing/2010/main">
-                <a:solidFill>
-                  <a:srgbClr val="FFFFFF"/>
-                </a:solidFill>
-              </a14:hiddenFill>
-            </a:ext>
-            <a:ext uri="{91240B29-F687-4F45-9708-019B960494DF}">
-              <a14:hiddenLine xmlns:a14="http://schemas.microsoft.com/office/drawing/2010/main" w="9525">
-                <a:solidFill>
-                  <a:srgbClr val="000000"/>
-                </a:solidFill>
-                <a:miter lim="800000"/>
-                <a:headEnd/>
-                <a:tailEnd/>
-              </a14:hiddenLine>
-            </a:ext>
-          </a:extLst>
-        </p:spPr>
-      </p:pic>
-      <p:sp>
-        <p:nvSpPr>
-          <p:cNvPr id="33" name="Rectangle 32">
-            <a:extLst>
-              <a:ext uri="{FF2B5EF4-FFF2-40B4-BE49-F238E27FC236}">
-                <a16:creationId xmlns:a16="http://schemas.microsoft.com/office/drawing/2014/main" id="{B965A893-9986-4298-99D8-99A6896C90D3}"/>
-              </a:ext>
-            </a:extLst>
-          </p:cNvPr>
-          <p:cNvSpPr/>
-          <p:nvPr/>
-        </p:nvSpPr>
-        <p:spPr>
-          <a:xfrm>
-            <a:off x="3582035" y="5030470"/>
-            <a:ext cx="2091055" cy="1016635"/>
-          </a:xfrm>
-          <a:prstGeom prst="rect">
-            <a:avLst/>
-          </a:prstGeom>
-          <a:solidFill>
-            <a:srgbClr val="1D8900">
-              <a:alpha val="9804"/>
-            </a:srgbClr>
-          </a:solidFill>
-          <a:ln w="12700">
-            <a:noFill/>
-            <a:prstDash val="dash"/>
-          </a:ln>
-        </p:spPr>
-        <p:style>
-          <a:lnRef idx="2">
-            <a:schemeClr val="accent1">
-              <a:shade val="50000"/>
-            </a:schemeClr>
-          </a:lnRef>
-          <a:fillRef idx="1">
-            <a:schemeClr val="accent1"/>
-          </a:fillRef>
-          <a:effectRef idx="0">
-            <a:schemeClr val="accent1"/>
-          </a:effectRef>
-          <a:fontRef idx="minor">
-            <a:schemeClr val="lt1"/>
-          </a:fontRef>
-        </p:style>
-        <p:txBody>
-          <a:bodyPr lIns="502920"/>
-          <a:lstStyle>
-            <a:defPPr>
-              <a:defRPr lang="en-US"/>
-            </a:defPPr>
-            <a:lvl1pPr algn="l" rtl="0" eaLnBrk="0" fontAlgn="base" hangingPunct="0">
-              <a:spcBef>
-                <a:spcPct val="0"/>
-              </a:spcBef>
-              <a:spcAft>
-                <a:spcPct val="0"/>
-              </a:spcAft>
-              <a:defRPr kern="1200">
-                <a:solidFill>
-                  <a:schemeClr val="lt1"/>
-                </a:solidFill>
-                <a:latin typeface="+mn-lt"/>
-                <a:ea typeface="+mn-ea"/>
-                <a:cs typeface="+mn-cs"/>
-              </a:defRPr>
-            </a:lvl1pPr>
-            <a:lvl2pPr marL="457200" algn="l" rtl="0" eaLnBrk="0" fontAlgn="base" hangingPunct="0">
-              <a:spcBef>
-                <a:spcPct val="0"/>
-              </a:spcBef>
-              <a:spcAft>
-                <a:spcPct val="0"/>
-              </a:spcAft>
-              <a:defRPr kern="1200">
-                <a:solidFill>
-                  <a:schemeClr val="lt1"/>
-                </a:solidFill>
-                <a:latin typeface="+mn-lt"/>
-                <a:ea typeface="+mn-ea"/>
-                <a:cs typeface="+mn-cs"/>
-              </a:defRPr>
-            </a:lvl2pPr>
-            <a:lvl3pPr marL="914400" algn="l" rtl="0" eaLnBrk="0" fontAlgn="base" hangingPunct="0">
-              <a:spcBef>
-                <a:spcPct val="0"/>
-              </a:spcBef>
-              <a:spcAft>
-                <a:spcPct val="0"/>
-              </a:spcAft>
-              <a:defRPr kern="1200">
-                <a:solidFill>
-                  <a:schemeClr val="lt1"/>
-                </a:solidFill>
-                <a:latin typeface="+mn-lt"/>
-                <a:ea typeface="+mn-ea"/>
-                <a:cs typeface="+mn-cs"/>
-              </a:defRPr>
-            </a:lvl3pPr>
-            <a:lvl4pPr marL="1371600" algn="l" rtl="0" eaLnBrk="0" fontAlgn="base" hangingPunct="0">
-              <a:spcBef>
-                <a:spcPct val="0"/>
-              </a:spcBef>
-              <a:spcAft>
-                <a:spcPct val="0"/>
-              </a:spcAft>
-              <a:defRPr kern="1200">
-                <a:solidFill>
-                  <a:schemeClr val="lt1"/>
-                </a:solidFill>
-                <a:latin typeface="+mn-lt"/>
-                <a:ea typeface="+mn-ea"/>
-                <a:cs typeface="+mn-cs"/>
-              </a:defRPr>
-            </a:lvl4pPr>
-            <a:lvl5pPr marL="1828800" algn="l" rtl="0" eaLnBrk="0" fontAlgn="base" hangingPunct="0">
-              <a:spcBef>
-                <a:spcPct val="0"/>
-              </a:spcBef>
-              <a:spcAft>
-                <a:spcPct val="0"/>
-              </a:spcAft>
-              <a:defRPr kern="1200">
-                <a:solidFill>
-                  <a:schemeClr val="lt1"/>
-                </a:solidFill>
-                <a:latin typeface="+mn-lt"/>
-                <a:ea typeface="+mn-ea"/>
-                <a:cs typeface="+mn-cs"/>
-              </a:defRPr>
-            </a:lvl5pPr>
-            <a:lvl6pPr marL="2286000" algn="l" defTabSz="914400" rtl="0" eaLnBrk="1" latinLnBrk="0" hangingPunct="1">
-              <a:defRPr kern="1200">
-                <a:solidFill>
-                  <a:schemeClr val="lt1"/>
-                </a:solidFill>
-                <a:latin typeface="+mn-lt"/>
-                <a:ea typeface="+mn-ea"/>
-                <a:cs typeface="+mn-cs"/>
-              </a:defRPr>
-            </a:lvl6pPr>
-            <a:lvl7pPr marL="2743200" algn="l" defTabSz="914400" rtl="0" eaLnBrk="1" latinLnBrk="0" hangingPunct="1">
-              <a:defRPr kern="1200">
-                <a:solidFill>
-                  <a:schemeClr val="lt1"/>
-                </a:solidFill>
-                <a:latin typeface="+mn-lt"/>
-                <a:ea typeface="+mn-ea"/>
-                <a:cs typeface="+mn-cs"/>
-              </a:defRPr>
-            </a:lvl7pPr>
-            <a:lvl8pPr marL="3200400" algn="l" defTabSz="914400" rtl="0" eaLnBrk="1" latinLnBrk="0" hangingPunct="1">
-              <a:defRPr kern="1200">
-                <a:solidFill>
-                  <a:schemeClr val="lt1"/>
-                </a:solidFill>
-                <a:latin typeface="+mn-lt"/>
-                <a:ea typeface="+mn-ea"/>
-                <a:cs typeface="+mn-cs"/>
-              </a:defRPr>
-            </a:lvl8pPr>
-            <a:lvl9pPr marL="3657600" algn="l" defTabSz="914400" rtl="0" eaLnBrk="1" latinLnBrk="0" hangingPunct="1">
-              <a:defRPr kern="1200">
-                <a:solidFill>
-                  <a:schemeClr val="lt1"/>
-                </a:solidFill>
-                <a:latin typeface="+mn-lt"/>
-                <a:ea typeface="+mn-ea"/>
-                <a:cs typeface="+mn-cs"/>
-              </a:defRPr>
-            </a:lvl9pPr>
-          </a:lstStyle>
-          <a:p>
-            <a:pPr eaLnBrk="1" fontAlgn="auto" hangingPunct="1">
-              <a:spcBef>
-                <a:spcPts val="0"/>
-              </a:spcBef>
-              <a:spcAft>
-                <a:spcPts val="0"/>
-              </a:spcAft>
-              <a:defRPr/>
-            </a:pPr>
-            <a:r>
-              <a:rPr lang="en-US" sz="1200" dirty="0">
-                <a:solidFill>
-                  <a:srgbClr val="1E8900"/>
-                </a:solidFill>
-                <a:latin typeface="Arial" panose="020B0604020202020204" pitchFamily="34" charset="0"/>
-                <a:cs typeface="Arial" panose="020B0604020202020204" pitchFamily="34" charset="0"/>
-              </a:rPr>
-              <a:t>Public subnet</a:t>
-            </a:r>
-          </a:p>
-        </p:txBody>
-      </p:sp>
-      <p:pic>
-        <p:nvPicPr>
-          <p:cNvPr id="34" name="Graphic 19">
-            <a:extLst>
-              <a:ext uri="{FF2B5EF4-FFF2-40B4-BE49-F238E27FC236}">
-                <a16:creationId xmlns:a16="http://schemas.microsoft.com/office/drawing/2014/main" id="{8BA5EF77-4E02-4B7A-8098-ACC0E872417B}"/>
-              </a:ext>
-            </a:extLst>
-          </p:cNvPr>
-          <p:cNvPicPr>
-            <a:picLocks noChangeAspect="1"/>
-          </p:cNvPicPr>
-          <p:nvPr/>
-        </p:nvPicPr>
-        <p:blipFill>
-          <a:blip r:embed="rId14">
-            <a:extLst>
-              <a:ext uri="{96DAC541-7B7A-43D3-8B79-37D633B846F1}">
-                <asvg:svgBlip xmlns:asvg="http://schemas.microsoft.com/office/drawing/2016/SVG/main" r:embed="rId15"/>
-              </a:ext>
-            </a:extLst>
-          </a:blip>
-          <a:stretch>
-            <a:fillRect/>
-          </a:stretch>
-        </p:blipFill>
-        <p:spPr>
-          <a:xfrm>
-            <a:off x="3582670" y="5031740"/>
-            <a:ext cx="381000" cy="381000"/>
-          </a:xfrm>
-          <a:prstGeom prst="rect">
-            <a:avLst/>
-          </a:prstGeom>
-        </p:spPr>
-      </p:pic>
-      <p:pic>
-        <p:nvPicPr>
-          <p:cNvPr id="38" name="Graphic 60">
-            <a:extLst>
-              <a:ext uri="{FF2B5EF4-FFF2-40B4-BE49-F238E27FC236}">
-                <a16:creationId xmlns:a16="http://schemas.microsoft.com/office/drawing/2014/main" id="{AB5F35F8-3A26-459F-B4FB-A2991654DC22}"/>
-              </a:ext>
-            </a:extLst>
-          </p:cNvPr>
-          <p:cNvPicPr>
-            <a:picLocks noChangeAspect="1" noChangeArrowheads="1"/>
-          </p:cNvPicPr>
-          <p:nvPr/>
-        </p:nvPicPr>
-        <p:blipFill>
-          <a:blip r:embed="rId23">
-            <a:extLst>
-              <a:ext uri="{28A0092B-C50C-407E-A947-70E740481C1C}">
-                <a14:useLocalDpi xmlns:a14="http://schemas.microsoft.com/office/drawing/2010/main" val="0"/>
-              </a:ext>
-            </a:extLst>
-          </a:blip>
-          <a:srcRect/>
-          <a:stretch>
-            <a:fillRect/>
-          </a:stretch>
-        </p:blipFill>
-        <p:spPr bwMode="auto">
-          <a:xfrm>
-            <a:off x="3816985" y="2804160"/>
-            <a:ext cx="360045" cy="360045"/>
-          </a:xfrm>
-          <a:prstGeom prst="rect">
-            <a:avLst/>
-          </a:prstGeom>
-          <a:noFill/>
-          <a:ln>
-            <a:noFill/>
-          </a:ln>
-          <a:extLst>
-            <a:ext uri="{909E8E84-426E-40DD-AFC4-6F175D3DCCD1}">
-              <a14:hiddenFill xmlns:a14="http://schemas.microsoft.com/office/drawing/2010/main">
-                <a:solidFill>
-                  <a:srgbClr val="FFFFFF"/>
-                </a:solidFill>
-              </a14:hiddenFill>
-            </a:ext>
-            <a:ext uri="{91240B29-F687-4F45-9708-019B960494DF}">
-              <a14:hiddenLine xmlns:a14="http://schemas.microsoft.com/office/drawing/2010/main" w="9525">
-                <a:solidFill>
-                  <a:srgbClr val="000000"/>
-                </a:solidFill>
-                <a:miter lim="800000"/>
-                <a:headEnd/>
-                <a:tailEnd/>
-              </a14:hiddenLine>
-            </a:ext>
-          </a:extLst>
-        </p:spPr>
-      </p:pic>
-      <p:pic>
-        <p:nvPicPr>
-          <p:cNvPr id="39" name="Graphic 60">
-            <a:extLst>
-              <a:ext uri="{FF2B5EF4-FFF2-40B4-BE49-F238E27FC236}">
-                <a16:creationId xmlns:a16="http://schemas.microsoft.com/office/drawing/2014/main" id="{71769BD1-7D62-45A1-8815-BAE327847C15}"/>
-              </a:ext>
-            </a:extLst>
-          </p:cNvPr>
-          <p:cNvPicPr>
-            <a:picLocks noChangeAspect="1" noChangeArrowheads="1"/>
-          </p:cNvPicPr>
-          <p:nvPr/>
-        </p:nvPicPr>
-        <p:blipFill>
-          <a:blip r:embed="rId23">
-            <a:extLst>
-              <a:ext uri="{28A0092B-C50C-407E-A947-70E740481C1C}">
-                <a14:useLocalDpi xmlns:a14="http://schemas.microsoft.com/office/drawing/2010/main" val="0"/>
-              </a:ext>
-            </a:extLst>
-          </a:blip>
-          <a:srcRect/>
-          <a:stretch>
-            <a:fillRect/>
-          </a:stretch>
-        </p:blipFill>
-        <p:spPr bwMode="auto">
-          <a:xfrm>
-            <a:off x="4164965" y="5341620"/>
-            <a:ext cx="360045" cy="360045"/>
-          </a:xfrm>
-          <a:prstGeom prst="rect">
-            <a:avLst/>
-          </a:prstGeom>
-          <a:noFill/>
-          <a:ln>
-            <a:noFill/>
-          </a:ln>
-          <a:extLst>
-            <a:ext uri="{909E8E84-426E-40DD-AFC4-6F175D3DCCD1}">
-              <a14:hiddenFill xmlns:a14="http://schemas.microsoft.com/office/drawing/2010/main">
-                <a:solidFill>
-                  <a:srgbClr val="FFFFFF"/>
-                </a:solidFill>
-              </a14:hiddenFill>
-            </a:ext>
-            <a:ext uri="{91240B29-F687-4F45-9708-019B960494DF}">
-              <a14:hiddenLine xmlns:a14="http://schemas.microsoft.com/office/drawing/2010/main" w="9525">
-                <a:solidFill>
-                  <a:srgbClr val="000000"/>
-                </a:solidFill>
-                <a:miter lim="800000"/>
-                <a:headEnd/>
-                <a:tailEnd/>
-              </a14:hiddenLine>
-            </a:ext>
-          </a:extLst>
-        </p:spPr>
-      </p:pic>
-      <p:pic>
-        <p:nvPicPr>
-          <p:cNvPr id="40" name="Graphic 6">
-            <a:extLst>
-              <a:ext uri="{FF2B5EF4-FFF2-40B4-BE49-F238E27FC236}">
-                <a16:creationId xmlns:a16="http://schemas.microsoft.com/office/drawing/2014/main" id="{0375085F-D808-204E-8774-CFFA40785D69}"/>
-              </a:ext>
-            </a:extLst>
-          </p:cNvPr>
-          <p:cNvPicPr>
-            <a:picLocks noChangeAspect="1" noChangeArrowheads="1"/>
-          </p:cNvPicPr>
-          <p:nvPr/>
-        </p:nvPicPr>
-        <p:blipFill>
-          <a:blip r:embed="rId24">
-            <a:extLst>
-              <a:ext uri="{28A0092B-C50C-407E-A947-70E740481C1C}">
-                <a14:useLocalDpi xmlns:a14="http://schemas.microsoft.com/office/drawing/2010/main" val="0"/>
-              </a:ext>
-            </a:extLst>
-          </a:blip>
-          <a:srcRect/>
-          <a:stretch>
-            <a:fillRect/>
-          </a:stretch>
-        </p:blipFill>
-        <p:spPr bwMode="auto">
-          <a:xfrm>
-            <a:off x="9730105" y="992505"/>
-            <a:ext cx="539750" cy="539750"/>
-          </a:xfrm>
-          <a:prstGeom prst="rect">
-            <a:avLst/>
-          </a:prstGeom>
-          <a:noFill/>
-          <a:ln>
-            <a:noFill/>
-          </a:ln>
-          <a:extLst>
-            <a:ext uri="{909E8E84-426E-40DD-AFC4-6F175D3DCCD1}">
-              <a14:hiddenFill xmlns:a14="http://schemas.microsoft.com/office/drawing/2010/main">
-                <a:solidFill>
-                  <a:srgbClr val="FFFFFF"/>
-                </a:solidFill>
-              </a14:hiddenFill>
-            </a:ext>
-            <a:ext uri="{91240B29-F687-4F45-9708-019B960494DF}">
-              <a14:hiddenLine xmlns:a14="http://schemas.microsoft.com/office/drawing/2010/main" w="9525">
-                <a:solidFill>
-                  <a:srgbClr val="000000"/>
-                </a:solidFill>
-                <a:miter lim="800000"/>
-                <a:headEnd/>
-                <a:tailEnd/>
-              </a14:hiddenLine>
-            </a:ext>
-          </a:extLst>
-        </p:spPr>
-      </p:pic>
-      <p:pic>
-        <p:nvPicPr>
-          <p:cNvPr id="41" name="Graphic 10">
-            <a:extLst>
-              <a:ext uri="{FF2B5EF4-FFF2-40B4-BE49-F238E27FC236}">
-                <a16:creationId xmlns:a16="http://schemas.microsoft.com/office/drawing/2014/main" id="{9706C417-0A05-234F-806E-00A9C81666E9}"/>
-              </a:ext>
-            </a:extLst>
-          </p:cNvPr>
-          <p:cNvPicPr>
-            <a:picLocks noChangeAspect="1" noChangeArrowheads="1"/>
-          </p:cNvPicPr>
-          <p:nvPr/>
-        </p:nvPicPr>
-        <p:blipFill>
-          <a:blip r:embed="rId25">
-            <a:extLst>
-              <a:ext uri="{28A0092B-C50C-407E-A947-70E740481C1C}">
-                <a14:useLocalDpi xmlns:a14="http://schemas.microsoft.com/office/drawing/2010/main" val="0"/>
-              </a:ext>
-            </a:extLst>
-          </a:blip>
-          <a:srcRect/>
-          <a:stretch>
-            <a:fillRect/>
-          </a:stretch>
-        </p:blipFill>
-        <p:spPr bwMode="auto">
-          <a:xfrm>
-            <a:off x="2402205" y="2444115"/>
-            <a:ext cx="360045" cy="360045"/>
-          </a:xfrm>
-          <a:prstGeom prst="rect">
-            <a:avLst/>
-          </a:prstGeom>
-          <a:noFill/>
-          <a:ln>
-            <a:noFill/>
-          </a:ln>
-          <a:extLst>
-            <a:ext uri="{909E8E84-426E-40DD-AFC4-6F175D3DCCD1}">
-              <a14:hiddenFill xmlns:a14="http://schemas.microsoft.com/office/drawing/2010/main">
-                <a:solidFill>
-                  <a:srgbClr val="FFFFFF"/>
-                </a:solidFill>
-              </a14:hiddenFill>
-            </a:ext>
-            <a:ext uri="{91240B29-F687-4F45-9708-019B960494DF}">
-              <a14:hiddenLine xmlns:a14="http://schemas.microsoft.com/office/drawing/2010/main" w="9525">
-                <a:solidFill>
-                  <a:srgbClr val="000000"/>
-                </a:solidFill>
-                <a:miter lim="800000"/>
-                <a:headEnd/>
-                <a:tailEnd/>
-              </a14:hiddenLine>
-            </a:ext>
-          </a:extLst>
-        </p:spPr>
-      </p:pic>
-      <p:pic>
-        <p:nvPicPr>
-          <p:cNvPr id="42" name="Graphic 10">
-            <a:extLst>
-              <a:ext uri="{FF2B5EF4-FFF2-40B4-BE49-F238E27FC236}">
-                <a16:creationId xmlns:a16="http://schemas.microsoft.com/office/drawing/2014/main" id="{0535D99C-4B21-4D0A-926B-C109DC822F60}"/>
-              </a:ext>
-            </a:extLst>
-          </p:cNvPr>
-          <p:cNvPicPr>
-            <a:picLocks noChangeAspect="1" noChangeArrowheads="1"/>
-          </p:cNvPicPr>
-          <p:nvPr/>
-        </p:nvPicPr>
-        <p:blipFill>
-          <a:blip r:embed="rId25">
-            <a:extLst>
-              <a:ext uri="{28A0092B-C50C-407E-A947-70E740481C1C}">
-                <a14:useLocalDpi xmlns:a14="http://schemas.microsoft.com/office/drawing/2010/main" val="0"/>
-              </a:ext>
-            </a:extLst>
-          </a:blip>
-          <a:srcRect/>
-          <a:stretch>
-            <a:fillRect/>
-          </a:stretch>
-        </p:blipFill>
-        <p:spPr bwMode="auto">
-          <a:xfrm>
-            <a:off x="2336165" y="5433060"/>
-            <a:ext cx="360045" cy="360045"/>
-          </a:xfrm>
-          <a:prstGeom prst="rect">
-            <a:avLst/>
-          </a:prstGeom>
-          <a:noFill/>
-          <a:ln>
-            <a:noFill/>
-          </a:ln>
-          <a:extLst>
-            <a:ext uri="{909E8E84-426E-40DD-AFC4-6F175D3DCCD1}">
-              <a14:hiddenFill xmlns:a14="http://schemas.microsoft.com/office/drawing/2010/main">
-                <a:solidFill>
-                  <a:srgbClr val="FFFFFF"/>
-                </a:solidFill>
-              </a14:hiddenFill>
-            </a:ext>
-            <a:ext uri="{91240B29-F687-4F45-9708-019B960494DF}">
-              <a14:hiddenLine xmlns:a14="http://schemas.microsoft.com/office/drawing/2010/main" w="9525">
-                <a:solidFill>
-                  <a:srgbClr val="000000"/>
-                </a:solidFill>
-                <a:miter lim="800000"/>
-                <a:headEnd/>
-                <a:tailEnd/>
-              </a14:hiddenLine>
-            </a:ext>
-          </a:extLst>
-        </p:spPr>
-      </p:pic>
-      <p:pic>
-        <p:nvPicPr>
-          <p:cNvPr id="43" name="Graphic 31">
-            <a:extLst>
-              <a:ext uri="{FF2B5EF4-FFF2-40B4-BE49-F238E27FC236}">
-                <a16:creationId xmlns:a16="http://schemas.microsoft.com/office/drawing/2014/main" id="{F400C3F7-C9D7-D341-BD21-50868EB55DDE}"/>
-              </a:ext>
-            </a:extLst>
-          </p:cNvPr>
-          <p:cNvPicPr>
-            <a:picLocks noChangeAspect="1" noChangeArrowheads="1"/>
-          </p:cNvPicPr>
-          <p:nvPr/>
-        </p:nvPicPr>
-        <p:blipFill>
-          <a:blip r:embed="rId26">
-            <a:extLst>
-              <a:ext uri="{28A0092B-C50C-407E-A947-70E740481C1C}">
-                <a14:useLocalDpi xmlns:a14="http://schemas.microsoft.com/office/drawing/2010/main" val="0"/>
-              </a:ext>
-            </a:extLst>
-          </a:blip>
-          <a:srcRect/>
-          <a:stretch>
-            <a:fillRect/>
-          </a:stretch>
-        </p:blipFill>
-        <p:spPr bwMode="auto">
-          <a:xfrm>
-            <a:off x="3964305" y="1734185"/>
-            <a:ext cx="360045" cy="360045"/>
-          </a:xfrm>
-          <a:prstGeom prst="rect">
-            <a:avLst/>
-          </a:prstGeom>
-          <a:noFill/>
-          <a:ln>
-            <a:noFill/>
-          </a:ln>
-          <a:extLst>
-            <a:ext uri="{909E8E84-426E-40DD-AFC4-6F175D3DCCD1}">
-              <a14:hiddenFill xmlns:a14="http://schemas.microsoft.com/office/drawing/2010/main">
-                <a:solidFill>
-                  <a:srgbClr val="FFFFFF"/>
-                </a:solidFill>
-              </a14:hiddenFill>
-            </a:ext>
-            <a:ext uri="{91240B29-F687-4F45-9708-019B960494DF}">
-              <a14:hiddenLine xmlns:a14="http://schemas.microsoft.com/office/drawing/2010/main" w="9525">
-                <a:solidFill>
-                  <a:srgbClr val="000000"/>
-                </a:solidFill>
-                <a:miter lim="800000"/>
-                <a:headEnd/>
-                <a:tailEnd/>
-              </a14:hiddenLine>
-            </a:ext>
-          </a:extLst>
-        </p:spPr>
-      </p:pic>
-      <p:pic>
-        <p:nvPicPr>
-          <p:cNvPr id="44" name="Graphic 41">
-            <a:extLst>
-              <a:ext uri="{FF2B5EF4-FFF2-40B4-BE49-F238E27FC236}">
-                <a16:creationId xmlns:a16="http://schemas.microsoft.com/office/drawing/2014/main" id="{3ED30090-964F-E044-A541-A782E908DEF1}"/>
-              </a:ext>
-            </a:extLst>
-          </p:cNvPr>
-          <p:cNvPicPr>
-            <a:picLocks noChangeAspect="1" noChangeArrowheads="1"/>
-          </p:cNvPicPr>
-          <p:nvPr/>
-        </p:nvPicPr>
-        <p:blipFill>
-          <a:blip r:embed="rId27">
-            <a:extLst>
-              <a:ext uri="{28A0092B-C50C-407E-A947-70E740481C1C}">
-                <a14:useLocalDpi xmlns:a14="http://schemas.microsoft.com/office/drawing/2010/main" val="0"/>
-              </a:ext>
-            </a:extLst>
-          </a:blip>
-          <a:srcRect/>
-          <a:stretch>
-            <a:fillRect/>
-          </a:stretch>
-        </p:blipFill>
-        <p:spPr bwMode="auto">
-          <a:xfrm>
-            <a:off x="7712075" y="3104515"/>
-            <a:ext cx="360045" cy="360045"/>
-          </a:xfrm>
-          <a:prstGeom prst="rect">
-            <a:avLst/>
-          </a:prstGeom>
-          <a:noFill/>
-          <a:ln>
-            <a:noFill/>
-          </a:ln>
-          <a:extLst>
-            <a:ext uri="{909E8E84-426E-40DD-AFC4-6F175D3DCCD1}">
-              <a14:hiddenFill xmlns:a14="http://schemas.microsoft.com/office/drawing/2010/main">
-                <a:solidFill>
-                  <a:srgbClr val="FFFFFF"/>
-                </a:solidFill>
-              </a14:hiddenFill>
-            </a:ext>
-            <a:ext uri="{91240B29-F687-4F45-9708-019B960494DF}">
-              <a14:hiddenLine xmlns:a14="http://schemas.microsoft.com/office/drawing/2010/main" w="9525">
-                <a:solidFill>
-                  <a:srgbClr val="000000"/>
-                </a:solidFill>
-                <a:miter lim="800000"/>
-                <a:headEnd/>
-                <a:tailEnd/>
-              </a14:hiddenLine>
-            </a:ext>
-          </a:extLst>
-        </p:spPr>
-      </p:pic>
-      <p:pic>
-        <p:nvPicPr>
-          <p:cNvPr id="45" name="Graphic 24">
-            <a:extLst>
-              <a:ext uri="{FF2B5EF4-FFF2-40B4-BE49-F238E27FC236}">
-                <a16:creationId xmlns:a16="http://schemas.microsoft.com/office/drawing/2014/main" id="{F98FFE17-32E0-0245-9C99-4566C0E254A6}"/>
-              </a:ext>
-            </a:extLst>
-          </p:cNvPr>
-          <p:cNvPicPr>
-            <a:picLocks noChangeAspect="1" noChangeArrowheads="1"/>
-          </p:cNvPicPr>
-          <p:nvPr/>
-        </p:nvPicPr>
-        <p:blipFill>
-          <a:blip r:embed="rId28">
-            <a:extLst>
-              <a:ext uri="{28A0092B-C50C-407E-A947-70E740481C1C}">
-                <a14:useLocalDpi xmlns:a14="http://schemas.microsoft.com/office/drawing/2010/main" val="0"/>
-              </a:ext>
-            </a:extLst>
-          </a:blip>
-          <a:srcRect/>
-          <a:stretch>
-            <a:fillRect/>
-          </a:stretch>
-        </p:blipFill>
-        <p:spPr bwMode="auto">
-          <a:xfrm>
-            <a:off x="3963670" y="3849370"/>
-            <a:ext cx="360045" cy="360045"/>
-          </a:xfrm>
-          <a:prstGeom prst="rect">
-            <a:avLst/>
-          </a:prstGeom>
-          <a:noFill/>
-          <a:ln>
-            <a:noFill/>
-          </a:ln>
-          <a:extLst>
-            <a:ext uri="{909E8E84-426E-40DD-AFC4-6F175D3DCCD1}">
-              <a14:hiddenFill xmlns:a14="http://schemas.microsoft.com/office/drawing/2010/main">
-                <a:solidFill>
-                  <a:srgbClr val="FFFFFF"/>
-                </a:solidFill>
-              </a14:hiddenFill>
-            </a:ext>
-            <a:ext uri="{91240B29-F687-4F45-9708-019B960494DF}">
-              <a14:hiddenLine xmlns:a14="http://schemas.microsoft.com/office/drawing/2010/main" w="9525">
-                <a:solidFill>
-                  <a:srgbClr val="000000"/>
-                </a:solidFill>
-                <a:miter lim="800000"/>
-                <a:headEnd/>
-                <a:tailEnd/>
-              </a14:hiddenLine>
-            </a:ext>
-          </a:extLst>
-        </p:spPr>
-      </p:pic>
-      <p:pic>
-        <p:nvPicPr>
-          <p:cNvPr id="46" name="Graphic 63">
-            <a:extLst>
-              <a:ext uri="{FF2B5EF4-FFF2-40B4-BE49-F238E27FC236}">
-                <a16:creationId xmlns:a16="http://schemas.microsoft.com/office/drawing/2014/main" id="{9B0E541F-A9E3-5346-935C-401DF5B62E4D}"/>
-              </a:ext>
-            </a:extLst>
-          </p:cNvPr>
-          <p:cNvPicPr>
-            <a:picLocks noChangeAspect="1" noChangeArrowheads="1"/>
-          </p:cNvPicPr>
-          <p:nvPr/>
-        </p:nvPicPr>
-        <p:blipFill>
-          <a:blip r:embed="rId13">
-            <a:extLst>
-              <a:ext uri="{28A0092B-C50C-407E-A947-70E740481C1C}">
-                <a14:useLocalDpi xmlns:a14="http://schemas.microsoft.com/office/drawing/2010/main" val="0"/>
-              </a:ext>
-            </a:extLst>
-          </a:blip>
-          <a:srcRect/>
-          <a:stretch>
-            <a:fillRect/>
-          </a:stretch>
-        </p:blipFill>
-        <p:spPr bwMode="auto">
-          <a:xfrm>
-            <a:off x="6842125" y="5572125"/>
-            <a:ext cx="360045" cy="360045"/>
-          </a:xfrm>
-          <a:prstGeom prst="rect">
-            <a:avLst/>
-          </a:prstGeom>
-          <a:noFill/>
-          <a:ln>
-            <a:noFill/>
-          </a:ln>
-          <a:extLst>
-            <a:ext uri="{909E8E84-426E-40DD-AFC4-6F175D3DCCD1}">
-              <a14:hiddenFill xmlns:a14="http://schemas.microsoft.com/office/drawing/2010/main">
-                <a:solidFill>
-                  <a:srgbClr val="FFFFFF"/>
-                </a:solidFill>
-              </a14:hiddenFill>
-            </a:ext>
-            <a:ext uri="{91240B29-F687-4F45-9708-019B960494DF}">
-              <a14:hiddenLine xmlns:a14="http://schemas.microsoft.com/office/drawing/2010/main" w="9525">
-                <a:solidFill>
-                  <a:srgbClr val="000000"/>
-                </a:solidFill>
-                <a:miter lim="800000"/>
-                <a:headEnd/>
-                <a:tailEnd/>
-              </a14:hiddenLine>
-            </a:ext>
-          </a:extLst>
-        </p:spPr>
-      </p:pic>
-      <p:pic>
-        <p:nvPicPr>
-          <p:cNvPr id="47" name="Graphic 41">
-            <a:extLst>
-              <a:ext uri="{FF2B5EF4-FFF2-40B4-BE49-F238E27FC236}">
-                <a16:creationId xmlns:a16="http://schemas.microsoft.com/office/drawing/2014/main" id="{ECA7971B-10B3-448F-B245-B8C76AD3B8CE}"/>
-              </a:ext>
-            </a:extLst>
-          </p:cNvPr>
-          <p:cNvPicPr>
-            <a:picLocks noChangeAspect="1" noChangeArrowheads="1"/>
-          </p:cNvPicPr>
-          <p:nvPr/>
-        </p:nvPicPr>
-        <p:blipFill>
-          <a:blip r:embed="rId27">
-            <a:extLst>
-              <a:ext uri="{28A0092B-C50C-407E-A947-70E740481C1C}">
-                <a14:useLocalDpi xmlns:a14="http://schemas.microsoft.com/office/drawing/2010/main" val="0"/>
-              </a:ext>
-            </a:extLst>
-          </a:blip>
-          <a:srcRect/>
-          <a:stretch>
-            <a:fillRect/>
-          </a:stretch>
-        </p:blipFill>
-        <p:spPr bwMode="auto">
-          <a:xfrm>
-            <a:off x="5262880" y="5038725"/>
-            <a:ext cx="360045" cy="360045"/>
-          </a:xfrm>
-          <a:prstGeom prst="rect">
-            <a:avLst/>
-          </a:prstGeom>
-          <a:noFill/>
-          <a:ln>
-            <a:noFill/>
-          </a:ln>
-          <a:extLst>
-            <a:ext uri="{909E8E84-426E-40DD-AFC4-6F175D3DCCD1}">
-              <a14:hiddenFill xmlns:a14="http://schemas.microsoft.com/office/drawing/2010/main">
-                <a:solidFill>
-                  <a:srgbClr val="FFFFFF"/>
-                </a:solidFill>
-              </a14:hiddenFill>
-            </a:ext>
-            <a:ext uri="{91240B29-F687-4F45-9708-019B960494DF}">
-              <a14:hiddenLine xmlns:a14="http://schemas.microsoft.com/office/drawing/2010/main" w="9525">
-                <a:solidFill>
-                  <a:srgbClr val="000000"/>
-                </a:solidFill>
-                <a:miter lim="800000"/>
-                <a:headEnd/>
-                <a:tailEnd/>
-              </a14:hiddenLine>
-            </a:ext>
-          </a:extLst>
-        </p:spPr>
-      </p:pic>
-      <p:pic>
-        <p:nvPicPr>
-          <p:cNvPr id="48" name="Graphic 41">
-            <a:extLst>
-              <a:ext uri="{FF2B5EF4-FFF2-40B4-BE49-F238E27FC236}">
-                <a16:creationId xmlns:a16="http://schemas.microsoft.com/office/drawing/2014/main" id="{C8A77E20-7818-449C-8641-A6DF40B97E17}"/>
-              </a:ext>
-            </a:extLst>
-          </p:cNvPr>
-          <p:cNvPicPr>
-            <a:picLocks noChangeAspect="1" noChangeArrowheads="1"/>
-          </p:cNvPicPr>
-          <p:nvPr/>
-        </p:nvPicPr>
-        <p:blipFill>
-          <a:blip r:embed="rId27">
-            <a:extLst>
-              <a:ext uri="{28A0092B-C50C-407E-A947-70E740481C1C}">
-                <a14:useLocalDpi xmlns:a14="http://schemas.microsoft.com/office/drawing/2010/main" val="0"/>
-              </a:ext>
-            </a:extLst>
-          </a:blip>
-          <a:srcRect/>
-          <a:stretch>
-            <a:fillRect/>
-          </a:stretch>
-        </p:blipFill>
-        <p:spPr bwMode="auto">
-          <a:xfrm>
-            <a:off x="4753610" y="2533650"/>
-            <a:ext cx="360045" cy="360045"/>
-          </a:xfrm>
-          <a:prstGeom prst="rect">
-            <a:avLst/>
-          </a:prstGeom>
-          <a:noFill/>
-          <a:ln>
-            <a:noFill/>
-          </a:ln>
-          <a:extLst>
-            <a:ext uri="{909E8E84-426E-40DD-AFC4-6F175D3DCCD1}">
-              <a14:hiddenFill xmlns:a14="http://schemas.microsoft.com/office/drawing/2010/main">
-                <a:solidFill>
-                  <a:srgbClr val="FFFFFF"/>
-                </a:solidFill>
-              </a14:hiddenFill>
-            </a:ext>
-            <a:ext uri="{91240B29-F687-4F45-9708-019B960494DF}">
-              <a14:hiddenLine xmlns:a14="http://schemas.microsoft.com/office/drawing/2010/main" w="9525">
-                <a:solidFill>
-                  <a:srgbClr val="000000"/>
-                </a:solidFill>
-                <a:miter lim="800000"/>
-                <a:headEnd/>
-                <a:tailEnd/>
-              </a14:hiddenLine>
-            </a:ext>
-          </a:extLst>
-        </p:spPr>
-      </p:pic>
-      <p:pic>
-        <p:nvPicPr>
-          <p:cNvPr id="49" name="Graphic 41">
-            <a:extLst>
-              <a:ext uri="{FF2B5EF4-FFF2-40B4-BE49-F238E27FC236}">
-                <a16:creationId xmlns:a16="http://schemas.microsoft.com/office/drawing/2014/main" id="{0DC79609-DCCC-4761-B417-0F70590A61CB}"/>
-              </a:ext>
-            </a:extLst>
-          </p:cNvPr>
-          <p:cNvPicPr>
-            <a:picLocks noChangeAspect="1" noChangeArrowheads="1"/>
-          </p:cNvPicPr>
-          <p:nvPr/>
-        </p:nvPicPr>
-        <p:blipFill>
-          <a:blip r:embed="rId27">
-            <a:extLst>
-              <a:ext uri="{28A0092B-C50C-407E-A947-70E740481C1C}">
-                <a14:useLocalDpi xmlns:a14="http://schemas.microsoft.com/office/drawing/2010/main" val="0"/>
-              </a:ext>
-            </a:extLst>
-          </a:blip>
-          <a:srcRect/>
-          <a:stretch>
-            <a:fillRect/>
-          </a:stretch>
-        </p:blipFill>
-        <p:spPr bwMode="auto">
-          <a:xfrm>
-            <a:off x="7682230" y="2157730"/>
-            <a:ext cx="360045" cy="360045"/>
-          </a:xfrm>
-          <a:prstGeom prst="rect">
-            <a:avLst/>
-          </a:prstGeom>
-          <a:noFill/>
-          <a:ln>
-            <a:noFill/>
-          </a:ln>
-          <a:extLst>
-            <a:ext uri="{909E8E84-426E-40DD-AFC4-6F175D3DCCD1}">
-              <a14:hiddenFill xmlns:a14="http://schemas.microsoft.com/office/drawing/2010/main">
-                <a:solidFill>
-                  <a:srgbClr val="FFFFFF"/>
-                </a:solidFill>
-              </a14:hiddenFill>
-            </a:ext>
-            <a:ext uri="{91240B29-F687-4F45-9708-019B960494DF}">
-              <a14:hiddenLine xmlns:a14="http://schemas.microsoft.com/office/drawing/2010/main" w="9525">
-                <a:solidFill>
-                  <a:srgbClr val="000000"/>
-                </a:solidFill>
-                <a:miter lim="800000"/>
-                <a:headEnd/>
-                <a:tailEnd/>
-              </a14:hiddenLine>
-            </a:ext>
-          </a:extLst>
-        </p:spPr>
-      </p:pic>
-      <p:pic>
-        <p:nvPicPr>
-          <p:cNvPr id="50" name="Graphic 41">
-            <a:extLst>
-              <a:ext uri="{FF2B5EF4-FFF2-40B4-BE49-F238E27FC236}">
-                <a16:creationId xmlns:a16="http://schemas.microsoft.com/office/drawing/2014/main" id="{7A2EA6C2-E98A-4205-90B3-268A4BE9BBA6}"/>
-              </a:ext>
-            </a:extLst>
-          </p:cNvPr>
-          <p:cNvPicPr>
-            <a:picLocks noChangeAspect="1" noChangeArrowheads="1"/>
-          </p:cNvPicPr>
-          <p:nvPr/>
-        </p:nvPicPr>
-        <p:blipFill>
-          <a:blip r:embed="rId27">
-            <a:extLst>
-              <a:ext uri="{28A0092B-C50C-407E-A947-70E740481C1C}">
-                <a14:useLocalDpi xmlns:a14="http://schemas.microsoft.com/office/drawing/2010/main" val="0"/>
-              </a:ext>
-            </a:extLst>
-          </a:blip>
-          <a:srcRect/>
-          <a:stretch>
-            <a:fillRect/>
-          </a:stretch>
-        </p:blipFill>
-        <p:spPr bwMode="auto">
-          <a:xfrm>
-            <a:off x="10826115" y="3564890"/>
-            <a:ext cx="360045" cy="360045"/>
-          </a:xfrm>
-          <a:prstGeom prst="rect">
-            <a:avLst/>
-          </a:prstGeom>
-          <a:noFill/>
-          <a:ln>
-            <a:noFill/>
-          </a:ln>
-          <a:extLst>
-            <a:ext uri="{909E8E84-426E-40DD-AFC4-6F175D3DCCD1}">
-              <a14:hiddenFill xmlns:a14="http://schemas.microsoft.com/office/drawing/2010/main">
-                <a:solidFill>
-                  <a:srgbClr val="FFFFFF"/>
-                </a:solidFill>
-              </a14:hiddenFill>
-            </a:ext>
-            <a:ext uri="{91240B29-F687-4F45-9708-019B960494DF}">
-              <a14:hiddenLine xmlns:a14="http://schemas.microsoft.com/office/drawing/2010/main" w="9525">
-                <a:solidFill>
-                  <a:srgbClr val="000000"/>
-                </a:solidFill>
-                <a:miter lim="800000"/>
-                <a:headEnd/>
-                <a:tailEnd/>
-              </a14:hiddenLine>
-            </a:ext>
-          </a:extLst>
-        </p:spPr>
-      </p:pic>
-      <p:pic>
-        <p:nvPicPr>
-          <p:cNvPr id="52" name="Graphic 21">
-            <a:extLst>
-              <a:ext uri="{FF2B5EF4-FFF2-40B4-BE49-F238E27FC236}">
-                <a16:creationId xmlns:a16="http://schemas.microsoft.com/office/drawing/2014/main" id="{E54AD0C9-AE86-47F6-BC6E-1D219E7E6084}"/>
-              </a:ext>
-            </a:extLst>
-          </p:cNvPr>
-          <p:cNvPicPr>
-            <a:picLocks noChangeAspect="1"/>
-          </p:cNvPicPr>
-          <p:nvPr/>
-        </p:nvPicPr>
-        <p:blipFill>
-          <a:blip r:embed="rId20">
-            <a:extLst>
-              <a:ext uri="{96DAC541-7B7A-43D3-8B79-37D633B846F1}">
-                <asvg:svgBlip xmlns:asvg="http://schemas.microsoft.com/office/drawing/2016/SVG/main" r:embed="rId21"/>
-              </a:ext>
-            </a:extLst>
-          </a:blip>
-          <a:stretch>
-            <a:fillRect/>
-          </a:stretch>
-        </p:blipFill>
-        <p:spPr>
-          <a:xfrm>
-            <a:off x="9145270" y="1978025"/>
-            <a:ext cx="381000" cy="381000"/>
-          </a:xfrm>
-          <a:prstGeom prst="rect">
-            <a:avLst/>
-          </a:prstGeom>
-        </p:spPr>
-      </p:pic>
-      <p:pic>
-        <p:nvPicPr>
-          <p:cNvPr id="54" name="Graphic 21">
-            <a:extLst>
-              <a:ext uri="{FF2B5EF4-FFF2-40B4-BE49-F238E27FC236}">
-                <a16:creationId xmlns:a16="http://schemas.microsoft.com/office/drawing/2014/main" id="{E325DA2C-76AD-4316-B6E1-72BA95FA9089}"/>
-              </a:ext>
-            </a:extLst>
-          </p:cNvPr>
-          <p:cNvPicPr>
-            <a:picLocks noChangeAspect="1"/>
-          </p:cNvPicPr>
-          <p:nvPr/>
-        </p:nvPicPr>
-        <p:blipFill>
-          <a:blip r:embed="rId20">
-            <a:extLst>
-              <a:ext uri="{96DAC541-7B7A-43D3-8B79-37D633B846F1}">
-                <asvg:svgBlip xmlns:asvg="http://schemas.microsoft.com/office/drawing/2016/SVG/main" r:embed="rId21"/>
-              </a:ext>
-            </a:extLst>
-          </a:blip>
-          <a:stretch>
-            <a:fillRect/>
-          </a:stretch>
-        </p:blipFill>
-        <p:spPr>
-          <a:xfrm>
-            <a:off x="9145270" y="3509010"/>
-            <a:ext cx="381000" cy="381000"/>
-          </a:xfrm>
-          <a:prstGeom prst="rect">
-            <a:avLst/>
-          </a:prstGeom>
-        </p:spPr>
-      </p:pic>
-      <p:pic>
-        <p:nvPicPr>
-          <p:cNvPr id="55" name="Graphic 41">
-            <a:extLst>
-              <a:ext uri="{FF2B5EF4-FFF2-40B4-BE49-F238E27FC236}">
-                <a16:creationId xmlns:a16="http://schemas.microsoft.com/office/drawing/2014/main" id="{10F3BF44-9D77-4FD5-8029-0C6A4BEFBFB2}"/>
-              </a:ext>
-            </a:extLst>
-          </p:cNvPr>
-          <p:cNvPicPr>
-            <a:picLocks noChangeAspect="1" noChangeArrowheads="1"/>
-          </p:cNvPicPr>
-          <p:nvPr/>
-        </p:nvPicPr>
-        <p:blipFill>
-          <a:blip r:embed="rId27">
-            <a:extLst>
-              <a:ext uri="{28A0092B-C50C-407E-A947-70E740481C1C}">
-                <a14:useLocalDpi xmlns:a14="http://schemas.microsoft.com/office/drawing/2010/main" val="0"/>
-              </a:ext>
-            </a:extLst>
-          </a:blip>
-          <a:srcRect/>
-          <a:stretch>
-            <a:fillRect/>
-          </a:stretch>
-        </p:blipFill>
-        <p:spPr bwMode="auto">
-          <a:xfrm>
-            <a:off x="10826115" y="2013585"/>
-            <a:ext cx="360045" cy="360045"/>
-          </a:xfrm>
-          <a:prstGeom prst="rect">
-            <a:avLst/>
-          </a:prstGeom>
-          <a:noFill/>
-          <a:ln>
-            <a:noFill/>
-          </a:ln>
-          <a:extLst>
-            <a:ext uri="{909E8E84-426E-40DD-AFC4-6F175D3DCCD1}">
-              <a14:hiddenFill xmlns:a14="http://schemas.microsoft.com/office/drawing/2010/main">
-                <a:solidFill>
-                  <a:srgbClr val="FFFFFF"/>
-                </a:solidFill>
-              </a14:hiddenFill>
-            </a:ext>
-            <a:ext uri="{91240B29-F687-4F45-9708-019B960494DF}">
-              <a14:hiddenLine xmlns:a14="http://schemas.microsoft.com/office/drawing/2010/main" w="9525">
-                <a:solidFill>
-                  <a:srgbClr val="000000"/>
-                </a:solidFill>
-                <a:miter lim="800000"/>
-                <a:headEnd/>
-                <a:tailEnd/>
-              </a14:hiddenLine>
-            </a:ext>
-          </a:extLst>
-        </p:spPr>
-      </p:pic>
-      <p:pic>
-        <p:nvPicPr>
-          <p:cNvPr id="56" name="Graphic 12">
-            <a:extLst>
-              <a:ext uri="{FF2B5EF4-FFF2-40B4-BE49-F238E27FC236}">
-                <a16:creationId xmlns:a16="http://schemas.microsoft.com/office/drawing/2014/main" id="{66AB5653-C40D-4588-9187-342A801CE6FE}"/>
-              </a:ext>
-            </a:extLst>
-          </p:cNvPr>
-          <p:cNvPicPr>
-            <a:picLocks noChangeAspect="1" noChangeArrowheads="1"/>
-          </p:cNvPicPr>
-          <p:nvPr/>
-        </p:nvPicPr>
-        <p:blipFill>
-          <a:blip r:embed="rId4">
-            <a:extLst>
-              <a:ext uri="{28A0092B-C50C-407E-A947-70E740481C1C}">
-                <a14:useLocalDpi xmlns:a14="http://schemas.microsoft.com/office/drawing/2010/main" val="0"/>
-              </a:ext>
-            </a:extLst>
-          </a:blip>
-          <a:srcRect/>
-          <a:stretch>
-            <a:fillRect/>
-          </a:stretch>
-        </p:blipFill>
-        <p:spPr bwMode="auto">
-          <a:xfrm>
-            <a:off x="662940" y="5064760"/>
-            <a:ext cx="360045" cy="360045"/>
-          </a:xfrm>
-          <a:prstGeom prst="rect">
-            <a:avLst/>
-          </a:prstGeom>
-          <a:noFill/>
-          <a:ln>
-            <a:noFill/>
-          </a:ln>
-          <a:extLst>
-            <a:ext uri="{909E8E84-426E-40DD-AFC4-6F175D3DCCD1}">
-              <a14:hiddenFill xmlns:a14="http://schemas.microsoft.com/office/drawing/2010/main">
-                <a:solidFill>
-                  <a:srgbClr val="FFFFFF"/>
-                </a:solidFill>
-              </a14:hiddenFill>
-            </a:ext>
-            <a:ext uri="{91240B29-F687-4F45-9708-019B960494DF}">
-              <a14:hiddenLine xmlns:a14="http://schemas.microsoft.com/office/drawing/2010/main" w="9525">
-                <a:solidFill>
-                  <a:srgbClr val="000000"/>
-                </a:solidFill>
-                <a:miter lim="800000"/>
-                <a:headEnd/>
-                <a:tailEnd/>
-              </a14:hiddenLine>
-            </a:ext>
-          </a:extLst>
-        </p:spPr>
-      </p:pic>
-      <p:pic>
-        <p:nvPicPr>
-          <p:cNvPr id="57" name="Graphic 19">
-            <a:extLst>
-              <a:ext uri="{FF2B5EF4-FFF2-40B4-BE49-F238E27FC236}">
-                <a16:creationId xmlns:a16="http://schemas.microsoft.com/office/drawing/2014/main" id="{ED9F78BE-213C-3D47-A534-0B86E72111B5}"/>
-              </a:ext>
-            </a:extLst>
-          </p:cNvPr>
-          <p:cNvPicPr>
-            <a:picLocks noChangeAspect="1" noChangeArrowheads="1"/>
-          </p:cNvPicPr>
-          <p:nvPr/>
-        </p:nvPicPr>
-        <p:blipFill>
-          <a:blip r:embed="rId29">
-            <a:extLst>
-              <a:ext uri="{28A0092B-C50C-407E-A947-70E740481C1C}">
-                <a14:useLocalDpi xmlns:a14="http://schemas.microsoft.com/office/drawing/2010/main" val="0"/>
-              </a:ext>
-            </a:extLst>
-          </a:blip>
-          <a:srcRect/>
-          <a:stretch>
-            <a:fillRect/>
-          </a:stretch>
-        </p:blipFill>
-        <p:spPr bwMode="auto">
-          <a:xfrm>
-            <a:off x="8439785" y="980440"/>
-            <a:ext cx="539750" cy="539750"/>
-          </a:xfrm>
-          <a:prstGeom prst="rect">
-            <a:avLst/>
-          </a:prstGeom>
-          <a:noFill/>
-          <a:ln>
-            <a:noFill/>
-          </a:ln>
-          <a:extLst>
-            <a:ext uri="{909E8E84-426E-40DD-AFC4-6F175D3DCCD1}">
-              <a14:hiddenFill xmlns:a14="http://schemas.microsoft.com/office/drawing/2010/main">
-                <a:solidFill>
-                  <a:srgbClr val="FFFFFF"/>
-                </a:solidFill>
-              </a14:hiddenFill>
-            </a:ext>
-            <a:ext uri="{91240B29-F687-4F45-9708-019B960494DF}">
-              <a14:hiddenLine xmlns:a14="http://schemas.microsoft.com/office/drawing/2010/main" w="9525">
-                <a:solidFill>
-                  <a:srgbClr val="000000"/>
-                </a:solidFill>
-                <a:miter lim="800000"/>
-                <a:headEnd/>
-                <a:tailEnd/>
-              </a14:hiddenLine>
-            </a:ext>
-          </a:extLst>
-        </p:spPr>
-      </p:pic>
-      <p:pic>
-        <p:nvPicPr>
-          <p:cNvPr id="58" name="Graphic 35">
-            <a:extLst>
-              <a:ext uri="{FF2B5EF4-FFF2-40B4-BE49-F238E27FC236}">
-                <a16:creationId xmlns:a16="http://schemas.microsoft.com/office/drawing/2014/main" id="{9A78D264-AA97-2843-9439-617EAF044BB2}"/>
-              </a:ext>
-            </a:extLst>
-          </p:cNvPr>
-          <p:cNvPicPr>
-            <a:picLocks noChangeAspect="1" noChangeArrowheads="1"/>
-          </p:cNvPicPr>
-          <p:nvPr/>
-        </p:nvPicPr>
-        <p:blipFill>
-          <a:blip r:embed="rId30">
-            <a:extLst>
-              <a:ext uri="{28A0092B-C50C-407E-A947-70E740481C1C}">
-                <a14:useLocalDpi xmlns:a14="http://schemas.microsoft.com/office/drawing/2010/main" val="0"/>
-              </a:ext>
-            </a:extLst>
-          </a:blip>
-          <a:srcRect/>
-          <a:stretch>
-            <a:fillRect/>
-          </a:stretch>
-        </p:blipFill>
-        <p:spPr bwMode="auto">
-          <a:xfrm>
-            <a:off x="1819275" y="4209415"/>
-            <a:ext cx="360045" cy="360045"/>
-          </a:xfrm>
-          <a:prstGeom prst="rect">
-            <a:avLst/>
-          </a:prstGeom>
-          <a:noFill/>
-          <a:ln>
-            <a:noFill/>
-          </a:ln>
-          <a:extLst>
-            <a:ext uri="{909E8E84-426E-40DD-AFC4-6F175D3DCCD1}">
-              <a14:hiddenFill xmlns:a14="http://schemas.microsoft.com/office/drawing/2010/main">
-                <a:solidFill>
-                  <a:srgbClr val="FFFFFF"/>
-                </a:solidFill>
-              </a14:hiddenFill>
-            </a:ext>
-            <a:ext uri="{91240B29-F687-4F45-9708-019B960494DF}">
-              <a14:hiddenLine xmlns:a14="http://schemas.microsoft.com/office/drawing/2010/main" w="9525">
-                <a:solidFill>
-                  <a:srgbClr val="000000"/>
-                </a:solidFill>
-                <a:miter lim="800000"/>
-                <a:headEnd/>
-                <a:tailEnd/>
-              </a14:hiddenLine>
-            </a:ext>
-          </a:extLst>
-        </p:spPr>
-      </p:pic>
-      <p:pic>
-        <p:nvPicPr>
-          <p:cNvPr id="59" name="Graphic 49">
-            <a:extLst>
-              <a:ext uri="{FF2B5EF4-FFF2-40B4-BE49-F238E27FC236}">
-                <a16:creationId xmlns:a16="http://schemas.microsoft.com/office/drawing/2014/main" id="{5A8C48C1-32E1-C747-BB4B-5E3B849CF7A7}"/>
-              </a:ext>
-            </a:extLst>
-          </p:cNvPr>
-          <p:cNvPicPr>
-            <a:picLocks noChangeAspect="1" noChangeArrowheads="1"/>
-          </p:cNvPicPr>
-          <p:nvPr/>
-        </p:nvPicPr>
-        <p:blipFill>
-          <a:blip r:embed="rId31">
-            <a:extLst>
-              <a:ext uri="{28A0092B-C50C-407E-A947-70E740481C1C}">
-                <a14:useLocalDpi xmlns:a14="http://schemas.microsoft.com/office/drawing/2010/main" val="0"/>
-              </a:ext>
-            </a:extLst>
-          </a:blip>
-          <a:srcRect/>
-          <a:stretch>
-            <a:fillRect/>
-          </a:stretch>
-        </p:blipFill>
-        <p:spPr bwMode="auto">
-          <a:xfrm>
-            <a:off x="1811020" y="4592955"/>
-            <a:ext cx="360045" cy="360045"/>
-          </a:xfrm>
-          <a:prstGeom prst="rect">
-            <a:avLst/>
-          </a:prstGeom>
-          <a:noFill/>
-          <a:ln>
-            <a:noFill/>
-          </a:ln>
-          <a:extLst>
-            <a:ext uri="{909E8E84-426E-40DD-AFC4-6F175D3DCCD1}">
-              <a14:hiddenFill xmlns:a14="http://schemas.microsoft.com/office/drawing/2010/main">
-                <a:solidFill>
-                  <a:srgbClr val="FFFFFF"/>
-                </a:solidFill>
-              </a14:hiddenFill>
-            </a:ext>
-            <a:ext uri="{91240B29-F687-4F45-9708-019B960494DF}">
-              <a14:hiddenLine xmlns:a14="http://schemas.microsoft.com/office/drawing/2010/main" w="9525">
-                <a:solidFill>
-                  <a:srgbClr val="000000"/>
-                </a:solidFill>
-                <a:miter lim="800000"/>
-                <a:headEnd/>
-                <a:tailEnd/>
-              </a14:hiddenLine>
-            </a:ext>
-          </a:extLst>
-        </p:spPr>
-      </p:pic>
-      <p:pic>
-        <p:nvPicPr>
-          <p:cNvPr id="60" name="Graphic 20">
-            <a:extLst>
-              <a:ext uri="{FF2B5EF4-FFF2-40B4-BE49-F238E27FC236}">
-                <a16:creationId xmlns:a16="http://schemas.microsoft.com/office/drawing/2014/main" id="{558F2543-61BB-4941-BDCB-203B8A79534C}"/>
-              </a:ext>
-            </a:extLst>
-          </p:cNvPr>
-          <p:cNvPicPr>
-            <a:picLocks noChangeAspect="1" noChangeArrowheads="1"/>
-          </p:cNvPicPr>
-          <p:nvPr/>
-        </p:nvPicPr>
-        <p:blipFill>
-          <a:blip r:embed="rId32"/>
-          <a:srcRect/>
-          <a:stretch/>
-        </p:blipFill>
-        <p:spPr bwMode="auto">
-          <a:xfrm>
-            <a:off x="9100185" y="980440"/>
-            <a:ext cx="539750" cy="539750"/>
-          </a:xfrm>
-          <a:prstGeom prst="rect">
-            <a:avLst/>
-          </a:prstGeom>
-          <a:noFill/>
-          <a:ln>
-            <a:noFill/>
-          </a:ln>
-          <a:extLst>
-            <a:ext uri="{909E8E84-426E-40DD-AFC4-6F175D3DCCD1}">
-              <a14:hiddenFill xmlns:a14="http://schemas.microsoft.com/office/drawing/2010/main">
-                <a:solidFill>
-                  <a:srgbClr val="FFFFFF"/>
-                </a:solidFill>
-              </a14:hiddenFill>
-            </a:ext>
-            <a:ext uri="{91240B29-F687-4F45-9708-019B960494DF}">
-              <a14:hiddenLine xmlns:a14="http://schemas.microsoft.com/office/drawing/2010/main" w="9525">
-                <a:solidFill>
-                  <a:srgbClr val="000000"/>
-                </a:solidFill>
-                <a:miter lim="800000"/>
-                <a:headEnd/>
-                <a:tailEnd/>
-              </a14:hiddenLine>
-            </a:ext>
-          </a:extLst>
-        </p:spPr>
-      </p:pic>
-      <p:pic>
-        <p:nvPicPr>
-          <p:cNvPr id="61" name="Graphic 45">
-            <a:extLst>
-              <a:ext uri="{FF2B5EF4-FFF2-40B4-BE49-F238E27FC236}">
-                <a16:creationId xmlns:a16="http://schemas.microsoft.com/office/drawing/2014/main" id="{058942E2-703D-C045-B64E-DA32890B5B65}"/>
-              </a:ext>
-            </a:extLst>
-          </p:cNvPr>
-          <p:cNvPicPr>
-            <a:picLocks noChangeAspect="1" noChangeArrowheads="1"/>
-          </p:cNvPicPr>
-          <p:nvPr/>
-        </p:nvPicPr>
-        <p:blipFill>
-          <a:blip r:embed="rId33">
-            <a:extLst>
-              <a:ext uri="{28A0092B-C50C-407E-A947-70E740481C1C}">
-                <a14:useLocalDpi xmlns:a14="http://schemas.microsoft.com/office/drawing/2010/main" val="0"/>
-              </a:ext>
-            </a:extLst>
-          </a:blip>
-          <a:srcRect/>
-          <a:stretch>
-            <a:fillRect/>
-          </a:stretch>
-        </p:blipFill>
-        <p:spPr bwMode="auto">
-          <a:xfrm>
-            <a:off x="8225790" y="5058410"/>
-            <a:ext cx="360045" cy="360045"/>
-          </a:xfrm>
-          <a:prstGeom prst="rect">
-            <a:avLst/>
-          </a:prstGeom>
-          <a:noFill/>
-          <a:ln>
-            <a:noFill/>
-          </a:ln>
-          <a:extLst>
-            <a:ext uri="{909E8E84-426E-40DD-AFC4-6F175D3DCCD1}">
-              <a14:hiddenFill xmlns:a14="http://schemas.microsoft.com/office/drawing/2010/main">
-                <a:solidFill>
-                  <a:srgbClr val="FFFFFF"/>
-                </a:solidFill>
-              </a14:hiddenFill>
-            </a:ext>
-            <a:ext uri="{91240B29-F687-4F45-9708-019B960494DF}">
-              <a14:hiddenLine xmlns:a14="http://schemas.microsoft.com/office/drawing/2010/main" w="9525">
-                <a:solidFill>
-                  <a:srgbClr val="000000"/>
-                </a:solidFill>
-                <a:miter lim="800000"/>
-                <a:headEnd/>
-                <a:tailEnd/>
-              </a14:hiddenLine>
-            </a:ext>
-          </a:extLst>
-        </p:spPr>
-      </p:pic>
-      <p:cxnSp>
-        <p:nvCxnSpPr>
-          <p:cNvPr id="63" name="Elbow Connector 10">
-            <a:extLst>
-              <a:ext uri="{FF2B5EF4-FFF2-40B4-BE49-F238E27FC236}">
-                <a16:creationId xmlns:a16="http://schemas.microsoft.com/office/drawing/2014/main" id="{7E81FDE8-E3D7-0B42-935A-345EEC2133AB}"/>
-              </a:ext>
-            </a:extLst>
-          </p:cNvPr>
-          <p:cNvCxnSpPr>
-            <a:cxnSpLocks/>
-            <a:stCxn id="24" idx="3"/>
-            <a:endCxn id="19" idx="1"/>
-          </p:cNvCxnSpPr>
-          <p:nvPr/>
-        </p:nvCxnSpPr>
-        <p:spPr>
-          <a:xfrm flipV="1">
-            <a:off x="8479790" y="2295525"/>
-            <a:ext cx="406400" cy="687705"/>
-          </a:xfrm>
-          <a:prstGeom prst="bentConnector3">
-            <a:avLst/>
-          </a:prstGeom>
-          <a:ln w="12700">
-            <a:solidFill>
-              <a:srgbClr val="545B64"/>
-            </a:solidFill>
-            <a:headEnd type="none" w="med" len="sm"/>
-            <a:tailEnd type="arrow" w="med" len="sm"/>
-          </a:ln>
-        </p:spPr>
-        <p:style>
-          <a:lnRef idx="1">
-            <a:schemeClr val="accent1"/>
-          </a:lnRef>
-          <a:fillRef idx="0">
-            <a:schemeClr val="accent1"/>
-          </a:fillRef>
-          <a:effectRef idx="0">
-            <a:schemeClr val="accent1"/>
-          </a:effectRef>
-          <a:fontRef idx="minor">
-            <a:schemeClr val="tx1"/>
-          </a:fontRef>
-        </p:style>
-      </p:cxnSp>
-      <p:cxnSp>
-        <p:nvCxnSpPr>
-          <p:cNvPr id="64" name="Straight Arrow Connector 9">
-            <a:extLst>
-              <a:ext uri="{FF2B5EF4-FFF2-40B4-BE49-F238E27FC236}">
-                <a16:creationId xmlns:a16="http://schemas.microsoft.com/office/drawing/2014/main" id="{0D27629E-B1D3-4C55-9E5A-B8E3C50DBE8C}"/>
-              </a:ext>
-            </a:extLst>
-          </p:cNvPr>
-          <p:cNvCxnSpPr>
-            <a:cxnSpLocks/>
-            <a:stCxn id="5" idx="0"/>
-            <a:endCxn id="4" idx="2"/>
-          </p:cNvCxnSpPr>
-          <p:nvPr/>
-        </p:nvCxnSpPr>
-        <p:spPr>
-          <a:xfrm flipH="1" flipV="1">
-            <a:off x="930275" y="1464310"/>
-            <a:ext cx="4445" cy="842645"/>
-          </a:xfrm>
-          <a:prstGeom prst="straightConnector1">
-            <a:avLst/>
-          </a:prstGeom>
-          <a:ln w="12700">
-            <a:solidFill>
-              <a:srgbClr val="545B64"/>
-            </a:solidFill>
-            <a:headEnd type="arrow" w="med" len="sm"/>
-            <a:tailEnd type="none" w="med" len="sm"/>
-          </a:ln>
-        </p:spPr>
-        <p:style>
-          <a:lnRef idx="1">
-            <a:schemeClr val="accent1"/>
-          </a:lnRef>
-          <a:fillRef idx="0">
-            <a:schemeClr val="accent1"/>
-          </a:fillRef>
-          <a:effectRef idx="0">
-            <a:schemeClr val="accent1"/>
-          </a:effectRef>
-          <a:fontRef idx="minor">
-            <a:schemeClr val="tx1"/>
-          </a:fontRef>
-        </p:style>
-      </p:cxnSp>
-      <p:cxnSp>
-        <p:nvCxnSpPr>
-          <p:cNvPr id="68" name="Straight Arrow Connector 9">
-            <a:extLst>
-              <a:ext uri="{FF2B5EF4-FFF2-40B4-BE49-F238E27FC236}">
-                <a16:creationId xmlns:a16="http://schemas.microsoft.com/office/drawing/2014/main" id="{7B0C1F3D-CA61-4817-95D0-0DF45695781C}"/>
-              </a:ext>
-            </a:extLst>
-          </p:cNvPr>
-          <p:cNvCxnSpPr>
-            <a:cxnSpLocks/>
-            <a:stCxn id="56" idx="2"/>
-            <a:endCxn id="6" idx="0"/>
-          </p:cNvCxnSpPr>
-          <p:nvPr/>
-        </p:nvCxnSpPr>
-        <p:spPr>
-          <a:xfrm>
-            <a:off x="842645" y="5424805"/>
-            <a:ext cx="0" cy="279400"/>
-          </a:xfrm>
-          <a:prstGeom prst="straightConnector1">
-            <a:avLst/>
-          </a:prstGeom>
-          <a:ln w="12700">
-            <a:solidFill>
-              <a:srgbClr val="545B64"/>
-            </a:solidFill>
-            <a:headEnd type="arrow" w="med" len="sm"/>
-            <a:tailEnd type="none" w="med" len="sm"/>
-          </a:ln>
-        </p:spPr>
-        <p:style>
-          <a:lnRef idx="1">
-            <a:schemeClr val="accent1"/>
-          </a:lnRef>
-          <a:fillRef idx="0">
-            <a:schemeClr val="accent1"/>
-          </a:fillRef>
-          <a:effectRef idx="0">
-            <a:schemeClr val="accent1"/>
-          </a:effectRef>
-          <a:fontRef idx="minor">
-            <a:schemeClr val="tx1"/>
-          </a:fontRef>
-        </p:style>
-      </p:cxnSp>
-      <p:cxnSp>
-        <p:nvCxnSpPr>
-          <p:cNvPr id="72" name="Elbow Connector 10">
-            <a:extLst>
-              <a:ext uri="{FF2B5EF4-FFF2-40B4-BE49-F238E27FC236}">
-                <a16:creationId xmlns:a16="http://schemas.microsoft.com/office/drawing/2014/main" id="{7F005C83-708E-41B7-BAD4-0498D1B181C4}"/>
-              </a:ext>
-            </a:extLst>
-          </p:cNvPr>
-          <p:cNvCxnSpPr>
-            <a:cxnSpLocks/>
-            <a:stCxn id="56" idx="3"/>
-            <a:endCxn id="42" idx="1"/>
-          </p:cNvCxnSpPr>
-          <p:nvPr/>
-        </p:nvCxnSpPr>
-        <p:spPr>
-          <a:xfrm>
-            <a:off x="1022985" y="5245100"/>
-            <a:ext cx="1313180" cy="368300"/>
-          </a:xfrm>
-          <a:prstGeom prst="bentConnector3">
-            <a:avLst/>
-          </a:prstGeom>
-          <a:ln w="12700">
-            <a:solidFill>
-              <a:srgbClr val="545B64"/>
-            </a:solidFill>
-            <a:headEnd type="none" w="med" len="sm"/>
-            <a:tailEnd type="arrow" w="med" len="sm"/>
-          </a:ln>
-        </p:spPr>
-        <p:style>
-          <a:lnRef idx="1">
-            <a:schemeClr val="accent1"/>
-          </a:lnRef>
-          <a:fillRef idx="0">
-            <a:schemeClr val="accent1"/>
-          </a:fillRef>
-          <a:effectRef idx="0">
-            <a:schemeClr val="accent1"/>
-          </a:effectRef>
-          <a:fontRef idx="minor">
-            <a:schemeClr val="tx1"/>
-          </a:fontRef>
-        </p:style>
-      </p:cxnSp>
-      <p:cxnSp>
-        <p:nvCxnSpPr>
-          <p:cNvPr id="75" name="Elbow Connector 10">
-            <a:extLst>
-              <a:ext uri="{FF2B5EF4-FFF2-40B4-BE49-F238E27FC236}">
-                <a16:creationId xmlns:a16="http://schemas.microsoft.com/office/drawing/2014/main" id="{F4DAFE0A-F91C-4E1A-879D-8C2E44784789}"/>
-              </a:ext>
-            </a:extLst>
-          </p:cNvPr>
-          <p:cNvCxnSpPr>
-            <a:cxnSpLocks/>
-            <a:stCxn id="42" idx="1"/>
-            <a:endCxn id="58" idx="3"/>
-          </p:cNvCxnSpPr>
-          <p:nvPr/>
-        </p:nvCxnSpPr>
-        <p:spPr>
-          <a:xfrm rot="10800000">
-            <a:off x="2179320" y="4389755"/>
-            <a:ext cx="156845" cy="1223645"/>
-          </a:xfrm>
-          <a:prstGeom prst="bentConnector3">
-            <a:avLst>
-              <a:gd name="adj1" fmla="val 50000"/>
-            </a:avLst>
-          </a:prstGeom>
-          <a:ln w="12700">
-            <a:solidFill>
-              <a:srgbClr val="545B64"/>
-            </a:solidFill>
-            <a:headEnd type="none" w="med" len="sm"/>
-            <a:tailEnd type="arrow" w="med" len="sm"/>
-          </a:ln>
-        </p:spPr>
-        <p:style>
-          <a:lnRef idx="1">
-            <a:schemeClr val="accent1"/>
-          </a:lnRef>
-          <a:fillRef idx="0">
-            <a:schemeClr val="accent1"/>
-          </a:fillRef>
-          <a:effectRef idx="0">
-            <a:schemeClr val="accent1"/>
-          </a:effectRef>
-          <a:fontRef idx="minor">
-            <a:schemeClr val="tx1"/>
-          </a:fontRef>
-        </p:style>
-      </p:cxnSp>
-      <p:cxnSp>
-        <p:nvCxnSpPr>
-          <p:cNvPr id="78" name="Elbow Connector 10">
-            <a:extLst>
-              <a:ext uri="{FF2B5EF4-FFF2-40B4-BE49-F238E27FC236}">
-                <a16:creationId xmlns:a16="http://schemas.microsoft.com/office/drawing/2014/main" id="{665ECA91-4D3B-4914-AB47-C0B305B55DAC}"/>
-              </a:ext>
-            </a:extLst>
-          </p:cNvPr>
-          <p:cNvCxnSpPr>
-            <a:cxnSpLocks/>
-            <a:stCxn id="42" idx="1"/>
-          </p:cNvCxnSpPr>
-          <p:nvPr/>
-        </p:nvCxnSpPr>
-        <p:spPr>
-          <a:xfrm rot="10800000">
-            <a:off x="2179320" y="4831080"/>
-            <a:ext cx="156845" cy="781685"/>
-          </a:xfrm>
-          <a:prstGeom prst="bentConnector2">
-            <a:avLst/>
-          </a:prstGeom>
-          <a:ln w="12700">
-            <a:solidFill>
-              <a:srgbClr val="545B64"/>
-            </a:solidFill>
-            <a:headEnd type="none" w="med" len="sm"/>
-            <a:tailEnd type="arrow" w="med" len="sm"/>
-          </a:ln>
-        </p:spPr>
-        <p:style>
-          <a:lnRef idx="1">
-            <a:schemeClr val="accent1"/>
-          </a:lnRef>
-          <a:fillRef idx="0">
-            <a:schemeClr val="accent1"/>
-          </a:fillRef>
-          <a:effectRef idx="0">
-            <a:schemeClr val="accent1"/>
-          </a:effectRef>
-          <a:fontRef idx="minor">
-            <a:schemeClr val="tx1"/>
-          </a:fontRef>
-        </p:style>
-      </p:cxnSp>
-      <p:cxnSp>
-        <p:nvCxnSpPr>
-          <p:cNvPr id="82" name="Elbow Connector 10">
-            <a:extLst>
-              <a:ext uri="{FF2B5EF4-FFF2-40B4-BE49-F238E27FC236}">
-                <a16:creationId xmlns:a16="http://schemas.microsoft.com/office/drawing/2014/main" id="{06EEAF54-7FDC-4530-B0B5-F5E5C6A6D13D}"/>
-              </a:ext>
-            </a:extLst>
-          </p:cNvPr>
-          <p:cNvCxnSpPr>
-            <a:cxnSpLocks/>
-            <a:stCxn id="5" idx="3"/>
-            <a:endCxn id="41" idx="1"/>
-          </p:cNvCxnSpPr>
-          <p:nvPr/>
-        </p:nvCxnSpPr>
-        <p:spPr>
-          <a:xfrm>
-            <a:off x="1114425" y="2486660"/>
-            <a:ext cx="1287780" cy="137160"/>
-          </a:xfrm>
-          <a:prstGeom prst="bentConnector3">
-            <a:avLst/>
-          </a:prstGeom>
-          <a:ln w="12700">
-            <a:solidFill>
-              <a:srgbClr val="545B64"/>
-            </a:solidFill>
-            <a:headEnd type="none" w="med" len="sm"/>
-            <a:tailEnd type="arrow" w="med" len="sm"/>
-          </a:ln>
-        </p:spPr>
-        <p:style>
-          <a:lnRef idx="1">
-            <a:schemeClr val="accent1"/>
-          </a:lnRef>
-          <a:fillRef idx="0">
-            <a:schemeClr val="accent1"/>
-          </a:fillRef>
-          <a:effectRef idx="0">
-            <a:schemeClr val="accent1"/>
-          </a:effectRef>
-          <a:fontRef idx="minor">
-            <a:schemeClr val="tx1"/>
-          </a:fontRef>
-        </p:style>
-      </p:cxnSp>
-      <p:cxnSp>
-        <p:nvCxnSpPr>
-          <p:cNvPr id="85" name="Elbow Connector 10">
-            <a:extLst>
-              <a:ext uri="{FF2B5EF4-FFF2-40B4-BE49-F238E27FC236}">
-                <a16:creationId xmlns:a16="http://schemas.microsoft.com/office/drawing/2014/main" id="{5B5B092F-075A-4941-A201-287A648C3DE4}"/>
-              </a:ext>
-            </a:extLst>
-          </p:cNvPr>
-          <p:cNvCxnSpPr>
-            <a:cxnSpLocks/>
-            <a:stCxn id="41" idx="3"/>
-            <a:endCxn id="43" idx="1"/>
-          </p:cNvCxnSpPr>
-          <p:nvPr/>
-        </p:nvCxnSpPr>
-        <p:spPr>
-          <a:xfrm flipV="1">
-            <a:off x="2762250" y="1914525"/>
-            <a:ext cx="1202055" cy="709930"/>
-          </a:xfrm>
-          <a:prstGeom prst="bentConnector3">
-            <a:avLst>
-              <a:gd name="adj1" fmla="val 14339"/>
-            </a:avLst>
-          </a:prstGeom>
-          <a:ln w="12700">
-            <a:solidFill>
-              <a:srgbClr val="545B64"/>
-            </a:solidFill>
-            <a:headEnd type="none" w="med" len="sm"/>
-            <a:tailEnd type="arrow" w="med" len="sm"/>
-          </a:ln>
-        </p:spPr>
-        <p:style>
-          <a:lnRef idx="1">
-            <a:schemeClr val="accent1"/>
-          </a:lnRef>
-          <a:fillRef idx="0">
-            <a:schemeClr val="accent1"/>
-          </a:fillRef>
-          <a:effectRef idx="0">
-            <a:schemeClr val="accent1"/>
-          </a:effectRef>
-          <a:fontRef idx="minor">
-            <a:schemeClr val="tx1"/>
-          </a:fontRef>
-        </p:style>
-      </p:cxnSp>
-      <p:cxnSp>
-        <p:nvCxnSpPr>
-          <p:cNvPr id="89" name="Elbow Connector 10">
-            <a:extLst>
-              <a:ext uri="{FF2B5EF4-FFF2-40B4-BE49-F238E27FC236}">
-                <a16:creationId xmlns:a16="http://schemas.microsoft.com/office/drawing/2014/main" id="{605AC794-A6A4-4B7F-8B45-2D3A9372F2B2}"/>
-              </a:ext>
-            </a:extLst>
-          </p:cNvPr>
-          <p:cNvCxnSpPr>
-            <a:cxnSpLocks/>
-            <a:stCxn id="45" idx="3"/>
-            <a:endCxn id="24" idx="1"/>
-          </p:cNvCxnSpPr>
-          <p:nvPr/>
-        </p:nvCxnSpPr>
-        <p:spPr>
-          <a:xfrm flipV="1">
-            <a:off x="4323715" y="2983865"/>
-            <a:ext cx="1349375" cy="1045845"/>
-          </a:xfrm>
-          <a:prstGeom prst="bentConnector3">
-            <a:avLst>
-              <a:gd name="adj1" fmla="val 76826"/>
-            </a:avLst>
-          </a:prstGeom>
-          <a:ln w="12700">
-            <a:solidFill>
-              <a:srgbClr val="545B64"/>
-            </a:solidFill>
-            <a:headEnd type="none" w="med" len="sm"/>
-            <a:tailEnd type="arrow" w="med" len="sm"/>
-          </a:ln>
-        </p:spPr>
-        <p:style>
-          <a:lnRef idx="1">
-            <a:schemeClr val="accent1"/>
-          </a:lnRef>
-          <a:fillRef idx="0">
-            <a:schemeClr val="accent1"/>
-          </a:fillRef>
-          <a:effectRef idx="0">
-            <a:schemeClr val="accent1"/>
-          </a:effectRef>
-          <a:fontRef idx="minor">
-            <a:schemeClr val="tx1"/>
-          </a:fontRef>
-        </p:style>
-      </p:cxnSp>
-      <p:cxnSp>
-        <p:nvCxnSpPr>
-          <p:cNvPr id="94" name="Straight Arrow Connector 9">
-            <a:extLst>
-              <a:ext uri="{FF2B5EF4-FFF2-40B4-BE49-F238E27FC236}">
-                <a16:creationId xmlns:a16="http://schemas.microsoft.com/office/drawing/2014/main" id="{50BE6539-3A34-4DAD-8F47-7BD36180286B}"/>
-              </a:ext>
-            </a:extLst>
-          </p:cNvPr>
-          <p:cNvCxnSpPr>
-            <a:cxnSpLocks/>
-            <a:stCxn id="45" idx="0"/>
-            <a:endCxn id="17" idx="2"/>
-          </p:cNvCxnSpPr>
-          <p:nvPr/>
-        </p:nvCxnSpPr>
-        <p:spPr>
-          <a:xfrm flipV="1">
-            <a:off x="4144010" y="3569970"/>
-            <a:ext cx="5715" cy="279400"/>
-          </a:xfrm>
-          <a:prstGeom prst="straightConnector1">
-            <a:avLst/>
-          </a:prstGeom>
-          <a:ln w="12700">
-            <a:solidFill>
-              <a:srgbClr val="545B64"/>
-            </a:solidFill>
-            <a:headEnd type="arrow" w="med" len="sm"/>
-            <a:tailEnd type="none" w="med" len="sm"/>
-          </a:ln>
-        </p:spPr>
-        <p:style>
-          <a:lnRef idx="1">
-            <a:schemeClr val="accent1"/>
-          </a:lnRef>
-          <a:fillRef idx="0">
-            <a:schemeClr val="accent1"/>
-          </a:fillRef>
-          <a:effectRef idx="0">
-            <a:schemeClr val="accent1"/>
-          </a:effectRef>
-          <a:fontRef idx="minor">
-            <a:schemeClr val="tx1"/>
-          </a:fontRef>
-        </p:style>
-      </p:cxnSp>
-      <p:cxnSp>
-        <p:nvCxnSpPr>
-          <p:cNvPr id="100" name="Straight Arrow Connector 9">
-            <a:extLst>
-              <a:ext uri="{FF2B5EF4-FFF2-40B4-BE49-F238E27FC236}">
-                <a16:creationId xmlns:a16="http://schemas.microsoft.com/office/drawing/2014/main" id="{92A686E4-82EC-4D79-9F50-CC280F423F53}"/>
-              </a:ext>
-            </a:extLst>
-          </p:cNvPr>
-          <p:cNvCxnSpPr>
-            <a:cxnSpLocks/>
-            <a:stCxn id="17" idx="0"/>
-            <a:endCxn id="43" idx="2"/>
-          </p:cNvCxnSpPr>
-          <p:nvPr/>
-        </p:nvCxnSpPr>
-        <p:spPr>
-          <a:xfrm flipH="1" flipV="1">
-            <a:off x="4144010" y="2094230"/>
-            <a:ext cx="5080" cy="381000"/>
-          </a:xfrm>
-          <a:prstGeom prst="straightConnector1">
-            <a:avLst/>
-          </a:prstGeom>
-          <a:ln w="12700">
-            <a:solidFill>
-              <a:srgbClr val="545B64"/>
-            </a:solidFill>
-            <a:headEnd type="arrow" w="med" len="sm"/>
-            <a:tailEnd type="none" w="med" len="sm"/>
-          </a:ln>
-        </p:spPr>
-        <p:style>
-          <a:lnRef idx="1">
-            <a:schemeClr val="accent1"/>
-          </a:lnRef>
-          <a:fillRef idx="0">
-            <a:schemeClr val="accent1"/>
-          </a:fillRef>
-          <a:effectRef idx="0">
-            <a:schemeClr val="accent1"/>
-          </a:effectRef>
-          <a:fontRef idx="minor">
-            <a:schemeClr val="tx1"/>
-          </a:fontRef>
-        </p:style>
-      </p:cxnSp>
-      <p:cxnSp>
-        <p:nvCxnSpPr>
-          <p:cNvPr id="101" name="Elbow Connector 10">
-            <a:extLst>
-              <a:ext uri="{FF2B5EF4-FFF2-40B4-BE49-F238E27FC236}">
-                <a16:creationId xmlns:a16="http://schemas.microsoft.com/office/drawing/2014/main" id="{C3841541-151B-4B15-8B10-B95FEDAE07A2}"/>
-              </a:ext>
-            </a:extLst>
-          </p:cNvPr>
-          <p:cNvCxnSpPr>
-            <a:cxnSpLocks/>
-            <a:stCxn id="33" idx="3"/>
-            <a:endCxn id="16" idx="1"/>
-          </p:cNvCxnSpPr>
-          <p:nvPr/>
-        </p:nvCxnSpPr>
-        <p:spPr>
-          <a:xfrm flipV="1">
-            <a:off x="5673090" y="5066030"/>
-            <a:ext cx="1165225" cy="472440"/>
-          </a:xfrm>
-          <a:prstGeom prst="bentConnector3">
-            <a:avLst>
-              <a:gd name="adj1" fmla="val 73702"/>
-            </a:avLst>
-          </a:prstGeom>
-          <a:ln w="12700">
-            <a:solidFill>
-              <a:srgbClr val="545B64"/>
-            </a:solidFill>
-            <a:headEnd type="none" w="med" len="sm"/>
-            <a:tailEnd type="arrow" w="med" len="sm"/>
-          </a:ln>
-        </p:spPr>
-        <p:style>
-          <a:lnRef idx="1">
-            <a:schemeClr val="accent1"/>
-          </a:lnRef>
-          <a:fillRef idx="0">
-            <a:schemeClr val="accent1"/>
-          </a:fillRef>
-          <a:effectRef idx="0">
-            <a:schemeClr val="accent1"/>
-          </a:effectRef>
-          <a:fontRef idx="minor">
-            <a:schemeClr val="tx1"/>
-          </a:fontRef>
-        </p:style>
-      </p:cxnSp>
-      <p:cxnSp>
-        <p:nvCxnSpPr>
-          <p:cNvPr id="112" name="Elbow Connector 10">
-            <a:extLst>
-              <a:ext uri="{FF2B5EF4-FFF2-40B4-BE49-F238E27FC236}">
-                <a16:creationId xmlns:a16="http://schemas.microsoft.com/office/drawing/2014/main" id="{0EDBC85B-72B1-4C57-9887-8F12AF40D905}"/>
-              </a:ext>
-            </a:extLst>
-          </p:cNvPr>
-          <p:cNvCxnSpPr>
-            <a:cxnSpLocks/>
-            <a:stCxn id="33" idx="3"/>
-            <a:endCxn id="46" idx="1"/>
-          </p:cNvCxnSpPr>
-          <p:nvPr/>
-        </p:nvCxnSpPr>
-        <p:spPr>
-          <a:xfrm>
-            <a:off x="5673090" y="5539105"/>
-            <a:ext cx="1169035" cy="213360"/>
-          </a:xfrm>
-          <a:prstGeom prst="bentConnector3">
-            <a:avLst>
-              <a:gd name="adj1" fmla="val 73631"/>
-            </a:avLst>
-          </a:prstGeom>
-          <a:ln w="12700">
-            <a:solidFill>
-              <a:srgbClr val="545B64"/>
-            </a:solidFill>
-            <a:headEnd type="none" w="med" len="sm"/>
-            <a:tailEnd type="arrow" w="med" len="sm"/>
-          </a:ln>
-        </p:spPr>
-        <p:style>
-          <a:lnRef idx="1">
-            <a:schemeClr val="accent1"/>
-          </a:lnRef>
-          <a:fillRef idx="0">
-            <a:schemeClr val="accent1"/>
-          </a:fillRef>
-          <a:effectRef idx="0">
-            <a:schemeClr val="accent1"/>
-          </a:effectRef>
-          <a:fontRef idx="minor">
-            <a:schemeClr val="tx1"/>
-          </a:fontRef>
-        </p:style>
-      </p:cxnSp>
-      <p:cxnSp>
-        <p:nvCxnSpPr>
-          <p:cNvPr id="116" name="Elbow Connector 10">
-            <a:extLst>
-              <a:ext uri="{FF2B5EF4-FFF2-40B4-BE49-F238E27FC236}">
-                <a16:creationId xmlns:a16="http://schemas.microsoft.com/office/drawing/2014/main" id="{71595692-7470-4827-8325-CE0ADEF1E78A}"/>
-              </a:ext>
-            </a:extLst>
-          </p:cNvPr>
-          <p:cNvCxnSpPr>
-            <a:cxnSpLocks/>
-            <a:stCxn id="13" idx="2"/>
-            <a:endCxn id="61" idx="2"/>
-          </p:cNvCxnSpPr>
-          <p:nvPr/>
-        </p:nvCxnSpPr>
-        <p:spPr>
-          <a:xfrm rot="5400000" flipH="1" flipV="1">
-            <a:off x="5972810" y="3834765"/>
-            <a:ext cx="848995" cy="4016375"/>
-          </a:xfrm>
-          <a:prstGeom prst="bentConnector3">
-            <a:avLst>
-              <a:gd name="adj1" fmla="val -11215"/>
-            </a:avLst>
-          </a:prstGeom>
-          <a:ln w="12700">
-            <a:solidFill>
-              <a:srgbClr val="545B64"/>
-            </a:solidFill>
-            <a:headEnd type="none" w="med" len="sm"/>
-            <a:tailEnd type="arrow" w="med" len="sm"/>
-          </a:ln>
-        </p:spPr>
-        <p:style>
-          <a:lnRef idx="1">
-            <a:schemeClr val="accent1"/>
-          </a:lnRef>
-          <a:fillRef idx="0">
-            <a:schemeClr val="accent1"/>
-          </a:fillRef>
-          <a:effectRef idx="0">
-            <a:schemeClr val="accent1"/>
-          </a:effectRef>
-          <a:fontRef idx="minor">
-            <a:schemeClr val="tx1"/>
-          </a:fontRef>
-        </p:style>
-      </p:cxnSp>
-      <p:cxnSp>
-        <p:nvCxnSpPr>
-          <p:cNvPr id="123" name="Elbow Connector 10">
-            <a:extLst>
-              <a:ext uri="{FF2B5EF4-FFF2-40B4-BE49-F238E27FC236}">
-                <a16:creationId xmlns:a16="http://schemas.microsoft.com/office/drawing/2014/main" id="{758C18B6-6EA9-41A6-99A1-1197E6659182}"/>
-              </a:ext>
-            </a:extLst>
-          </p:cNvPr>
-          <p:cNvCxnSpPr>
-            <a:cxnSpLocks/>
-            <a:stCxn id="61" idx="0"/>
-            <a:endCxn id="11" idx="2"/>
-          </p:cNvCxnSpPr>
-          <p:nvPr/>
-        </p:nvCxnSpPr>
-        <p:spPr>
-          <a:xfrm rot="16200000" flipV="1">
-            <a:off x="7446010" y="4098290"/>
-            <a:ext cx="515620" cy="1403985"/>
-          </a:xfrm>
-          <a:prstGeom prst="bentConnector3">
-            <a:avLst>
-              <a:gd name="adj1" fmla="val 57387"/>
-            </a:avLst>
-          </a:prstGeom>
-          <a:ln w="12700">
-            <a:solidFill>
-              <a:srgbClr val="545B64"/>
-            </a:solidFill>
-            <a:headEnd type="none" w="med" len="sm"/>
-            <a:tailEnd type="arrow" w="med" len="sm"/>
-          </a:ln>
-        </p:spPr>
-        <p:style>
-          <a:lnRef idx="1">
-            <a:schemeClr val="accent1"/>
-          </a:lnRef>
-          <a:fillRef idx="0">
-            <a:schemeClr val="accent1"/>
-          </a:fillRef>
-          <a:effectRef idx="0">
-            <a:schemeClr val="accent1"/>
-          </a:effectRef>
-          <a:fontRef idx="minor">
-            <a:schemeClr val="tx1"/>
-          </a:fontRef>
-        </p:style>
-      </p:cxnSp>
-      <p:cxnSp>
-        <p:nvCxnSpPr>
-          <p:cNvPr id="127" name="Straight Arrow Connector 9">
-            <a:extLst>
-              <a:ext uri="{FF2B5EF4-FFF2-40B4-BE49-F238E27FC236}">
-                <a16:creationId xmlns:a16="http://schemas.microsoft.com/office/drawing/2014/main" id="{1664C363-2F7A-4F58-9E4A-AC1D4872437A}"/>
-              </a:ext>
-            </a:extLst>
-          </p:cNvPr>
-          <p:cNvCxnSpPr>
-            <a:cxnSpLocks/>
-            <a:stCxn id="20" idx="0"/>
-            <a:endCxn id="19" idx="2"/>
-          </p:cNvCxnSpPr>
-          <p:nvPr/>
-        </p:nvCxnSpPr>
-        <p:spPr>
-          <a:xfrm flipV="1">
-            <a:off x="10088245" y="2933700"/>
-            <a:ext cx="0" cy="258445"/>
-          </a:xfrm>
-          <a:prstGeom prst="straightConnector1">
-            <a:avLst/>
-          </a:prstGeom>
-          <a:ln w="12700">
-            <a:solidFill>
-              <a:srgbClr val="545B64"/>
-            </a:solidFill>
-            <a:headEnd type="arrow" w="med" len="sm"/>
-            <a:tailEnd type="none" w="med" len="sm"/>
-          </a:ln>
-        </p:spPr>
-        <p:style>
-          <a:lnRef idx="1">
-            <a:schemeClr val="accent1"/>
-          </a:lnRef>
-          <a:fillRef idx="0">
-            <a:schemeClr val="accent1"/>
-          </a:fillRef>
-          <a:effectRef idx="0">
-            <a:schemeClr val="accent1"/>
-          </a:effectRef>
-          <a:fontRef idx="minor">
-            <a:schemeClr val="tx1"/>
-          </a:fontRef>
-        </p:style>
-      </p:cxnSp>
     </p:spTree>
-    <p:extLst>
-      <p:ext uri="{BB962C8B-B14F-4D97-AF65-F5344CB8AC3E}">
-        <p14:creationId xmlns:p14="http://schemas.microsoft.com/office/powerpoint/2010/main" val="1598516539"/>
-      </p:ext>
-    </p:extLst>
   </p:cSld>
   <p:clrMapOvr>
     <a:masterClrMapping/>
   </p:clrMapOvr>
   <mc:AlternateContent xmlns:mc="http://schemas.openxmlformats.org/markup-compatibility/2006">
     <mc:Choice xmlns:p14="http://schemas.microsoft.com/office/powerpoint/2010/main" Requires="p14">
-      <p:transition spd="slow" p14:dur="2000"/>
+      <p:transition xmlns:mc="http://schemas.openxmlformats.org/markup-compatibility/2006" xmlns:p14="http://schemas.microsoft.com/office/powerpoint/2010/main" mc:Ignorable="p14" p14:dur="500"/>
     </mc:Choice>
     <mc:Fallback>
-      <p:transition spd="slow"/>
+      <p:transition/>
     </mc:Fallback>
   </mc:AlternateContent>
-  <p:timing>
-    <p:tnLst>
-      <p:par>
-        <p:cTn id="1" dur="indefinite" restart="never" nodeType="tmRoot"/>
-      </p:par>
-    </p:tnLst>
-  </p:timing>
 </p:sld>
 </file>
 
-<file path=ppt/slides/slide2.xml><?xml version="1.0" encoding="utf-8"?>
+<file path=ppt/slides/slide5.xml><?xml version="1.0" encoding="utf-8"?>
 <p:sld xmlns:a="http://schemas.openxmlformats.org/drawingml/2006/main" xmlns:r="http://schemas.openxmlformats.org/officeDocument/2006/relationships" xmlns:p="http://schemas.openxmlformats.org/presentationml/2006/main">
   <p:cSld>
     <p:spTree>
@@ -13846,44 +10146,44 @@
 </file>
 
 <file path=ppt/theme/theme1.xml><?xml version="1.0" encoding="utf-8"?>
-<a:theme xmlns:a="http://schemas.openxmlformats.org/drawingml/2006/main" name="Office 테마">
+<a:theme xmlns:r="http://schemas.openxmlformats.org/officeDocument/2006/relationships" xmlns:c="http://schemas.openxmlformats.org/drawingml/2006/chart" xmlns:dgm="http://schemas.openxmlformats.org/drawingml/2006/diagram" xmlns:dsp="http://schemas.microsoft.com/office/drawing/2008/diagram" xmlns:a="http://schemas.openxmlformats.org/drawingml/2006/main" xmlns:pic="http://schemas.openxmlformats.org/drawingml/2006/picture" xmlns:wp="http://schemas.openxmlformats.org/drawingml/2006/wordprocessingDrawing" xmlns:xdr="http://schemas.openxmlformats.org/drawingml/2006/spreadsheetDrawing" xmlns:lc="http://schemas.openxmlformats.org/drawingml/2006/lockedCanvas" xmlns:p="http://schemas.openxmlformats.org/presentationml/2006/main" name="Office 테마">
   <a:themeElements>
     <a:clrScheme name="Office">
       <a:dk1>
         <a:sysClr val="windowText" lastClr="000000"/>
       </a:dk1>
       <a:lt1>
-        <a:sysClr val="window" lastClr="FFFFFF"/>
+        <a:sysClr val="window" lastClr="ffffff"/>
       </a:lt1>
       <a:dk2>
-        <a:srgbClr val="44546A"/>
+        <a:srgbClr val="44546a"/>
       </a:dk2>
       <a:lt2>
-        <a:srgbClr val="E7E6E6"/>
+        <a:srgbClr val="e7e6e6"/>
       </a:lt2>
       <a:accent1>
-        <a:srgbClr val="4472C4"/>
+        <a:srgbClr val="4472c4"/>
       </a:accent1>
       <a:accent2>
-        <a:srgbClr val="ED7D31"/>
+        <a:srgbClr val="ed7d31"/>
       </a:accent2>
       <a:accent3>
-        <a:srgbClr val="A5A5A5"/>
+        <a:srgbClr val="a5a5a5"/>
       </a:accent3>
       <a:accent4>
-        <a:srgbClr val="FFC000"/>
+        <a:srgbClr val="ffc000"/>
       </a:accent4>
       <a:accent5>
-        <a:srgbClr val="5B9BD5"/>
+        <a:srgbClr val="5b9bd5"/>
       </a:accent5>
       <a:accent6>
-        <a:srgbClr val="70AD47"/>
+        <a:srgbClr val="70ad47"/>
       </a:accent6>
       <a:hlink>
-        <a:srgbClr val="0563C1"/>
+        <a:srgbClr val="0563c1"/>
       </a:hlink>
       <a:folHlink>
-        <a:srgbClr val="954F72"/>
+        <a:srgbClr val="954f72"/>
       </a:folHlink>
     </a:clrScheme>
     <a:fontScheme name="Office">
@@ -13891,7 +10191,7 @@
         <a:latin typeface="맑은 고딕" panose="020F0302020204030204"/>
         <a:ea typeface=""/>
         <a:cs typeface=""/>
-        <a:font script="Jpan" typeface="游ゴシック Light"/>
+        <a:font script="Jpan" typeface="Yu Gothic Light"/>
         <a:font script="Hang" typeface="맑은 고딕"/>
         <a:font script="Hans" typeface="等线 Light"/>
         <a:font script="Hant" typeface="新細明體"/>
@@ -13943,7 +10243,7 @@
         <a:latin typeface="맑은 고딕" panose="020F0502020204030204"/>
         <a:ea typeface=""/>
         <a:cs typeface=""/>
-        <a:font script="Jpan" typeface="游ゴシック"/>
+        <a:font script="Jpan" typeface="Yu Gothic"/>
         <a:font script="Hang" typeface="맑은 고딕"/>
         <a:font script="Hans" typeface="等线"/>
         <a:font script="Hant" typeface="新細明體"/>
@@ -14056,21 +10356,21 @@
             <a:schemeClr val="phClr"/>
           </a:solidFill>
           <a:prstDash val="solid"/>
-          <a:miter lim="800000"/>
+          <a:miter/>
         </a:ln>
         <a:ln w="12700" cap="flat" cmpd="sng" algn="ctr">
           <a:solidFill>
             <a:schemeClr val="phClr"/>
           </a:solidFill>
           <a:prstDash val="solid"/>
-          <a:miter lim="800000"/>
+          <a:miter/>
         </a:ln>
         <a:ln w="19050" cap="flat" cmpd="sng" algn="ctr">
           <a:solidFill>
             <a:schemeClr val="phClr"/>
           </a:solidFill>
           <a:prstDash val="solid"/>
-          <a:miter lim="800000"/>
+          <a:miter/>
         </a:ln>
       </a:lnStyleLst>
       <a:effectStyleLst>
@@ -14130,12 +10430,268 @@
       </a:bgFillStyleLst>
     </a:fmtScheme>
   </a:themeElements>
-  <a:objectDefaults/>
-  <a:extraClrSchemeLst/>
-  <a:extLst>
-    <a:ext uri="{05A4C25C-085E-4340-85A3-A5531E510DB2}">
-      <thm15:themeFamily xmlns:thm15="http://schemas.microsoft.com/office/thememl/2012/main" name="Office Theme" id="{62F939B6-93AF-4DB8-9C6B-D6C7DFDC589F}" vid="{4A3C46E8-61CC-4603-A589-7422A47A8E4A}"/>
-    </a:ext>
-  </a:extLst>
+</a:theme>
+</file>
+
+<file path=ppt/theme/theme2.xml><?xml version="1.0" encoding="utf-8"?>
+<a:theme xmlns:r="http://schemas.openxmlformats.org/officeDocument/2006/relationships" xmlns:c="http://schemas.openxmlformats.org/drawingml/2006/chart" xmlns:dgm="http://schemas.openxmlformats.org/drawingml/2006/diagram" xmlns:dsp="http://schemas.microsoft.com/office/drawing/2008/diagram" xmlns:a="http://schemas.openxmlformats.org/drawingml/2006/main" xmlns:pic="http://schemas.openxmlformats.org/drawingml/2006/picture" xmlns:wp="http://schemas.openxmlformats.org/drawingml/2006/wordprocessingDrawing" xmlns:xdr="http://schemas.openxmlformats.org/drawingml/2006/spreadsheetDrawing" xmlns:lc="http://schemas.openxmlformats.org/drawingml/2006/lockedCanvas" xmlns:p="http://schemas.openxmlformats.org/presentationml/2006/main" name="한컴오피스">
+  <a:themeElements>
+    <a:clrScheme name="한컴오피스">
+      <a:dk1>
+        <a:sysClr val="windowText" lastClr="000000"/>
+      </a:dk1>
+      <a:lt1>
+        <a:sysClr val="window" lastClr="ffffff"/>
+      </a:lt1>
+      <a:dk2>
+        <a:srgbClr val="3a3c84"/>
+      </a:dk2>
+      <a:lt2>
+        <a:srgbClr val="faf3db"/>
+      </a:lt2>
+      <a:accent1>
+        <a:srgbClr val="6182d6"/>
+      </a:accent1>
+      <a:accent2>
+        <a:srgbClr val="ff843a"/>
+      </a:accent2>
+      <a:accent3>
+        <a:srgbClr val="b2b2b2"/>
+      </a:accent3>
+      <a:accent4>
+        <a:srgbClr val="ffd700"/>
+      </a:accent4>
+      <a:accent5>
+        <a:srgbClr val="289b6e"/>
+      </a:accent5>
+      <a:accent6>
+        <a:srgbClr val="9d5cbb"/>
+      </a:accent6>
+      <a:hlink>
+        <a:srgbClr val="0000ff"/>
+      </a:hlink>
+      <a:folHlink>
+        <a:srgbClr val="800080"/>
+      </a:folHlink>
+    </a:clrScheme>
+    <a:fontScheme name="한컴오피스">
+      <a:majorFont>
+        <a:latin typeface="Calibri"/>
+        <a:ea typeface=""/>
+        <a:cs typeface=""/>
+        <a:font script="Jpan" typeface="MS PGothic"/>
+        <a:font script="Hang" typeface="맑은 고딕"/>
+        <a:font script="Hans" typeface="SimSun"/>
+        <a:font script="Hant" typeface="新細明體"/>
+        <a:font script="Arab" typeface="Times New Roman"/>
+        <a:font script="Hebr" typeface="Times New Roman"/>
+        <a:font script="Thai" typeface="Angsana New"/>
+        <a:font script="Beng" typeface="Vrinda"/>
+        <a:font script="Gujr" typeface="Shruti"/>
+        <a:font script="Khmr" typeface="MoolBoran"/>
+        <a:font script="Knda" typeface="Tunga"/>
+        <a:font script="Guru" typeface="Raavi"/>
+        <a:font script="Cans" typeface="Euphemia"/>
+        <a:font script="Cher" typeface="Plantagenet Cherokee"/>
+        <a:font script="Yiii" typeface="Microsoft Yi Baiti"/>
+        <a:font script="Tibt" typeface="Microsoft Himalaya"/>
+        <a:font script="Thaa" typeface="MV Boli"/>
+        <a:font script="Deva" typeface="Mangal"/>
+        <a:font script="Telu" typeface="Gautami"/>
+        <a:font script="Taml" typeface="Latha"/>
+        <a:font script="Syrc" typeface="Estrangelo Edessa"/>
+        <a:font script="Orya" typeface="Kalinga"/>
+        <a:font script="Mlym" typeface="Kartika"/>
+        <a:font script="Laoo" typeface="DokChampa"/>
+        <a:font script="Sinh" typeface="Iskoola Pota"/>
+        <a:font script="Mong" typeface="Mongolian Baiti"/>
+        <a:font script="Viet" typeface="Times New Roman"/>
+        <a:font script="Uigh" typeface="Microsoft Uighur"/>
+      </a:majorFont>
+      <a:minorFont>
+        <a:latin typeface="Calibri"/>
+        <a:ea typeface=""/>
+        <a:cs typeface=""/>
+        <a:font script="Jpan" typeface="MS PGothic"/>
+        <a:font script="Hang" typeface="맑은 고딕"/>
+        <a:font script="Hans" typeface="SimSun"/>
+        <a:font script="Hant" typeface="新細明體"/>
+        <a:font script="Arab" typeface="Times New Roman"/>
+        <a:font script="Hebr" typeface="Times New Roman"/>
+        <a:font script="Thai" typeface="Angsana New"/>
+        <a:font script="Beng" typeface="Vrinda"/>
+        <a:font script="Gujr" typeface="Shruti"/>
+        <a:font script="Khmr" typeface="MoolBoran"/>
+        <a:font script="Knda" typeface="Tunga"/>
+        <a:font script="Guru" typeface="Raavi"/>
+        <a:font script="Cans" typeface="Euphemia"/>
+        <a:font script="Cher" typeface="Plantagenet Cherokee"/>
+        <a:font script="Yiii" typeface="Microsoft Yi Baiti"/>
+        <a:font script="Tibt" typeface="Microsoft Himalaya"/>
+        <a:font script="Thaa" typeface="MV Boli"/>
+        <a:font script="Deva" typeface="Mangal"/>
+        <a:font script="Telu" typeface="Gautami"/>
+        <a:font script="Taml" typeface="Latha"/>
+        <a:font script="Syrc" typeface="Estrangelo Edessa"/>
+        <a:font script="Orya" typeface="Kalinga"/>
+        <a:font script="Mlym" typeface="Kartika"/>
+        <a:font script="Laoo" typeface="DokChampa"/>
+        <a:font script="Sinh" typeface="Iskoola Pota"/>
+        <a:font script="Mong" typeface="Mongolian Baiti"/>
+        <a:font script="Viet" typeface="Times New Roman"/>
+        <a:font script="Uigh" typeface="Microsoft Uighur"/>
+      </a:minorFont>
+    </a:fontScheme>
+    <a:fmtScheme name="한컴오피스">
+      <a:fillStyleLst>
+        <a:solidFill>
+          <a:schemeClr val="phClr"/>
+        </a:solidFill>
+        <a:gradFill rotWithShape="1">
+          <a:gsLst>
+            <a:gs pos="0">
+              <a:schemeClr val="phClr">
+                <a:tint val="50000"/>
+                <a:satMod val="300000"/>
+              </a:schemeClr>
+            </a:gs>
+            <a:gs pos="35000">
+              <a:schemeClr val="phClr">
+                <a:tint val="37000"/>
+                <a:satMod val="300000"/>
+              </a:schemeClr>
+            </a:gs>
+            <a:gs pos="100000">
+              <a:schemeClr val="phClr">
+                <a:tint val="15000"/>
+                <a:satMod val="350000"/>
+              </a:schemeClr>
+            </a:gs>
+          </a:gsLst>
+          <a:lin ang="16200000" scaled="1"/>
+        </a:gradFill>
+        <a:gradFill rotWithShape="1">
+          <a:gsLst>
+            <a:gs pos="0">
+              <a:schemeClr val="phClr">
+                <a:shade val="51000"/>
+                <a:satMod val="130000"/>
+              </a:schemeClr>
+            </a:gs>
+            <a:gs pos="80000">
+              <a:schemeClr val="phClr">
+                <a:shade val="93000"/>
+                <a:satMod val="130000"/>
+              </a:schemeClr>
+            </a:gs>
+            <a:gs pos="100000">
+              <a:schemeClr val="phClr">
+                <a:shade val="94000"/>
+                <a:satMod val="135000"/>
+              </a:schemeClr>
+            </a:gs>
+          </a:gsLst>
+          <a:lin ang="16200000" scaled="0"/>
+        </a:gradFill>
+      </a:fillStyleLst>
+      <a:lnStyleLst>
+        <a:ln w="12700" cap="flat" cmpd="sng" algn="ctr">
+          <a:solidFill>
+            <a:schemeClr val="phClr">
+              <a:satMod val="105000"/>
+            </a:schemeClr>
+          </a:solidFill>
+          <a:prstDash val="solid"/>
+        </a:ln>
+        <a:ln w="19050" cap="flat" cmpd="sng" algn="ctr">
+          <a:solidFill>
+            <a:schemeClr val="phClr"/>
+          </a:solidFill>
+          <a:prstDash val="solid"/>
+        </a:ln>
+        <a:ln w="38100" cap="flat" cmpd="sng" algn="ctr">
+          <a:solidFill>
+            <a:schemeClr val="phClr"/>
+          </a:solidFill>
+          <a:prstDash val="solid"/>
+        </a:ln>
+      </a:lnStyleLst>
+      <a:effectStyleLst>
+        <a:effectStyle>
+          <a:effectLst>
+            <a:outerShdw blurRad="38100" dist="25400" dir="5400000" rotWithShape="0">
+              <a:srgbClr val="000000">
+                <a:alpha val="75000"/>
+              </a:srgbClr>
+            </a:outerShdw>
+          </a:effectLst>
+        </a:effectStyle>
+        <a:effectStyle>
+          <a:effectLst>
+            <a:outerShdw blurRad="38100" dist="25400" dir="5400000" rotWithShape="0">
+              <a:srgbClr val="000000">
+                <a:alpha val="75000"/>
+              </a:srgbClr>
+            </a:outerShdw>
+          </a:effectLst>
+        </a:effectStyle>
+        <a:effectStyle>
+          <a:effectLst>
+            <a:reflection blurRad="12700" stA="26000" endPos="28000" dist="38100" dir="5400000" sy="-100000" rotWithShape="0"/>
+          </a:effectLst>
+        </a:effectStyle>
+      </a:effectStyleLst>
+      <a:bgFillStyleLst>
+        <a:solidFill>
+          <a:schemeClr val="phClr"/>
+        </a:solidFill>
+        <a:gradFill rotWithShape="1">
+          <a:gsLst>
+            <a:gs pos="0">
+              <a:schemeClr val="phClr">
+                <a:tint val="40000"/>
+                <a:satMod val="350000"/>
+              </a:schemeClr>
+            </a:gs>
+            <a:gs pos="40000">
+              <a:schemeClr val="phClr">
+                <a:tint val="45000"/>
+                <a:shade val="99000"/>
+                <a:satMod val="350000"/>
+              </a:schemeClr>
+            </a:gs>
+            <a:gs pos="100000">
+              <a:schemeClr val="phClr">
+                <a:shade val="20000"/>
+                <a:satMod val="255000"/>
+              </a:schemeClr>
+            </a:gs>
+          </a:gsLst>
+          <a:path path="circle">
+            <a:fillToRect l="50000" t="-80000" r="50000" b="180000"/>
+          </a:path>
+        </a:gradFill>
+        <a:gradFill rotWithShape="1">
+          <a:gsLst>
+            <a:gs pos="0">
+              <a:schemeClr val="phClr">
+                <a:tint val="80000"/>
+                <a:satMod val="300000"/>
+              </a:schemeClr>
+            </a:gs>
+            <a:gs pos="100000">
+              <a:schemeClr val="phClr">
+                <a:shade val="30000"/>
+                <a:satMod val="200000"/>
+              </a:schemeClr>
+            </a:gs>
+          </a:gsLst>
+          <a:path path="circle">
+            <a:fillToRect l="50000" t="50000" r="50000" b="50000"/>
+          </a:path>
+        </a:gradFill>
+      </a:bgFillStyleLst>
+    </a:fmtScheme>
+  </a:themeElements>
 </a:theme>
 </file>